--- a/CBP專案/帳單API.pptx
+++ b/CBP專案/帳單API.pptx
@@ -11,6 +11,10 @@
     <p:sldId id="260" r:id="rId5"/>
     <p:sldId id="259" r:id="rId6"/>
     <p:sldId id="261" r:id="rId7"/>
+    <p:sldId id="262" r:id="rId8"/>
+    <p:sldId id="263" r:id="rId9"/>
+    <p:sldId id="265" r:id="rId10"/>
+    <p:sldId id="264" r:id="rId11"/>
   </p:sldIdLst>
   <p:sldSz cx="12192000" cy="6858000"/>
   <p:notesSz cx="6858000" cy="9144000"/>
@@ -264,7 +268,7 @@
           <a:p>
             <a:fld id="{6C7F2551-9F6C-44B5-880F-AA7CE6DE8A99}" type="datetimeFigureOut">
               <a:rPr lang="zh-TW" altLang="en-US" smtClean="0"/>
-              <a:t>2023/3/13</a:t>
+              <a:t>2023/3/14</a:t>
             </a:fld>
             <a:endParaRPr lang="zh-TW" altLang="en-US"/>
           </a:p>
@@ -462,7 +466,7 @@
           <a:p>
             <a:fld id="{6C7F2551-9F6C-44B5-880F-AA7CE6DE8A99}" type="datetimeFigureOut">
               <a:rPr lang="zh-TW" altLang="en-US" smtClean="0"/>
-              <a:t>2023/3/13</a:t>
+              <a:t>2023/3/14</a:t>
             </a:fld>
             <a:endParaRPr lang="zh-TW" altLang="en-US"/>
           </a:p>
@@ -670,7 +674,7 @@
           <a:p>
             <a:fld id="{6C7F2551-9F6C-44B5-880F-AA7CE6DE8A99}" type="datetimeFigureOut">
               <a:rPr lang="zh-TW" altLang="en-US" smtClean="0"/>
-              <a:t>2023/3/13</a:t>
+              <a:t>2023/3/14</a:t>
             </a:fld>
             <a:endParaRPr lang="zh-TW" altLang="en-US"/>
           </a:p>
@@ -868,7 +872,7 @@
           <a:p>
             <a:fld id="{6C7F2551-9F6C-44B5-880F-AA7CE6DE8A99}" type="datetimeFigureOut">
               <a:rPr lang="zh-TW" altLang="en-US" smtClean="0"/>
-              <a:t>2023/3/13</a:t>
+              <a:t>2023/3/14</a:t>
             </a:fld>
             <a:endParaRPr lang="zh-TW" altLang="en-US"/>
           </a:p>
@@ -1143,7 +1147,7 @@
           <a:p>
             <a:fld id="{6C7F2551-9F6C-44B5-880F-AA7CE6DE8A99}" type="datetimeFigureOut">
               <a:rPr lang="zh-TW" altLang="en-US" smtClean="0"/>
-              <a:t>2023/3/13</a:t>
+              <a:t>2023/3/14</a:t>
             </a:fld>
             <a:endParaRPr lang="zh-TW" altLang="en-US"/>
           </a:p>
@@ -1408,7 +1412,7 @@
           <a:p>
             <a:fld id="{6C7F2551-9F6C-44B5-880F-AA7CE6DE8A99}" type="datetimeFigureOut">
               <a:rPr lang="zh-TW" altLang="en-US" smtClean="0"/>
-              <a:t>2023/3/13</a:t>
+              <a:t>2023/3/14</a:t>
             </a:fld>
             <a:endParaRPr lang="zh-TW" altLang="en-US"/>
           </a:p>
@@ -1820,7 +1824,7 @@
           <a:p>
             <a:fld id="{6C7F2551-9F6C-44B5-880F-AA7CE6DE8A99}" type="datetimeFigureOut">
               <a:rPr lang="zh-TW" altLang="en-US" smtClean="0"/>
-              <a:t>2023/3/13</a:t>
+              <a:t>2023/3/14</a:t>
             </a:fld>
             <a:endParaRPr lang="zh-TW" altLang="en-US"/>
           </a:p>
@@ -1961,7 +1965,7 @@
           <a:p>
             <a:fld id="{6C7F2551-9F6C-44B5-880F-AA7CE6DE8A99}" type="datetimeFigureOut">
               <a:rPr lang="zh-TW" altLang="en-US" smtClean="0"/>
-              <a:t>2023/3/13</a:t>
+              <a:t>2023/3/14</a:t>
             </a:fld>
             <a:endParaRPr lang="zh-TW" altLang="en-US"/>
           </a:p>
@@ -2074,7 +2078,7 @@
           <a:p>
             <a:fld id="{6C7F2551-9F6C-44B5-880F-AA7CE6DE8A99}" type="datetimeFigureOut">
               <a:rPr lang="zh-TW" altLang="en-US" smtClean="0"/>
-              <a:t>2023/3/13</a:t>
+              <a:t>2023/3/14</a:t>
             </a:fld>
             <a:endParaRPr lang="zh-TW" altLang="en-US"/>
           </a:p>
@@ -2385,7 +2389,7 @@
           <a:p>
             <a:fld id="{6C7F2551-9F6C-44B5-880F-AA7CE6DE8A99}" type="datetimeFigureOut">
               <a:rPr lang="zh-TW" altLang="en-US" smtClean="0"/>
-              <a:t>2023/3/13</a:t>
+              <a:t>2023/3/14</a:t>
             </a:fld>
             <a:endParaRPr lang="zh-TW" altLang="en-US"/>
           </a:p>
@@ -2673,7 +2677,7 @@
           <a:p>
             <a:fld id="{6C7F2551-9F6C-44B5-880F-AA7CE6DE8A99}" type="datetimeFigureOut">
               <a:rPr lang="zh-TW" altLang="en-US" smtClean="0"/>
-              <a:t>2023/3/13</a:t>
+              <a:t>2023/3/14</a:t>
             </a:fld>
             <a:endParaRPr lang="zh-TW" altLang="en-US"/>
           </a:p>
@@ -2914,7 +2918,7 @@
           <a:p>
             <a:fld id="{6C7F2551-9F6C-44B5-880F-AA7CE6DE8A99}" type="datetimeFigureOut">
               <a:rPr lang="zh-TW" altLang="en-US" smtClean="0"/>
-              <a:t>2023/3/13</a:t>
+              <a:t>2023/3/14</a:t>
             </a:fld>
             <a:endParaRPr lang="zh-TW" altLang="en-US"/>
           </a:p>
@@ -3389,6 +3393,1031 @@
 </p:sld>
 </file>
 
+<file path=ppt/slides/slide10.xml><?xml version="1.0" encoding="utf-8"?>
+<p:sld xmlns:a="http://schemas.openxmlformats.org/drawingml/2006/main" xmlns:r="http://schemas.openxmlformats.org/officeDocument/2006/relationships" xmlns:p="http://schemas.openxmlformats.org/presentationml/2006/main">
+  <p:cSld>
+    <p:spTree>
+      <p:nvGrpSpPr>
+        <p:cNvPr id="1" name=""/>
+        <p:cNvGrpSpPr/>
+        <p:nvPr/>
+      </p:nvGrpSpPr>
+      <p:grpSpPr>
+        <a:xfrm>
+          <a:off x="0" y="0"/>
+          <a:ext cx="0" cy="0"/>
+          <a:chOff x="0" y="0"/>
+          <a:chExt cx="0" cy="0"/>
+        </a:xfrm>
+      </p:grpSpPr>
+      <p:sp>
+        <p:nvSpPr>
+          <p:cNvPr id="2" name="標題 1">
+            <a:extLst>
+              <a:ext uri="{FF2B5EF4-FFF2-40B4-BE49-F238E27FC236}">
+                <a16:creationId xmlns:a16="http://schemas.microsoft.com/office/drawing/2014/main" id="{451D1E9B-4C11-46A5-ACDF-7B8DB560D676}"/>
+              </a:ext>
+            </a:extLst>
+          </p:cNvPr>
+          <p:cNvSpPr>
+            <a:spLocks noGrp="1"/>
+          </p:cNvSpPr>
+          <p:nvPr>
+            <p:ph type="title"/>
+          </p:nvPr>
+        </p:nvSpPr>
+        <p:spPr/>
+        <p:txBody>
+          <a:bodyPr/>
+          <a:lstStyle/>
+          <a:p>
+            <a:r>
+              <a:rPr lang="zh-TW" altLang="en-US" dirty="0">
+                <a:latin typeface="Times New Roman" panose="02020603050405020304" pitchFamily="18" charset="0"/>
+                <a:ea typeface="標楷體" panose="03000509000000000000" pitchFamily="65" charset="-120"/>
+                <a:cs typeface="Times New Roman" panose="02020603050405020304" pitchFamily="18" charset="0"/>
+              </a:rPr>
+              <a:t>已抵扣</a:t>
+            </a:r>
+            <a:r>
+              <a:rPr lang="en-US" altLang="zh-TW" dirty="0">
+                <a:latin typeface="Times New Roman" panose="02020603050405020304" pitchFamily="18" charset="0"/>
+                <a:ea typeface="標楷體" panose="03000509000000000000" pitchFamily="65" charset="-120"/>
+                <a:cs typeface="Times New Roman" panose="02020603050405020304" pitchFamily="18" charset="0"/>
+              </a:rPr>
+              <a:t>(</a:t>
+            </a:r>
+            <a:r>
+              <a:rPr lang="zh-TW" altLang="en-US" dirty="0">
+                <a:latin typeface="Times New Roman" panose="02020603050405020304" pitchFamily="18" charset="0"/>
+                <a:ea typeface="標楷體" panose="03000509000000000000" pitchFamily="65" charset="-120"/>
+                <a:cs typeface="Times New Roman" panose="02020603050405020304" pitchFamily="18" charset="0"/>
+              </a:rPr>
+              <a:t>檢視帳單明細</a:t>
+            </a:r>
+            <a:r>
+              <a:rPr lang="en-US" altLang="zh-TW" dirty="0">
+                <a:latin typeface="Times New Roman" panose="02020603050405020304" pitchFamily="18" charset="0"/>
+                <a:ea typeface="標楷體" panose="03000509000000000000" pitchFamily="65" charset="-120"/>
+                <a:cs typeface="Times New Roman" panose="02020603050405020304" pitchFamily="18" charset="0"/>
+              </a:rPr>
+              <a:t>)</a:t>
+            </a:r>
+            <a:endParaRPr lang="zh-TW" altLang="en-US" dirty="0">
+              <a:latin typeface="Times New Roman" panose="02020603050405020304" pitchFamily="18" charset="0"/>
+              <a:ea typeface="標楷體" panose="03000509000000000000" pitchFamily="65" charset="-120"/>
+              <a:cs typeface="Times New Roman" panose="02020603050405020304" pitchFamily="18" charset="0"/>
+            </a:endParaRPr>
+          </a:p>
+        </p:txBody>
+      </p:sp>
+      <p:sp>
+        <p:nvSpPr>
+          <p:cNvPr id="5" name="文字方塊 4">
+            <a:extLst>
+              <a:ext uri="{FF2B5EF4-FFF2-40B4-BE49-F238E27FC236}">
+                <a16:creationId xmlns:a16="http://schemas.microsoft.com/office/drawing/2014/main" id="{85CC978D-1391-4CAB-AB69-D903F1BC9717}"/>
+              </a:ext>
+            </a:extLst>
+          </p:cNvPr>
+          <p:cNvSpPr txBox="1"/>
+          <p:nvPr/>
+        </p:nvSpPr>
+        <p:spPr>
+          <a:xfrm>
+            <a:off x="8174355" y="773460"/>
+            <a:ext cx="2245995" cy="6001643"/>
+          </a:xfrm>
+          <a:prstGeom prst="rect">
+            <a:avLst/>
+          </a:prstGeom>
+          <a:noFill/>
+          <a:ln>
+            <a:solidFill>
+              <a:schemeClr val="tx1"/>
+            </a:solidFill>
+          </a:ln>
+        </p:spPr>
+        <p:txBody>
+          <a:bodyPr wrap="square">
+            <a:spAutoFit/>
+          </a:bodyPr>
+          <a:lstStyle/>
+          <a:p>
+            <a:r>
+              <a:rPr lang="zh-TW" altLang="en-US" sz="800" dirty="0"/>
+              <a:t>[</a:t>
+            </a:r>
+          </a:p>
+          <a:p>
+            <a:r>
+              <a:rPr lang="zh-TW" altLang="en-US" sz="800" dirty="0"/>
+              <a:t>    {</a:t>
+            </a:r>
+          </a:p>
+          <a:p>
+            <a:r>
+              <a:rPr lang="zh-TW" altLang="en-US" sz="800" dirty="0"/>
+              <a:t>        "BillDetailData": {</a:t>
+            </a:r>
+          </a:p>
+          <a:p>
+            <a:r>
+              <a:rPr lang="zh-TW" altLang="en-US" sz="800" dirty="0"/>
+              <a:t>            "BillDetailID": 1,</a:t>
+            </a:r>
+          </a:p>
+          <a:p>
+            <a:r>
+              <a:rPr lang="zh-TW" altLang="en-US" sz="800" dirty="0"/>
+              <a:t>            "BillMasterID": 2,</a:t>
+            </a:r>
+          </a:p>
+          <a:p>
+            <a:r>
+              <a:rPr lang="zh-TW" altLang="en-US" sz="800" dirty="0"/>
+              <a:t>            "WKMasterID": 3,</a:t>
+            </a:r>
+          </a:p>
+          <a:p>
+            <a:r>
+              <a:rPr lang="zh-TW" altLang="en-US" sz="800" dirty="0"/>
+              <a:t>            "InvDetailID": 4,</a:t>
+            </a:r>
+          </a:p>
+          <a:p>
+            <a:r>
+              <a:rPr lang="zh-TW" altLang="en-US" sz="800" dirty="0"/>
+              <a:t>            "PartyName": "string",</a:t>
+            </a:r>
+          </a:p>
+          <a:p>
+            <a:r>
+              <a:rPr lang="zh-TW" altLang="en-US" sz="800" dirty="0"/>
+              <a:t>            "SupplierName": "string",</a:t>
+            </a:r>
+          </a:p>
+          <a:p>
+            <a:r>
+              <a:rPr lang="zh-TW" altLang="en-US" sz="800" dirty="0"/>
+              <a:t>            "SubmarineCable": "string",</a:t>
+            </a:r>
+          </a:p>
+          <a:p>
+            <a:r>
+              <a:rPr lang="zh-TW" altLang="en-US" sz="800" dirty="0"/>
+              <a:t>            "WorkTitle": "string",</a:t>
+            </a:r>
+          </a:p>
+          <a:p>
+            <a:r>
+              <a:rPr lang="zh-TW" altLang="en-US" sz="800" dirty="0"/>
+              <a:t>            "BillMilestone": "string",</a:t>
+            </a:r>
+          </a:p>
+          <a:p>
+            <a:r>
+              <a:rPr lang="zh-TW" altLang="en-US" sz="800" dirty="0"/>
+              <a:t>            "FeeItem": "string",</a:t>
+            </a:r>
+          </a:p>
+          <a:p>
+            <a:r>
+              <a:rPr lang="zh-TW" altLang="en-US" sz="800" dirty="0"/>
+              <a:t>            "OrgFeeAmount": 123.45,</a:t>
+            </a:r>
+          </a:p>
+          <a:p>
+            <a:r>
+              <a:rPr lang="zh-TW" altLang="en-US" sz="800" dirty="0"/>
+              <a:t>            "DedAmount": 123.45,</a:t>
+            </a:r>
+          </a:p>
+          <a:p>
+            <a:r>
+              <a:rPr lang="zh-TW" altLang="en-US" sz="800" dirty="0"/>
+              <a:t>            "FeeAmount": 123.45,</a:t>
+            </a:r>
+          </a:p>
+          <a:p>
+            <a:r>
+              <a:rPr lang="zh-TW" altLang="en-US" sz="800" dirty="0"/>
+              <a:t>            "ReceivedAmount": 123.45,</a:t>
+            </a:r>
+          </a:p>
+          <a:p>
+            <a:r>
+              <a:rPr lang="zh-TW" altLang="en-US" sz="800" dirty="0"/>
+              <a:t>            "OverAmount": 123.45,</a:t>
+            </a:r>
+          </a:p>
+          <a:p>
+            <a:r>
+              <a:rPr lang="zh-TW" altLang="en-US" sz="800" dirty="0"/>
+              <a:t>            "ShortAmount": 123.45,</a:t>
+            </a:r>
+          </a:p>
+          <a:p>
+            <a:r>
+              <a:rPr lang="zh-TW" altLang="en-US" sz="800" dirty="0"/>
+              <a:t>            "BankFees": 123.45,</a:t>
+            </a:r>
+          </a:p>
+          <a:p>
+            <a:r>
+              <a:rPr lang="zh-TW" altLang="en-US" sz="800" dirty="0"/>
+              <a:t>            "ToCBAmount": 123.45,</a:t>
+            </a:r>
+          </a:p>
+          <a:p>
+            <a:r>
+              <a:rPr lang="zh-TW" altLang="en-US" sz="800" dirty="0"/>
+              <a:t>            "ShortOverReason": "string",</a:t>
+            </a:r>
+          </a:p>
+          <a:p>
+            <a:r>
+              <a:rPr lang="zh-TW" altLang="en-US" sz="800" dirty="0"/>
+              <a:t>            "WriteOffDate": "2023-03-14 00:00:00",</a:t>
+            </a:r>
+          </a:p>
+          <a:p>
+            <a:r>
+              <a:rPr lang="zh-TW" altLang="en-US" sz="800" dirty="0"/>
+              <a:t>            "ReceiveDate": "2023-03-14 00:00:00",</a:t>
+            </a:r>
+          </a:p>
+          <a:p>
+            <a:r>
+              <a:rPr lang="zh-TW" altLang="en-US" sz="800" dirty="0"/>
+              <a:t>            "Note": "string",</a:t>
+            </a:r>
+          </a:p>
+          <a:p>
+            <a:r>
+              <a:rPr lang="zh-TW" altLang="en-US" sz="800" dirty="0"/>
+              <a:t>            "Status": "string"</a:t>
+            </a:r>
+          </a:p>
+          <a:p>
+            <a:r>
+              <a:rPr lang="zh-TW" altLang="en-US" sz="800" dirty="0"/>
+              <a:t>        },</a:t>
+            </a:r>
+          </a:p>
+          <a:p>
+            <a:r>
+              <a:rPr lang="zh-TW" altLang="en-US" sz="800" dirty="0"/>
+              <a:t>        "CBData": [</a:t>
+            </a:r>
+          </a:p>
+          <a:p>
+            <a:r>
+              <a:rPr lang="zh-TW" altLang="en-US" sz="800" dirty="0"/>
+              <a:t>            {</a:t>
+            </a:r>
+          </a:p>
+          <a:p>
+            <a:r>
+              <a:rPr lang="zh-TW" altLang="en-US" sz="800" dirty="0"/>
+              <a:t>                "CBID": 1,</a:t>
+            </a:r>
+          </a:p>
+          <a:p>
+            <a:r>
+              <a:rPr lang="zh-TW" altLang="en-US" sz="800" dirty="0"/>
+              <a:t>                "CBType": "string",</a:t>
+            </a:r>
+          </a:p>
+          <a:p>
+            <a:r>
+              <a:rPr lang="zh-TW" altLang="en-US" sz="800" dirty="0"/>
+              <a:t>                "BillingNo": "string",</a:t>
+            </a:r>
+          </a:p>
+          <a:p>
+            <a:r>
+              <a:rPr lang="zh-TW" altLang="en-US" sz="800" dirty="0"/>
+              <a:t>                "BLDetailID": 2,</a:t>
+            </a:r>
+          </a:p>
+          <a:p>
+            <a:r>
+              <a:rPr lang="zh-TW" altLang="en-US" sz="800" dirty="0"/>
+              <a:t>                "SubmarineCable": "string",</a:t>
+            </a:r>
+          </a:p>
+          <a:p>
+            <a:r>
+              <a:rPr lang="zh-TW" altLang="en-US" sz="800" dirty="0"/>
+              <a:t>                "WorkTitle": "string",</a:t>
+            </a:r>
+          </a:p>
+          <a:p>
+            <a:r>
+              <a:rPr lang="zh-TW" altLang="en-US" sz="800" dirty="0"/>
+              <a:t>                "BillMilestone": "string",</a:t>
+            </a:r>
+          </a:p>
+          <a:p>
+            <a:r>
+              <a:rPr lang="zh-TW" altLang="en-US" sz="800" dirty="0"/>
+              <a:t>                "PartyName": "string",</a:t>
+            </a:r>
+          </a:p>
+          <a:p>
+            <a:r>
+              <a:rPr lang="zh-TW" altLang="en-US" sz="800" dirty="0"/>
+              <a:t>                "InvoiceNo": "string",</a:t>
+            </a:r>
+          </a:p>
+          <a:p>
+            <a:r>
+              <a:rPr lang="zh-TW" altLang="en-US" sz="800" dirty="0"/>
+              <a:t>                "CurrAmount": 123.45,</a:t>
+            </a:r>
+          </a:p>
+          <a:p>
+            <a:r>
+              <a:rPr lang="zh-TW" altLang="en-US" sz="800" dirty="0"/>
+              <a:t>                "CreateDate": "2023-03-14 00:00:00",</a:t>
+            </a:r>
+          </a:p>
+          <a:p>
+            <a:r>
+              <a:rPr lang="zh-TW" altLang="en-US" sz="800" dirty="0"/>
+              <a:t>                "LastUpdDate": "2023-03-14 00:00:00",</a:t>
+            </a:r>
+          </a:p>
+          <a:p>
+            <a:r>
+              <a:rPr lang="zh-TW" altLang="en-US" sz="800" dirty="0"/>
+              <a:t>                "Note": "string"</a:t>
+            </a:r>
+          </a:p>
+          <a:p>
+            <a:r>
+              <a:rPr lang="zh-TW" altLang="en-US" sz="800" dirty="0"/>
+              <a:t>            },</a:t>
+            </a:r>
+          </a:p>
+          <a:p>
+            <a:r>
+              <a:rPr lang="zh-TW" altLang="en-US" sz="800" dirty="0"/>
+              <a:t>            {...}</a:t>
+            </a:r>
+          </a:p>
+          <a:p>
+            <a:r>
+              <a:rPr lang="zh-TW" altLang="en-US" sz="800" dirty="0"/>
+              <a:t>        ]</a:t>
+            </a:r>
+          </a:p>
+          <a:p>
+            <a:r>
+              <a:rPr lang="zh-TW" altLang="en-US" sz="800" dirty="0"/>
+              <a:t>    },</a:t>
+            </a:r>
+          </a:p>
+          <a:p>
+            <a:r>
+              <a:rPr lang="zh-TW" altLang="en-US" sz="800" dirty="0"/>
+              <a:t>    {...}</a:t>
+            </a:r>
+          </a:p>
+          <a:p>
+            <a:r>
+              <a:rPr lang="zh-TW" altLang="en-US" sz="800" dirty="0"/>
+              <a:t>]</a:t>
+            </a:r>
+          </a:p>
+        </p:txBody>
+      </p:sp>
+      <p:pic>
+        <p:nvPicPr>
+          <p:cNvPr id="6" name="圖片 5">
+            <a:extLst>
+              <a:ext uri="{FF2B5EF4-FFF2-40B4-BE49-F238E27FC236}">
+                <a16:creationId xmlns:a16="http://schemas.microsoft.com/office/drawing/2014/main" id="{908CA1B4-E862-4DF9-99F1-C2ACFB65C857}"/>
+              </a:ext>
+            </a:extLst>
+          </p:cNvPr>
+          <p:cNvPicPr>
+            <a:picLocks noChangeAspect="1"/>
+          </p:cNvPicPr>
+          <p:nvPr/>
+        </p:nvPicPr>
+        <p:blipFill>
+          <a:blip r:embed="rId2"/>
+          <a:stretch>
+            <a:fillRect/>
+          </a:stretch>
+        </p:blipFill>
+        <p:spPr>
+          <a:xfrm>
+            <a:off x="838200" y="1520359"/>
+            <a:ext cx="6594896" cy="1405614"/>
+          </a:xfrm>
+          <a:prstGeom prst="rect">
+            <a:avLst/>
+          </a:prstGeom>
+        </p:spPr>
+      </p:pic>
+      <p:pic>
+        <p:nvPicPr>
+          <p:cNvPr id="8" name="圖片 7">
+            <a:extLst>
+              <a:ext uri="{FF2B5EF4-FFF2-40B4-BE49-F238E27FC236}">
+                <a16:creationId xmlns:a16="http://schemas.microsoft.com/office/drawing/2014/main" id="{0CCB49DC-B830-4D5F-A6A1-7B4702AEB362}"/>
+              </a:ext>
+            </a:extLst>
+          </p:cNvPr>
+          <p:cNvPicPr>
+            <a:picLocks noChangeAspect="1"/>
+          </p:cNvPicPr>
+          <p:nvPr/>
+        </p:nvPicPr>
+        <p:blipFill>
+          <a:blip r:embed="rId3"/>
+          <a:stretch>
+            <a:fillRect/>
+          </a:stretch>
+        </p:blipFill>
+        <p:spPr>
+          <a:xfrm>
+            <a:off x="992432" y="3171990"/>
+            <a:ext cx="4359134" cy="2121810"/>
+          </a:xfrm>
+          <a:prstGeom prst="rect">
+            <a:avLst/>
+          </a:prstGeom>
+        </p:spPr>
+      </p:pic>
+      <p:sp>
+        <p:nvSpPr>
+          <p:cNvPr id="9" name="矩形 8">
+            <a:extLst>
+              <a:ext uri="{FF2B5EF4-FFF2-40B4-BE49-F238E27FC236}">
+                <a16:creationId xmlns:a16="http://schemas.microsoft.com/office/drawing/2014/main" id="{0B037041-AB4C-48E1-9E4A-C00808EBF128}"/>
+              </a:ext>
+            </a:extLst>
+          </p:cNvPr>
+          <p:cNvSpPr/>
+          <p:nvPr/>
+        </p:nvSpPr>
+        <p:spPr>
+          <a:xfrm>
+            <a:off x="5797550" y="2454275"/>
+            <a:ext cx="276225" cy="133350"/>
+          </a:xfrm>
+          <a:prstGeom prst="rect">
+            <a:avLst/>
+          </a:prstGeom>
+          <a:noFill/>
+          <a:ln>
+            <a:solidFill>
+              <a:srgbClr val="FF0000"/>
+            </a:solidFill>
+          </a:ln>
+        </p:spPr>
+        <p:style>
+          <a:lnRef idx="2">
+            <a:schemeClr val="accent1">
+              <a:shade val="50000"/>
+            </a:schemeClr>
+          </a:lnRef>
+          <a:fillRef idx="1">
+            <a:schemeClr val="accent1"/>
+          </a:fillRef>
+          <a:effectRef idx="0">
+            <a:schemeClr val="accent1"/>
+          </a:effectRef>
+          <a:fontRef idx="minor">
+            <a:schemeClr val="lt1"/>
+          </a:fontRef>
+        </p:style>
+        <p:txBody>
+          <a:bodyPr rtlCol="0" anchor="ctr"/>
+          <a:lstStyle/>
+          <a:p>
+            <a:pPr algn="ctr"/>
+            <a:endParaRPr lang="zh-TW" altLang="en-US"/>
+          </a:p>
+        </p:txBody>
+      </p:sp>
+      <p:cxnSp>
+        <p:nvCxnSpPr>
+          <p:cNvPr id="11" name="接點: 肘形 10">
+            <a:extLst>
+              <a:ext uri="{FF2B5EF4-FFF2-40B4-BE49-F238E27FC236}">
+                <a16:creationId xmlns:a16="http://schemas.microsoft.com/office/drawing/2014/main" id="{7F79EE97-5DD0-47F5-AFAA-F76A5984E1C9}"/>
+              </a:ext>
+            </a:extLst>
+          </p:cNvPr>
+          <p:cNvCxnSpPr>
+            <a:cxnSpLocks/>
+            <a:stCxn id="9" idx="1"/>
+            <a:endCxn id="8" idx="0"/>
+          </p:cNvCxnSpPr>
+          <p:nvPr/>
+        </p:nvCxnSpPr>
+        <p:spPr>
+          <a:xfrm rot="10800000" flipV="1">
+            <a:off x="3172000" y="2520950"/>
+            <a:ext cx="2625551" cy="651040"/>
+          </a:xfrm>
+          <a:prstGeom prst="bentConnector2">
+            <a:avLst/>
+          </a:prstGeom>
+          <a:ln>
+            <a:solidFill>
+              <a:srgbClr val="FF0000"/>
+            </a:solidFill>
+            <a:tailEnd type="triangle"/>
+          </a:ln>
+        </p:spPr>
+        <p:style>
+          <a:lnRef idx="1">
+            <a:schemeClr val="accent1"/>
+          </a:lnRef>
+          <a:fillRef idx="0">
+            <a:schemeClr val="accent1"/>
+          </a:fillRef>
+          <a:effectRef idx="0">
+            <a:schemeClr val="accent1"/>
+          </a:effectRef>
+          <a:fontRef idx="minor">
+            <a:schemeClr val="tx1"/>
+          </a:fontRef>
+        </p:style>
+      </p:cxnSp>
+      <p:sp>
+        <p:nvSpPr>
+          <p:cNvPr id="17" name="文字方塊 16">
+            <a:extLst>
+              <a:ext uri="{FF2B5EF4-FFF2-40B4-BE49-F238E27FC236}">
+                <a16:creationId xmlns:a16="http://schemas.microsoft.com/office/drawing/2014/main" id="{947E2C01-8619-436C-B0F2-DE2E213922E9}"/>
+              </a:ext>
+            </a:extLst>
+          </p:cNvPr>
+          <p:cNvSpPr txBox="1"/>
+          <p:nvPr/>
+        </p:nvSpPr>
+        <p:spPr>
+          <a:xfrm>
+            <a:off x="992432" y="5384415"/>
+            <a:ext cx="3961449" cy="1477328"/>
+          </a:xfrm>
+          <a:prstGeom prst="rect">
+            <a:avLst/>
+          </a:prstGeom>
+          <a:noFill/>
+          <a:ln>
+            <a:solidFill>
+              <a:schemeClr val="tx1"/>
+            </a:solidFill>
+          </a:ln>
+        </p:spPr>
+        <p:txBody>
+          <a:bodyPr wrap="square">
+            <a:spAutoFit/>
+          </a:bodyPr>
+          <a:lstStyle/>
+          <a:p>
+            <a:r>
+              <a:rPr lang="zh-TW" altLang="en-US" sz="1000" dirty="0">
+                <a:latin typeface="Times New Roman" panose="02020603050405020304" pitchFamily="18" charset="0"/>
+                <a:cs typeface="Times New Roman" panose="02020603050405020304" pitchFamily="18" charset="0"/>
+              </a:rPr>
+              <a:t>Method: POST</a:t>
+            </a:r>
+          </a:p>
+          <a:p>
+            <a:r>
+              <a:rPr lang="zh-TW" altLang="en-US" sz="1000" dirty="0">
+                <a:latin typeface="Times New Roman" panose="02020603050405020304" pitchFamily="18" charset="0"/>
+                <a:cs typeface="Times New Roman" panose="02020603050405020304" pitchFamily="18" charset="0"/>
+              </a:rPr>
+              <a:t>URL: </a:t>
+            </a:r>
+            <a:r>
+              <a:rPr lang="zh-TW" altLang="en-US" sz="1000" dirty="0">
+                <a:latin typeface="Times New Roman" panose="02020603050405020304" pitchFamily="18" charset="0"/>
+                <a:cs typeface="Times New Roman" panose="02020603050405020304" pitchFamily="18" charset="0"/>
+                <a:hlinkClick r:id="rId4"/>
+              </a:rPr>
+              <a:t>http://localhost:8000/api/v1/getBillMaster&amp;BillDetailWithCBData</a:t>
+            </a:r>
+            <a:endParaRPr lang="en-US" altLang="zh-TW" sz="1000" dirty="0">
+              <a:latin typeface="Times New Roman" panose="02020603050405020304" pitchFamily="18" charset="0"/>
+              <a:cs typeface="Times New Roman" panose="02020603050405020304" pitchFamily="18" charset="0"/>
+            </a:endParaRPr>
+          </a:p>
+          <a:p>
+            <a:r>
+              <a:rPr lang="en-US" altLang="zh-TW" sz="1000" dirty="0">
+                <a:latin typeface="Times New Roman" panose="02020603050405020304" pitchFamily="18" charset="0"/>
+                <a:cs typeface="Times New Roman" panose="02020603050405020304" pitchFamily="18" charset="0"/>
+              </a:rPr>
+              <a:t>POST</a:t>
+            </a:r>
+            <a:r>
+              <a:rPr lang="zh-TW" altLang="en-US" sz="1000" dirty="0">
+                <a:latin typeface="Times New Roman" panose="02020603050405020304" pitchFamily="18" charset="0"/>
+                <a:cs typeface="Times New Roman" panose="02020603050405020304" pitchFamily="18" charset="0"/>
+              </a:rPr>
+              <a:t> </a:t>
+            </a:r>
+            <a:r>
+              <a:rPr lang="en-US" altLang="zh-TW" sz="1000" dirty="0">
+                <a:latin typeface="Times New Roman" panose="02020603050405020304" pitchFamily="18" charset="0"/>
+                <a:cs typeface="Times New Roman" panose="02020603050405020304" pitchFamily="18" charset="0"/>
+              </a:rPr>
+              <a:t>Body:</a:t>
+            </a:r>
+          </a:p>
+          <a:p>
+            <a:endParaRPr lang="en-US" altLang="zh-TW" sz="1000" dirty="0">
+              <a:latin typeface="Times New Roman" panose="02020603050405020304" pitchFamily="18" charset="0"/>
+              <a:cs typeface="Times New Roman" panose="02020603050405020304" pitchFamily="18" charset="0"/>
+            </a:endParaRPr>
+          </a:p>
+          <a:p>
+            <a:r>
+              <a:rPr lang="en-US" altLang="zh-TW" sz="1000" dirty="0">
+                <a:latin typeface="Times New Roman" panose="02020603050405020304" pitchFamily="18" charset="0"/>
+                <a:cs typeface="Times New Roman" panose="02020603050405020304" pitchFamily="18" charset="0"/>
+              </a:rPr>
+              <a:t>{</a:t>
+            </a:r>
+          </a:p>
+          <a:p>
+            <a:r>
+              <a:rPr lang="en-US" altLang="zh-TW" sz="1000" dirty="0">
+                <a:latin typeface="Times New Roman" panose="02020603050405020304" pitchFamily="18" charset="0"/>
+                <a:cs typeface="Times New Roman" panose="02020603050405020304" pitchFamily="18" charset="0"/>
+              </a:rPr>
+              <a:t>    "</a:t>
+            </a:r>
+            <a:r>
+              <a:rPr lang="en-US" altLang="zh-TW" sz="1000" dirty="0" err="1">
+                <a:latin typeface="Times New Roman" panose="02020603050405020304" pitchFamily="18" charset="0"/>
+                <a:cs typeface="Times New Roman" panose="02020603050405020304" pitchFamily="18" charset="0"/>
+              </a:rPr>
+              <a:t>BillMasterID</a:t>
+            </a:r>
+            <a:r>
+              <a:rPr lang="en-US" altLang="zh-TW" sz="1000" dirty="0">
+                <a:latin typeface="Times New Roman" panose="02020603050405020304" pitchFamily="18" charset="0"/>
+                <a:cs typeface="Times New Roman" panose="02020603050405020304" pitchFamily="18" charset="0"/>
+              </a:rPr>
+              <a:t>": 1</a:t>
+            </a:r>
+          </a:p>
+          <a:p>
+            <a:r>
+              <a:rPr lang="en-US" altLang="zh-TW" sz="1000" dirty="0">
+                <a:latin typeface="Times New Roman" panose="02020603050405020304" pitchFamily="18" charset="0"/>
+                <a:cs typeface="Times New Roman" panose="02020603050405020304" pitchFamily="18" charset="0"/>
+              </a:rPr>
+              <a:t>}</a:t>
+            </a:r>
+            <a:endParaRPr lang="zh-TW" altLang="en-US" sz="1000" dirty="0">
+              <a:latin typeface="Times New Roman" panose="02020603050405020304" pitchFamily="18" charset="0"/>
+              <a:cs typeface="Times New Roman" panose="02020603050405020304" pitchFamily="18" charset="0"/>
+            </a:endParaRPr>
+          </a:p>
+          <a:p>
+            <a:endParaRPr lang="en-US" altLang="zh-TW" sz="1000" dirty="0">
+              <a:latin typeface="Times New Roman" panose="02020603050405020304" pitchFamily="18" charset="0"/>
+              <a:cs typeface="Times New Roman" panose="02020603050405020304" pitchFamily="18" charset="0"/>
+            </a:endParaRPr>
+          </a:p>
+          <a:p>
+            <a:r>
+              <a:rPr lang="zh-TW" altLang="en-US" sz="1000" dirty="0">
+                <a:highlight>
+                  <a:srgbClr val="FFFF00"/>
+                </a:highlight>
+                <a:latin typeface="標楷體" panose="03000509000000000000" pitchFamily="65" charset="-120"/>
+                <a:ea typeface="標楷體" panose="03000509000000000000" pitchFamily="65" charset="-120"/>
+                <a:cs typeface="Times New Roman" panose="02020603050405020304" pitchFamily="18" charset="0"/>
+              </a:rPr>
+              <a:t>回傳值</a:t>
+            </a:r>
+          </a:p>
+        </p:txBody>
+      </p:sp>
+      <p:cxnSp>
+        <p:nvCxnSpPr>
+          <p:cNvPr id="22" name="接點: 肘形 21">
+            <a:extLst>
+              <a:ext uri="{FF2B5EF4-FFF2-40B4-BE49-F238E27FC236}">
+                <a16:creationId xmlns:a16="http://schemas.microsoft.com/office/drawing/2014/main" id="{AE75ADB8-BC63-45DF-B99D-223C7C7CAA78}"/>
+              </a:ext>
+            </a:extLst>
+          </p:cNvPr>
+          <p:cNvCxnSpPr>
+            <a:cxnSpLocks/>
+            <a:stCxn id="9" idx="2"/>
+            <a:endCxn id="17" idx="3"/>
+          </p:cNvCxnSpPr>
+          <p:nvPr/>
+        </p:nvCxnSpPr>
+        <p:spPr>
+          <a:xfrm rot="5400000">
+            <a:off x="3677045" y="3864461"/>
+            <a:ext cx="3535454" cy="981782"/>
+          </a:xfrm>
+          <a:prstGeom prst="bentConnector2">
+            <a:avLst/>
+          </a:prstGeom>
+          <a:ln>
+            <a:solidFill>
+              <a:srgbClr val="FF0000"/>
+            </a:solidFill>
+            <a:tailEnd type="triangle"/>
+          </a:ln>
+        </p:spPr>
+        <p:style>
+          <a:lnRef idx="1">
+            <a:schemeClr val="accent1"/>
+          </a:lnRef>
+          <a:fillRef idx="0">
+            <a:schemeClr val="accent1"/>
+          </a:fillRef>
+          <a:effectRef idx="0">
+            <a:schemeClr val="accent1"/>
+          </a:effectRef>
+          <a:fontRef idx="minor">
+            <a:schemeClr val="tx1"/>
+          </a:fontRef>
+        </p:style>
+      </p:cxnSp>
+      <p:sp>
+        <p:nvSpPr>
+          <p:cNvPr id="26" name="矩形 25">
+            <a:extLst>
+              <a:ext uri="{FF2B5EF4-FFF2-40B4-BE49-F238E27FC236}">
+                <a16:creationId xmlns:a16="http://schemas.microsoft.com/office/drawing/2014/main" id="{F93C8784-F4D8-47E5-B9E2-BE6CBB743229}"/>
+              </a:ext>
+            </a:extLst>
+          </p:cNvPr>
+          <p:cNvSpPr/>
+          <p:nvPr/>
+        </p:nvSpPr>
+        <p:spPr>
+          <a:xfrm>
+            <a:off x="1060450" y="6019800"/>
+            <a:ext cx="1069975" cy="495300"/>
+          </a:xfrm>
+          <a:prstGeom prst="rect">
+            <a:avLst/>
+          </a:prstGeom>
+          <a:noFill/>
+          <a:ln>
+            <a:solidFill>
+              <a:schemeClr val="tx1"/>
+            </a:solidFill>
+          </a:ln>
+        </p:spPr>
+        <p:style>
+          <a:lnRef idx="2">
+            <a:schemeClr val="accent1">
+              <a:shade val="50000"/>
+            </a:schemeClr>
+          </a:lnRef>
+          <a:fillRef idx="1">
+            <a:schemeClr val="accent1"/>
+          </a:fillRef>
+          <a:effectRef idx="0">
+            <a:schemeClr val="accent1"/>
+          </a:effectRef>
+          <a:fontRef idx="minor">
+            <a:schemeClr val="lt1"/>
+          </a:fontRef>
+        </p:style>
+        <p:txBody>
+          <a:bodyPr rtlCol="0" anchor="ctr"/>
+          <a:lstStyle/>
+          <a:p>
+            <a:pPr algn="ctr"/>
+            <a:endParaRPr lang="zh-TW" altLang="en-US"/>
+          </a:p>
+        </p:txBody>
+      </p:sp>
+      <p:sp>
+        <p:nvSpPr>
+          <p:cNvPr id="28" name="矩形 27">
+            <a:extLst>
+              <a:ext uri="{FF2B5EF4-FFF2-40B4-BE49-F238E27FC236}">
+                <a16:creationId xmlns:a16="http://schemas.microsoft.com/office/drawing/2014/main" id="{F1D40C4A-470A-485A-8B72-68A1AED63D95}"/>
+              </a:ext>
+            </a:extLst>
+          </p:cNvPr>
+          <p:cNvSpPr/>
+          <p:nvPr/>
+        </p:nvSpPr>
+        <p:spPr>
+          <a:xfrm>
+            <a:off x="1083469" y="6662737"/>
+            <a:ext cx="373857" cy="142875"/>
+          </a:xfrm>
+          <a:prstGeom prst="rect">
+            <a:avLst/>
+          </a:prstGeom>
+          <a:noFill/>
+          <a:ln>
+            <a:solidFill>
+              <a:schemeClr val="tx1"/>
+            </a:solidFill>
+          </a:ln>
+        </p:spPr>
+        <p:style>
+          <a:lnRef idx="2">
+            <a:schemeClr val="accent1">
+              <a:shade val="50000"/>
+            </a:schemeClr>
+          </a:lnRef>
+          <a:fillRef idx="1">
+            <a:schemeClr val="accent1"/>
+          </a:fillRef>
+          <a:effectRef idx="0">
+            <a:schemeClr val="accent1"/>
+          </a:effectRef>
+          <a:fontRef idx="minor">
+            <a:schemeClr val="lt1"/>
+          </a:fontRef>
+        </p:style>
+        <p:txBody>
+          <a:bodyPr rtlCol="0" anchor="ctr"/>
+          <a:lstStyle/>
+          <a:p>
+            <a:pPr algn="ctr"/>
+            <a:endParaRPr lang="zh-TW" altLang="en-US"/>
+          </a:p>
+        </p:txBody>
+      </p:sp>
+      <p:cxnSp>
+        <p:nvCxnSpPr>
+          <p:cNvPr id="29" name="接點: 肘形 28">
+            <a:extLst>
+              <a:ext uri="{FF2B5EF4-FFF2-40B4-BE49-F238E27FC236}">
+                <a16:creationId xmlns:a16="http://schemas.microsoft.com/office/drawing/2014/main" id="{68642E29-0C88-46E5-9768-2CA5296FB59D}"/>
+              </a:ext>
+            </a:extLst>
+          </p:cNvPr>
+          <p:cNvCxnSpPr>
+            <a:cxnSpLocks/>
+            <a:stCxn id="28" idx="3"/>
+            <a:endCxn id="5" idx="1"/>
+          </p:cNvCxnSpPr>
+          <p:nvPr/>
+        </p:nvCxnSpPr>
+        <p:spPr>
+          <a:xfrm flipV="1">
+            <a:off x="1457326" y="3774282"/>
+            <a:ext cx="6717029" cy="2959893"/>
+          </a:xfrm>
+          <a:prstGeom prst="bentConnector3">
+            <a:avLst>
+              <a:gd name="adj1" fmla="val 83182"/>
+            </a:avLst>
+          </a:prstGeom>
+          <a:ln>
+            <a:solidFill>
+              <a:srgbClr val="FF0000"/>
+            </a:solidFill>
+            <a:tailEnd type="triangle"/>
+          </a:ln>
+        </p:spPr>
+        <p:style>
+          <a:lnRef idx="1">
+            <a:schemeClr val="accent1"/>
+          </a:lnRef>
+          <a:fillRef idx="0">
+            <a:schemeClr val="accent1"/>
+          </a:fillRef>
+          <a:effectRef idx="0">
+            <a:schemeClr val="accent1"/>
+          </a:effectRef>
+          <a:fontRef idx="minor">
+            <a:schemeClr val="tx1"/>
+          </a:fontRef>
+        </p:style>
+      </p:cxnSp>
+      <p:sp>
+        <p:nvSpPr>
+          <p:cNvPr id="33" name="矩形 32">
+            <a:extLst>
+              <a:ext uri="{FF2B5EF4-FFF2-40B4-BE49-F238E27FC236}">
+                <a16:creationId xmlns:a16="http://schemas.microsoft.com/office/drawing/2014/main" id="{A41AC749-319F-4EE9-8147-05E89922D21F}"/>
+              </a:ext>
+            </a:extLst>
+          </p:cNvPr>
+          <p:cNvSpPr/>
+          <p:nvPr/>
+        </p:nvSpPr>
+        <p:spPr>
+          <a:xfrm>
+            <a:off x="1344706" y="4168588"/>
+            <a:ext cx="3756212" cy="604731"/>
+          </a:xfrm>
+          <a:prstGeom prst="rect">
+            <a:avLst/>
+          </a:prstGeom>
+          <a:noFill/>
+          <a:ln>
+            <a:solidFill>
+              <a:srgbClr val="FF0000"/>
+            </a:solidFill>
+          </a:ln>
+        </p:spPr>
+        <p:style>
+          <a:lnRef idx="2">
+            <a:schemeClr val="accent1">
+              <a:shade val="50000"/>
+            </a:schemeClr>
+          </a:lnRef>
+          <a:fillRef idx="1">
+            <a:schemeClr val="accent1"/>
+          </a:fillRef>
+          <a:effectRef idx="0">
+            <a:schemeClr val="accent1"/>
+          </a:effectRef>
+          <a:fontRef idx="minor">
+            <a:schemeClr val="lt1"/>
+          </a:fontRef>
+        </p:style>
+        <p:txBody>
+          <a:bodyPr rtlCol="0" anchor="ctr"/>
+          <a:lstStyle/>
+          <a:p>
+            <a:pPr algn="ctr"/>
+            <a:endParaRPr lang="zh-TW" altLang="en-US"/>
+          </a:p>
+        </p:txBody>
+      </p:sp>
+      <p:cxnSp>
+        <p:nvCxnSpPr>
+          <p:cNvPr id="35" name="接點: 肘形 34">
+            <a:extLst>
+              <a:ext uri="{FF2B5EF4-FFF2-40B4-BE49-F238E27FC236}">
+                <a16:creationId xmlns:a16="http://schemas.microsoft.com/office/drawing/2014/main" id="{B6543C67-DB7F-411A-997B-E93A9A5F6A0E}"/>
+              </a:ext>
+            </a:extLst>
+          </p:cNvPr>
+          <p:cNvCxnSpPr>
+            <a:stCxn id="5" idx="0"/>
+          </p:cNvCxnSpPr>
+          <p:nvPr/>
+        </p:nvCxnSpPr>
+        <p:spPr>
+          <a:xfrm rot="16200000" flipH="1" flipV="1">
+            <a:off x="5385030" y="489347"/>
+            <a:ext cx="3628211" cy="4196435"/>
+          </a:xfrm>
+          <a:prstGeom prst="bentConnector4">
+            <a:avLst>
+              <a:gd name="adj1" fmla="val -6301"/>
+              <a:gd name="adj2" fmla="val 63380"/>
+            </a:avLst>
+          </a:prstGeom>
+          <a:ln>
+            <a:solidFill>
+              <a:srgbClr val="FF0000"/>
+            </a:solidFill>
+            <a:tailEnd type="triangle"/>
+          </a:ln>
+        </p:spPr>
+        <p:style>
+          <a:lnRef idx="1">
+            <a:schemeClr val="accent1"/>
+          </a:lnRef>
+          <a:fillRef idx="0">
+            <a:schemeClr val="accent1"/>
+          </a:fillRef>
+          <a:effectRef idx="0">
+            <a:schemeClr val="accent1"/>
+          </a:effectRef>
+          <a:fontRef idx="minor">
+            <a:schemeClr val="tx1"/>
+          </a:fontRef>
+        </p:style>
+      </p:cxnSp>
+    </p:spTree>
+    <p:extLst>
+      <p:ext uri="{BB962C8B-B14F-4D97-AF65-F5344CB8AC3E}">
+        <p14:creationId xmlns:p14="http://schemas.microsoft.com/office/powerpoint/2010/main" val="1284269504"/>
+      </p:ext>
+    </p:extLst>
+  </p:cSld>
+  <p:clrMapOvr>
+    <a:masterClrMapping/>
+  </p:clrMapOvr>
+</p:sld>
+</file>
+
 <file path=ppt/slides/slide2.xml><?xml version="1.0" encoding="utf-8"?>
 <p:sld xmlns:a="http://schemas.openxmlformats.org/drawingml/2006/main" xmlns:r="http://schemas.openxmlformats.org/officeDocument/2006/relationships" xmlns:p="http://schemas.openxmlformats.org/presentationml/2006/main">
   <p:cSld>
@@ -3482,7 +4511,7 @@
         <p:spPr>
           <a:xfrm>
             <a:off x="838200" y="3725288"/>
-            <a:ext cx="11233935" cy="646331"/>
+            <a:ext cx="11233935" cy="1384995"/>
           </a:xfrm>
           <a:prstGeom prst="rect">
             <a:avLst/>
@@ -3518,56 +4547,91 @@
                 <a:latin typeface="Times New Roman" panose="02020603050405020304" pitchFamily="18" charset="0"/>
                 <a:ea typeface="標楷體" panose="03000509000000000000" pitchFamily="65" charset="-120"/>
                 <a:cs typeface="Times New Roman" panose="02020603050405020304" pitchFamily="18" charset="0"/>
-              </a:rPr>
-              <a:t>http://localhost:8000/api/v1/InvoiceMaster/</a:t>
+                <a:hlinkClick r:id="rId2"/>
+              </a:rPr>
+              <a:t>http://localhost:8000/api/v1/</a:t>
+            </a:r>
+            <a:r>
+              <a:rPr lang="en-US" altLang="zh-TW" sz="1200" dirty="0" err="1">
+                <a:latin typeface="Times New Roman" panose="02020603050405020304" pitchFamily="18" charset="0"/>
+                <a:ea typeface="標楷體" panose="03000509000000000000" pitchFamily="65" charset="-120"/>
+                <a:cs typeface="Times New Roman" panose="02020603050405020304" pitchFamily="18" charset="0"/>
+                <a:hlinkClick r:id="rId2"/>
+              </a:rPr>
+              <a:t>getInvoiceMaster&amp;InvoiceDetail</a:t>
+            </a:r>
+            <a:r>
+              <a:rPr lang="zh-TW" altLang="en-US" sz="1200" dirty="0">
+                <a:latin typeface="Times New Roman" panose="02020603050405020304" pitchFamily="18" charset="0"/>
+                <a:ea typeface="標楷體" panose="03000509000000000000" pitchFamily="65" charset="-120"/>
+                <a:cs typeface="Times New Roman" panose="02020603050405020304" pitchFamily="18" charset="0"/>
+                <a:hlinkClick r:id="rId2"/>
+              </a:rPr>
+              <a:t>/</a:t>
             </a:r>
             <a:r>
               <a:rPr lang="en-US" altLang="zh-TW" sz="1200" dirty="0">
-                <a:highlight>
-                  <a:srgbClr val="FFFF00"/>
-                </a:highlight>
+                <a:latin typeface="Times New Roman" panose="02020603050405020304" pitchFamily="18" charset="0"/>
+                <a:ea typeface="標楷體" panose="03000509000000000000" pitchFamily="65" charset="-120"/>
+                <a:cs typeface="Times New Roman" panose="02020603050405020304" pitchFamily="18" charset="0"/>
+                <a:hlinkClick r:id="rId2"/>
+              </a:rPr>
+              <a:t>{</a:t>
+            </a:r>
+            <a:r>
+              <a:rPr lang="en-US" altLang="zh-TW" sz="1200" dirty="0" err="1">
+                <a:latin typeface="Times New Roman" panose="02020603050405020304" pitchFamily="18" charset="0"/>
+                <a:ea typeface="標楷體" panose="03000509000000000000" pitchFamily="65" charset="-120"/>
+                <a:cs typeface="Times New Roman" panose="02020603050405020304" pitchFamily="18" charset="0"/>
+                <a:hlinkClick r:id="rId2"/>
+              </a:rPr>
+              <a:t>urlCondition</a:t>
+            </a:r>
+            <a:r>
+              <a:rPr lang="en-US" altLang="zh-TW" sz="1200" dirty="0">
+                <a:latin typeface="Times New Roman" panose="02020603050405020304" pitchFamily="18" charset="0"/>
+                <a:ea typeface="標楷體" panose="03000509000000000000" pitchFamily="65" charset="-120"/>
+                <a:cs typeface="Times New Roman" panose="02020603050405020304" pitchFamily="18" charset="0"/>
+                <a:hlinkClick r:id="rId2"/>
+              </a:rPr>
+              <a:t>}</a:t>
+            </a:r>
+            <a:endParaRPr lang="en-US" altLang="zh-TW" sz="1200" dirty="0">
+              <a:latin typeface="Times New Roman" panose="02020603050405020304" pitchFamily="18" charset="0"/>
+              <a:ea typeface="標楷體" panose="03000509000000000000" pitchFamily="65" charset="-120"/>
+              <a:cs typeface="Times New Roman" panose="02020603050405020304" pitchFamily="18" charset="0"/>
+            </a:endParaRPr>
+          </a:p>
+          <a:p>
+            <a:r>
+              <a:rPr lang="en-US" altLang="zh-TW" sz="1200" dirty="0" err="1">
+                <a:latin typeface="Times New Roman" panose="02020603050405020304" pitchFamily="18" charset="0"/>
+                <a:ea typeface="標楷體" panose="03000509000000000000" pitchFamily="65" charset="-120"/>
+                <a:cs typeface="Times New Roman" panose="02020603050405020304" pitchFamily="18" charset="0"/>
+              </a:rPr>
+              <a:t>urlCondition</a:t>
+            </a:r>
+            <a:r>
+              <a:rPr lang="en-US" altLang="zh-TW" sz="1200" dirty="0">
+                <a:latin typeface="Times New Roman" panose="02020603050405020304" pitchFamily="18" charset="0"/>
+                <a:ea typeface="標楷體" panose="03000509000000000000" pitchFamily="65" charset="-120"/>
+                <a:cs typeface="Times New Roman" panose="02020603050405020304" pitchFamily="18" charset="0"/>
+              </a:rPr>
+              <a:t>:</a:t>
+            </a:r>
+          </a:p>
+          <a:p>
+            <a:pPr marL="228600" indent="-228600">
+              <a:buFont typeface="+mj-lt"/>
+              <a:buAutoNum type="arabicPeriod"/>
+            </a:pPr>
+            <a:r>
+              <a:rPr lang="en-US" altLang="zh-TW" sz="1200" dirty="0">
                 <a:latin typeface="Times New Roman" panose="02020603050405020304" pitchFamily="18" charset="0"/>
                 <a:ea typeface="標楷體" panose="03000509000000000000" pitchFamily="65" charset="-120"/>
                 <a:cs typeface="Times New Roman" panose="02020603050405020304" pitchFamily="18" charset="0"/>
               </a:rPr>
               <a:t>Status=TO_MERGE</a:t>
-            </a:r>
-            <a:r>
-              <a:rPr lang="en-US" altLang="zh-TW" sz="1200" dirty="0">
-                <a:latin typeface="Times New Roman" panose="02020603050405020304" pitchFamily="18" charset="0"/>
-                <a:ea typeface="標楷體" panose="03000509000000000000" pitchFamily="65" charset="-120"/>
-                <a:cs typeface="Times New Roman" panose="02020603050405020304" pitchFamily="18" charset="0"/>
-              </a:rPr>
-              <a:t>&amp;</a:t>
-            </a:r>
-            <a:r>
-              <a:rPr lang="zh-TW" altLang="en-US" sz="1200" dirty="0">
-                <a:latin typeface="Times New Roman" panose="02020603050405020304" pitchFamily="18" charset="0"/>
-                <a:ea typeface="標楷體" panose="03000509000000000000" pitchFamily="65" charset="-120"/>
-                <a:cs typeface="Times New Roman" panose="02020603050405020304" pitchFamily="18" charset="0"/>
-              </a:rPr>
-              <a:t>PartyName=會員名稱&amp;SupplierName=供應商名稱&amp;SubmarineCable=海纜名稱&amp;WorkTitle=海纜作業</a:t>
-            </a:r>
-            <a:r>
-              <a:rPr lang="en-US" altLang="zh-TW" sz="1200" dirty="0">
-                <a:latin typeface="Times New Roman" panose="02020603050405020304" pitchFamily="18" charset="0"/>
-                <a:ea typeface="標楷體" panose="03000509000000000000" pitchFamily="65" charset="-120"/>
-                <a:cs typeface="Times New Roman" panose="02020603050405020304" pitchFamily="18" charset="0"/>
-              </a:rPr>
-              <a:t>...</a:t>
-            </a:r>
-          </a:p>
-          <a:p>
-            <a:r>
-              <a:rPr lang="zh-TW" altLang="en-US" sz="1200" dirty="0">
-                <a:highlight>
-                  <a:srgbClr val="FFFF00"/>
-                </a:highlight>
-                <a:latin typeface="Times New Roman" panose="02020603050405020304" pitchFamily="18" charset="0"/>
-                <a:ea typeface="標楷體" panose="03000509000000000000" pitchFamily="65" charset="-120"/>
-                <a:cs typeface="Times New Roman" panose="02020603050405020304" pitchFamily="18" charset="0"/>
-              </a:rPr>
-              <a:t>回傳內容格式請參閱下一頁</a:t>
             </a:r>
             <a:endParaRPr lang="en-US" altLang="zh-TW" sz="1200" dirty="0">
               <a:highlight>
@@ -3578,6 +4642,176 @@
               <a:cs typeface="Times New Roman" panose="02020603050405020304" pitchFamily="18" charset="0"/>
             </a:endParaRPr>
           </a:p>
+          <a:p>
+            <a:pPr marL="228600" indent="-228600">
+              <a:buFont typeface="+mj-lt"/>
+              <a:buAutoNum type="arabicPeriod"/>
+            </a:pPr>
+            <a:r>
+              <a:rPr lang="en-US" altLang="zh-TW" sz="1200" dirty="0">
+                <a:latin typeface="Times New Roman" panose="02020603050405020304" pitchFamily="18" charset="0"/>
+                <a:ea typeface="標楷體" panose="03000509000000000000" pitchFamily="65" charset="-120"/>
+                <a:cs typeface="Times New Roman" panose="02020603050405020304" pitchFamily="18" charset="0"/>
+              </a:rPr>
+              <a:t>Status=</a:t>
+            </a:r>
+            <a:r>
+              <a:rPr lang="en-US" altLang="zh-TW" sz="1200" dirty="0" err="1">
+                <a:latin typeface="Times New Roman" panose="02020603050405020304" pitchFamily="18" charset="0"/>
+                <a:ea typeface="標楷體" panose="03000509000000000000" pitchFamily="65" charset="-120"/>
+                <a:cs typeface="Times New Roman" panose="02020603050405020304" pitchFamily="18" charset="0"/>
+              </a:rPr>
+              <a:t>TO_MERGE&amp;PartyName</a:t>
+            </a:r>
+            <a:r>
+              <a:rPr lang="en-US" altLang="zh-TW" sz="1200" dirty="0">
+                <a:latin typeface="Times New Roman" panose="02020603050405020304" pitchFamily="18" charset="0"/>
+                <a:ea typeface="標楷體" panose="03000509000000000000" pitchFamily="65" charset="-120"/>
+                <a:cs typeface="Times New Roman" panose="02020603050405020304" pitchFamily="18" charset="0"/>
+              </a:rPr>
+              <a:t>=</a:t>
+            </a:r>
+            <a:r>
+              <a:rPr lang="zh-TW" altLang="en-US" sz="1200" dirty="0">
+                <a:latin typeface="Times New Roman" panose="02020603050405020304" pitchFamily="18" charset="0"/>
+                <a:ea typeface="標楷體" panose="03000509000000000000" pitchFamily="65" charset="-120"/>
+                <a:cs typeface="Times New Roman" panose="02020603050405020304" pitchFamily="18" charset="0"/>
+              </a:rPr>
+              <a:t>會員名稱</a:t>
+            </a:r>
+            <a:r>
+              <a:rPr lang="en-US" altLang="zh-TW" sz="1200" dirty="0">
+                <a:latin typeface="Times New Roman" panose="02020603050405020304" pitchFamily="18" charset="0"/>
+                <a:ea typeface="標楷體" panose="03000509000000000000" pitchFamily="65" charset="-120"/>
+                <a:cs typeface="Times New Roman" panose="02020603050405020304" pitchFamily="18" charset="0"/>
+              </a:rPr>
+              <a:t>&amp;</a:t>
+            </a:r>
+            <a:r>
+              <a:rPr lang="en-US" altLang="zh-TW" sz="1200" dirty="0" err="1">
+                <a:latin typeface="Times New Roman" panose="02020603050405020304" pitchFamily="18" charset="0"/>
+                <a:ea typeface="標楷體" panose="03000509000000000000" pitchFamily="65" charset="-120"/>
+                <a:cs typeface="Times New Roman" panose="02020603050405020304" pitchFamily="18" charset="0"/>
+              </a:rPr>
+              <a:t>SupplierName</a:t>
+            </a:r>
+            <a:r>
+              <a:rPr lang="en-US" altLang="zh-TW" sz="1200" dirty="0">
+                <a:latin typeface="Times New Roman" panose="02020603050405020304" pitchFamily="18" charset="0"/>
+                <a:ea typeface="標楷體" panose="03000509000000000000" pitchFamily="65" charset="-120"/>
+                <a:cs typeface="Times New Roman" panose="02020603050405020304" pitchFamily="18" charset="0"/>
+              </a:rPr>
+              <a:t>=</a:t>
+            </a:r>
+            <a:r>
+              <a:rPr lang="zh-TW" altLang="en-US" sz="1200" dirty="0">
+                <a:latin typeface="Times New Roman" panose="02020603050405020304" pitchFamily="18" charset="0"/>
+                <a:ea typeface="標楷體" panose="03000509000000000000" pitchFamily="65" charset="-120"/>
+                <a:cs typeface="Times New Roman" panose="02020603050405020304" pitchFamily="18" charset="0"/>
+              </a:rPr>
+              <a:t>供應商名稱</a:t>
+            </a:r>
+            <a:r>
+              <a:rPr lang="en-US" altLang="zh-TW" sz="1200" dirty="0">
+                <a:latin typeface="Times New Roman" panose="02020603050405020304" pitchFamily="18" charset="0"/>
+                <a:ea typeface="標楷體" panose="03000509000000000000" pitchFamily="65" charset="-120"/>
+                <a:cs typeface="Times New Roman" panose="02020603050405020304" pitchFamily="18" charset="0"/>
+              </a:rPr>
+              <a:t>&amp;</a:t>
+            </a:r>
+            <a:r>
+              <a:rPr lang="en-US" altLang="zh-TW" sz="1200" dirty="0" err="1">
+                <a:latin typeface="Times New Roman" panose="02020603050405020304" pitchFamily="18" charset="0"/>
+                <a:ea typeface="標楷體" panose="03000509000000000000" pitchFamily="65" charset="-120"/>
+                <a:cs typeface="Times New Roman" panose="02020603050405020304" pitchFamily="18" charset="0"/>
+              </a:rPr>
+              <a:t>SubmarineCable</a:t>
+            </a:r>
+            <a:r>
+              <a:rPr lang="en-US" altLang="zh-TW" sz="1200" dirty="0">
+                <a:latin typeface="Times New Roman" panose="02020603050405020304" pitchFamily="18" charset="0"/>
+                <a:ea typeface="標楷體" panose="03000509000000000000" pitchFamily="65" charset="-120"/>
+                <a:cs typeface="Times New Roman" panose="02020603050405020304" pitchFamily="18" charset="0"/>
+              </a:rPr>
+              <a:t>=</a:t>
+            </a:r>
+            <a:r>
+              <a:rPr lang="zh-TW" altLang="en-US" sz="1200" dirty="0">
+                <a:latin typeface="Times New Roman" panose="02020603050405020304" pitchFamily="18" charset="0"/>
+                <a:ea typeface="標楷體" panose="03000509000000000000" pitchFamily="65" charset="-120"/>
+                <a:cs typeface="Times New Roman" panose="02020603050405020304" pitchFamily="18" charset="0"/>
+              </a:rPr>
+              <a:t>海纜名稱</a:t>
+            </a:r>
+            <a:r>
+              <a:rPr lang="en-US" altLang="zh-TW" sz="1200" dirty="0">
+                <a:latin typeface="Times New Roman" panose="02020603050405020304" pitchFamily="18" charset="0"/>
+                <a:ea typeface="標楷體" panose="03000509000000000000" pitchFamily="65" charset="-120"/>
+                <a:cs typeface="Times New Roman" panose="02020603050405020304" pitchFamily="18" charset="0"/>
+              </a:rPr>
+              <a:t>&amp;</a:t>
+            </a:r>
+            <a:r>
+              <a:rPr lang="en-US" altLang="zh-TW" sz="1200" dirty="0" err="1">
+                <a:latin typeface="Times New Roman" panose="02020603050405020304" pitchFamily="18" charset="0"/>
+                <a:ea typeface="標楷體" panose="03000509000000000000" pitchFamily="65" charset="-120"/>
+                <a:cs typeface="Times New Roman" panose="02020603050405020304" pitchFamily="18" charset="0"/>
+              </a:rPr>
+              <a:t>WorkTitle</a:t>
+            </a:r>
+            <a:r>
+              <a:rPr lang="en-US" altLang="zh-TW" sz="1200" dirty="0">
+                <a:latin typeface="Times New Roman" panose="02020603050405020304" pitchFamily="18" charset="0"/>
+                <a:ea typeface="標楷體" panose="03000509000000000000" pitchFamily="65" charset="-120"/>
+                <a:cs typeface="Times New Roman" panose="02020603050405020304" pitchFamily="18" charset="0"/>
+              </a:rPr>
+              <a:t>=</a:t>
+            </a:r>
+            <a:r>
+              <a:rPr lang="zh-TW" altLang="en-US" sz="1200" dirty="0">
+                <a:latin typeface="Times New Roman" panose="02020603050405020304" pitchFamily="18" charset="0"/>
+                <a:ea typeface="標楷體" panose="03000509000000000000" pitchFamily="65" charset="-120"/>
+                <a:cs typeface="Times New Roman" panose="02020603050405020304" pitchFamily="18" charset="0"/>
+              </a:rPr>
+              <a:t>海纜作業</a:t>
+            </a:r>
+            <a:r>
+              <a:rPr lang="en-US" altLang="zh-TW" sz="1200" dirty="0">
+                <a:latin typeface="Times New Roman" panose="02020603050405020304" pitchFamily="18" charset="0"/>
+                <a:ea typeface="標楷體" panose="03000509000000000000" pitchFamily="65" charset="-120"/>
+                <a:cs typeface="Times New Roman" panose="02020603050405020304" pitchFamily="18" charset="0"/>
+              </a:rPr>
+              <a:t>...</a:t>
+            </a:r>
+          </a:p>
+          <a:p>
+            <a:endParaRPr lang="en-US" altLang="zh-TW" sz="1200" dirty="0">
+              <a:latin typeface="Times New Roman" panose="02020603050405020304" pitchFamily="18" charset="0"/>
+              <a:ea typeface="標楷體" panose="03000509000000000000" pitchFamily="65" charset="-120"/>
+              <a:cs typeface="Times New Roman" panose="02020603050405020304" pitchFamily="18" charset="0"/>
+            </a:endParaRPr>
+          </a:p>
+          <a:p>
+            <a:r>
+              <a:rPr lang="zh-TW" altLang="en-US" sz="1200" dirty="0">
+                <a:highlight>
+                  <a:srgbClr val="FFFF00"/>
+                </a:highlight>
+                <a:latin typeface="Times New Roman" panose="02020603050405020304" pitchFamily="18" charset="0"/>
+                <a:ea typeface="標楷體" panose="03000509000000000000" pitchFamily="65" charset="-120"/>
+                <a:cs typeface="Times New Roman" panose="02020603050405020304" pitchFamily="18" charset="0"/>
+              </a:rPr>
+              <a:t>回傳內容格式請參閱下一頁</a:t>
+            </a:r>
+            <a:endParaRPr lang="en-US" altLang="zh-TW" sz="1200" dirty="0">
+              <a:highlight>
+                <a:srgbClr val="FFFF00"/>
+              </a:highlight>
+              <a:latin typeface="Times New Roman" panose="02020603050405020304" pitchFamily="18" charset="0"/>
+              <a:ea typeface="標楷體" panose="03000509000000000000" pitchFamily="65" charset="-120"/>
+              <a:cs typeface="Times New Roman" panose="02020603050405020304" pitchFamily="18" charset="0"/>
+            </a:endParaRPr>
+          </a:p>
         </p:txBody>
       </p:sp>
       <p:pic>
@@ -3595,7 +4829,7 @@
           <p:nvPr/>
         </p:nvPicPr>
         <p:blipFill>
-          <a:blip r:embed="rId2">
+          <a:blip r:embed="rId3">
             <a:extLst>
               <a:ext uri="{28A0092B-C50C-407E-A947-70E740481C1C}">
                 <a14:useLocalDpi xmlns:a14="http://schemas.microsoft.com/office/drawing/2010/main" val="0"/>
@@ -3678,6 +4912,7 @@
             </a:extLst>
           </p:cNvPr>
           <p:cNvCxnSpPr>
+            <a:cxnSpLocks/>
             <a:stCxn id="9" idx="2"/>
           </p:cNvCxnSpPr>
           <p:nvPr/>
@@ -3685,7 +4920,7 @@
         <p:spPr>
           <a:xfrm>
             <a:off x="1187197" y="2980945"/>
-            <a:ext cx="3192779" cy="960119"/>
+            <a:ext cx="847791" cy="1366937"/>
           </a:xfrm>
           <a:prstGeom prst="straightConnector1">
             <a:avLst/>
@@ -3726,7 +4961,7 @@
         </p:nvSpPr>
         <p:spPr>
           <a:xfrm>
-            <a:off x="3049524" y="3244334"/>
+            <a:off x="1426465" y="3295081"/>
             <a:ext cx="672084" cy="369332"/>
           </a:xfrm>
           <a:prstGeom prst="rect">
@@ -4372,42 +5607,6 @@
           </a:p>
         </p:txBody>
       </p:sp>
-      <p:pic>
-        <p:nvPicPr>
-          <p:cNvPr id="9" name="圖片 8">
-            <a:extLst>
-              <a:ext uri="{FF2B5EF4-FFF2-40B4-BE49-F238E27FC236}">
-                <a16:creationId xmlns:a16="http://schemas.microsoft.com/office/drawing/2014/main" id="{229175DF-5569-3966-A915-4316C8784CCE}"/>
-              </a:ext>
-            </a:extLst>
-          </p:cNvPr>
-          <p:cNvPicPr>
-            <a:picLocks noChangeAspect="1"/>
-          </p:cNvPicPr>
-          <p:nvPr/>
-        </p:nvPicPr>
-        <p:blipFill>
-          <a:blip r:embed="rId2">
-            <a:extLst>
-              <a:ext uri="{28A0092B-C50C-407E-A947-70E740481C1C}">
-                <a14:useLocalDpi xmlns:a14="http://schemas.microsoft.com/office/drawing/2010/main" val="0"/>
-              </a:ext>
-            </a:extLst>
-          </a:blip>
-          <a:stretch>
-            <a:fillRect/>
-          </a:stretch>
-        </p:blipFill>
-        <p:spPr>
-          <a:xfrm>
-            <a:off x="8775721" y="2025580"/>
-            <a:ext cx="3451998" cy="2110232"/>
-          </a:xfrm>
-          <a:prstGeom prst="rect">
-            <a:avLst/>
-          </a:prstGeom>
-        </p:spPr>
-      </p:pic>
       <p:sp>
         <p:nvSpPr>
           <p:cNvPr id="11" name="文字方塊 10">
@@ -4709,7 +5908,7 @@
           <p:nvPr/>
         </p:nvPicPr>
         <p:blipFill>
-          <a:blip r:embed="rId3">
+          <a:blip r:embed="rId2">
             <a:extLst>
               <a:ext uri="{28A0092B-C50C-407E-A947-70E740481C1C}">
                 <a14:useLocalDpi xmlns:a14="http://schemas.microsoft.com/office/drawing/2010/main" val="0"/>
@@ -4827,104 +6026,6 @@
           </a:fontRef>
         </p:style>
       </p:cxnSp>
-      <p:cxnSp>
-        <p:nvCxnSpPr>
-          <p:cNvPr id="15" name="直線單箭頭接點 14">
-            <a:extLst>
-              <a:ext uri="{FF2B5EF4-FFF2-40B4-BE49-F238E27FC236}">
-                <a16:creationId xmlns:a16="http://schemas.microsoft.com/office/drawing/2014/main" id="{CF32F555-15B1-4B0E-B564-6DE6972F5735}"/>
-              </a:ext>
-            </a:extLst>
-          </p:cNvPr>
-          <p:cNvCxnSpPr>
-            <a:cxnSpLocks/>
-            <a:stCxn id="11" idx="3"/>
-            <a:endCxn id="16" idx="1"/>
-          </p:cNvCxnSpPr>
-          <p:nvPr/>
-        </p:nvCxnSpPr>
-        <p:spPr>
-          <a:xfrm flipV="1">
-            <a:off x="8686045" y="3287972"/>
-            <a:ext cx="698278" cy="17917"/>
-          </a:xfrm>
-          <a:prstGeom prst="straightConnector1">
-            <a:avLst/>
-          </a:prstGeom>
-          <a:ln>
-            <a:solidFill>
-              <a:srgbClr val="FF0000"/>
-            </a:solidFill>
-            <a:tailEnd type="triangle"/>
-          </a:ln>
-        </p:spPr>
-        <p:style>
-          <a:lnRef idx="1">
-            <a:schemeClr val="accent1"/>
-          </a:lnRef>
-          <a:fillRef idx="0">
-            <a:schemeClr val="accent1"/>
-          </a:fillRef>
-          <a:effectRef idx="0">
-            <a:schemeClr val="accent1"/>
-          </a:effectRef>
-          <a:fontRef idx="minor">
-            <a:schemeClr val="tx1"/>
-          </a:fontRef>
-        </p:style>
-      </p:cxnSp>
-      <p:sp>
-        <p:nvSpPr>
-          <p:cNvPr id="16" name="矩形 15">
-            <a:extLst>
-              <a:ext uri="{FF2B5EF4-FFF2-40B4-BE49-F238E27FC236}">
-                <a16:creationId xmlns:a16="http://schemas.microsoft.com/office/drawing/2014/main" id="{5F2E8C2B-15FB-4DA6-94A5-F7D07555A436}"/>
-              </a:ext>
-            </a:extLst>
-          </p:cNvPr>
-          <p:cNvSpPr/>
-          <p:nvPr/>
-        </p:nvSpPr>
-        <p:spPr>
-          <a:xfrm>
-            <a:off x="9384323" y="3020642"/>
-            <a:ext cx="1964714" cy="534660"/>
-          </a:xfrm>
-          <a:prstGeom prst="rect">
-            <a:avLst/>
-          </a:prstGeom>
-          <a:noFill/>
-          <a:ln>
-            <a:solidFill>
-              <a:srgbClr val="FF0000"/>
-            </a:solidFill>
-          </a:ln>
-        </p:spPr>
-        <p:style>
-          <a:lnRef idx="2">
-            <a:schemeClr val="accent1">
-              <a:shade val="50000"/>
-            </a:schemeClr>
-          </a:lnRef>
-          <a:fillRef idx="1">
-            <a:schemeClr val="accent1"/>
-          </a:fillRef>
-          <a:effectRef idx="0">
-            <a:schemeClr val="accent1"/>
-          </a:effectRef>
-          <a:fontRef idx="minor">
-            <a:schemeClr val="lt1"/>
-          </a:fontRef>
-        </p:style>
-        <p:txBody>
-          <a:bodyPr rtlCol="0" anchor="ctr"/>
-          <a:lstStyle/>
-          <a:p>
-            <a:pPr algn="ctr"/>
-            <a:endParaRPr lang="zh-TW" altLang="en-US"/>
-          </a:p>
-        </p:txBody>
-      </p:sp>
       <p:sp>
         <p:nvSpPr>
           <p:cNvPr id="19" name="矩形 18">
@@ -5202,12 +6303,17 @@
         <p:spPr>
           <a:xfrm>
             <a:off x="950975" y="4622399"/>
-            <a:ext cx="6051073" cy="1200329"/>
+            <a:ext cx="6051073" cy="2123658"/>
           </a:xfrm>
           <a:prstGeom prst="rect">
             <a:avLst/>
           </a:prstGeom>
           <a:noFill/>
+          <a:ln>
+            <a:solidFill>
+              <a:schemeClr val="tx1"/>
+            </a:solidFill>
+          </a:ln>
         </p:spPr>
         <p:txBody>
           <a:bodyPr wrap="square">
@@ -5231,8 +6337,21 @@
                 <a:ea typeface="標楷體" panose="03000509000000000000" pitchFamily="65" charset="-120"/>
                 <a:cs typeface="Times New Roman" panose="02020603050405020304" pitchFamily="18" charset="0"/>
               </a:rPr>
-              <a:t>Method: GET</a:t>
-            </a:r>
+              <a:t>Method: </a:t>
+            </a:r>
+            <a:r>
+              <a:rPr lang="en-US" altLang="zh-TW" sz="1200" dirty="0">
+                <a:latin typeface="Times New Roman" panose="02020603050405020304" pitchFamily="18" charset="0"/>
+                <a:ea typeface="標楷體" panose="03000509000000000000" pitchFamily="65" charset="-120"/>
+                <a:cs typeface="Times New Roman" panose="02020603050405020304" pitchFamily="18" charset="0"/>
+              </a:rPr>
+              <a:t>POST</a:t>
+            </a:r>
+            <a:endParaRPr lang="zh-TW" altLang="en-US" sz="1200" dirty="0">
+              <a:latin typeface="Times New Roman" panose="02020603050405020304" pitchFamily="18" charset="0"/>
+              <a:ea typeface="標楷體" panose="03000509000000000000" pitchFamily="65" charset="-120"/>
+              <a:cs typeface="Times New Roman" panose="02020603050405020304" pitchFamily="18" charset="0"/>
+            </a:endParaRPr>
           </a:p>
           <a:p>
             <a:r>
@@ -5250,20 +6369,116 @@
                 <a:cs typeface="Times New Roman" panose="02020603050405020304" pitchFamily="18" charset="0"/>
                 <a:hlinkClick r:id="rId3"/>
               </a:rPr>
-              <a:t>http://localhost:8000/api/v1/checkBillingNo/</a:t>
-            </a:r>
-            <a:r>
-              <a:rPr lang="zh-TW" altLang="en-US" sz="1200" dirty="0">
-                <a:highlight>
-                  <a:srgbClr val="FFFF00"/>
-                </a:highlight>
-                <a:latin typeface="Times New Roman" panose="02020603050405020304" pitchFamily="18" charset="0"/>
-                <a:ea typeface="標楷體" panose="03000509000000000000" pitchFamily="65" charset="-120"/>
-                <a:cs typeface="Times New Roman" panose="02020603050405020304" pitchFamily="18" charset="0"/>
-                <a:hlinkClick r:id="rId3"/>
-              </a:rPr>
-              <a:t>{BillingNo}</a:t>
-            </a:r>
+              <a:t>http://localhost:8000/api/v1/checkBillingNo</a:t>
+            </a:r>
+            <a:endParaRPr lang="en-US" altLang="zh-TW" sz="1200" dirty="0">
+              <a:latin typeface="Times New Roman" panose="02020603050405020304" pitchFamily="18" charset="0"/>
+              <a:ea typeface="標楷體" panose="03000509000000000000" pitchFamily="65" charset="-120"/>
+              <a:cs typeface="Times New Roman" panose="02020603050405020304" pitchFamily="18" charset="0"/>
+            </a:endParaRPr>
+          </a:p>
+          <a:p>
+            <a:r>
+              <a:rPr lang="en-US" altLang="zh-TW" sz="1200" dirty="0">
+                <a:latin typeface="Times New Roman" panose="02020603050405020304" pitchFamily="18" charset="0"/>
+                <a:ea typeface="標楷體" panose="03000509000000000000" pitchFamily="65" charset="-120"/>
+                <a:cs typeface="Times New Roman" panose="02020603050405020304" pitchFamily="18" charset="0"/>
+              </a:rPr>
+              <a:t>POST Body:</a:t>
+            </a:r>
+          </a:p>
+          <a:p>
+            <a:r>
+              <a:rPr lang="en-US" altLang="zh-TW" sz="1200" dirty="0">
+                <a:latin typeface="Times New Roman" panose="02020603050405020304" pitchFamily="18" charset="0"/>
+                <a:ea typeface="標楷體" panose="03000509000000000000" pitchFamily="65" charset="-120"/>
+                <a:cs typeface="Times New Roman" panose="02020603050405020304" pitchFamily="18" charset="0"/>
+              </a:rPr>
+              <a:t>{</a:t>
+            </a:r>
+          </a:p>
+          <a:p>
+            <a:r>
+              <a:rPr lang="en-US" altLang="zh-TW" sz="1200" dirty="0">
+                <a:latin typeface="Times New Roman" panose="02020603050405020304" pitchFamily="18" charset="0"/>
+                <a:ea typeface="標楷體" panose="03000509000000000000" pitchFamily="65" charset="-120"/>
+                <a:cs typeface="Times New Roman" panose="02020603050405020304" pitchFamily="18" charset="0"/>
+              </a:rPr>
+              <a:t>    </a:t>
+            </a:r>
+            <a:r>
+              <a:rPr lang="en" altLang="zh-TW" sz="1200" dirty="0">
+                <a:latin typeface="Times New Roman" panose="02020603050405020304" pitchFamily="18" charset="0"/>
+                <a:ea typeface="標楷體" panose="03000509000000000000" pitchFamily="65" charset="-120"/>
+                <a:cs typeface="Times New Roman" panose="02020603050405020304" pitchFamily="18" charset="0"/>
+              </a:rPr>
+              <a:t>"</a:t>
+            </a:r>
+            <a:r>
+              <a:rPr lang="en-US" altLang="zh-TW" sz="1200" dirty="0" err="1">
+                <a:latin typeface="Times New Roman" panose="02020603050405020304" pitchFamily="18" charset="0"/>
+                <a:ea typeface="標楷體" panose="03000509000000000000" pitchFamily="65" charset="-120"/>
+                <a:cs typeface="Times New Roman" panose="02020603050405020304" pitchFamily="18" charset="0"/>
+              </a:rPr>
+              <a:t>BillingNo</a:t>
+            </a:r>
+            <a:r>
+              <a:rPr lang="en" altLang="zh-TW" sz="1200" dirty="0">
+                <a:latin typeface="Times New Roman" panose="02020603050405020304" pitchFamily="18" charset="0"/>
+                <a:ea typeface="標楷體" panose="03000509000000000000" pitchFamily="65" charset="-120"/>
+                <a:cs typeface="Times New Roman" panose="02020603050405020304" pitchFamily="18" charset="0"/>
+              </a:rPr>
+              <a:t>"</a:t>
+            </a:r>
+            <a:r>
+              <a:rPr lang="en-US" altLang="zh-TW" sz="1200" dirty="0">
+                <a:latin typeface="Times New Roman" panose="02020603050405020304" pitchFamily="18" charset="0"/>
+                <a:ea typeface="標楷體" panose="03000509000000000000" pitchFamily="65" charset="-120"/>
+                <a:cs typeface="Times New Roman" panose="02020603050405020304" pitchFamily="18" charset="0"/>
+              </a:rPr>
+              <a:t>: </a:t>
+            </a:r>
+            <a:r>
+              <a:rPr lang="en" altLang="zh-TW" sz="1200" dirty="0">
+                <a:latin typeface="Times New Roman" panose="02020603050405020304" pitchFamily="18" charset="0"/>
+                <a:ea typeface="標楷體" panose="03000509000000000000" pitchFamily="65" charset="-120"/>
+                <a:cs typeface="Times New Roman" panose="02020603050405020304" pitchFamily="18" charset="0"/>
+              </a:rPr>
+              <a:t>"</a:t>
+            </a:r>
+            <a:r>
+              <a:rPr lang="en-US" altLang="zh-TW" sz="1200" dirty="0">
+                <a:latin typeface="Times New Roman" panose="02020603050405020304" pitchFamily="18" charset="0"/>
+                <a:ea typeface="標楷體" panose="03000509000000000000" pitchFamily="65" charset="-120"/>
+                <a:cs typeface="Times New Roman" panose="02020603050405020304" pitchFamily="18" charset="0"/>
+              </a:rPr>
+              <a:t>test</a:t>
+            </a:r>
+            <a:r>
+              <a:rPr lang="en" altLang="zh-TW" sz="1200" dirty="0">
+                <a:latin typeface="Times New Roman" panose="02020603050405020304" pitchFamily="18" charset="0"/>
+                <a:ea typeface="標楷體" panose="03000509000000000000" pitchFamily="65" charset="-120"/>
+                <a:cs typeface="Times New Roman" panose="02020603050405020304" pitchFamily="18" charset="0"/>
+              </a:rPr>
+              <a:t>"</a:t>
+            </a:r>
+            <a:endParaRPr lang="en-US" altLang="zh-TW" sz="1200" dirty="0">
+              <a:latin typeface="Times New Roman" panose="02020603050405020304" pitchFamily="18" charset="0"/>
+              <a:ea typeface="標楷體" panose="03000509000000000000" pitchFamily="65" charset="-120"/>
+              <a:cs typeface="Times New Roman" panose="02020603050405020304" pitchFamily="18" charset="0"/>
+            </a:endParaRPr>
+          </a:p>
+          <a:p>
+            <a:r>
+              <a:rPr lang="en-US" altLang="zh-TW" sz="1200" dirty="0">
+                <a:latin typeface="Times New Roman" panose="02020603050405020304" pitchFamily="18" charset="0"/>
+                <a:ea typeface="標楷體" panose="03000509000000000000" pitchFamily="65" charset="-120"/>
+                <a:cs typeface="Times New Roman" panose="02020603050405020304" pitchFamily="18" charset="0"/>
+              </a:rPr>
+              <a:t>}</a:t>
+            </a:r>
+          </a:p>
+          <a:p>
             <a:endParaRPr lang="en-US" altLang="zh-TW" sz="1200" dirty="0">
               <a:highlight>
                 <a:srgbClr val="FFFF00"/>
@@ -5311,7 +6526,7 @@
                 <a:ea typeface="標楷體" panose="03000509000000000000" pitchFamily="65" charset="-120"/>
                 <a:cs typeface="Times New Roman" panose="02020603050405020304" pitchFamily="18" charset="0"/>
               </a:rPr>
-              <a:t>message": "BillingNo is not exist"} </a:t>
+              <a:t>message": "BillingNo is not exist, "BillingNo": "test"} </a:t>
             </a:r>
             <a:br>
               <a:rPr lang="en" altLang="zh-TW" sz="1200" dirty="0">
@@ -5398,14 +6613,16 @@
             </a:extLst>
           </p:cNvPr>
           <p:cNvCxnSpPr>
+            <a:cxnSpLocks/>
             <a:stCxn id="8" idx="2"/>
+            <a:endCxn id="7" idx="0"/>
           </p:cNvCxnSpPr>
           <p:nvPr/>
         </p:nvCxnSpPr>
         <p:spPr>
           <a:xfrm>
             <a:off x="3676389" y="2931090"/>
-            <a:ext cx="751562" cy="2148214"/>
+            <a:ext cx="300123" cy="1691309"/>
           </a:xfrm>
           <a:prstGeom prst="straightConnector1">
             <a:avLst/>
@@ -5446,8 +6663,8 @@
         </p:nvSpPr>
         <p:spPr>
           <a:xfrm>
-            <a:off x="9149370" y="1052115"/>
-            <a:ext cx="1948124" cy="5509200"/>
+            <a:off x="9149369" y="1052115"/>
+            <a:ext cx="2217877" cy="5632311"/>
           </a:xfrm>
           <a:prstGeom prst="rect">
             <a:avLst/>
@@ -5487,6 +6704,54 @@
               <a:rPr lang="zh-TW" altLang="en-US" sz="800" dirty="0"/>
               <a:t>{</a:t>
             </a:r>
+            <a:endParaRPr lang="en-US" altLang="zh-TW" sz="800" dirty="0"/>
+          </a:p>
+          <a:p>
+            <a:r>
+              <a:rPr lang="en-US" altLang="zh-TW" sz="800" dirty="0"/>
+              <a:t>        </a:t>
+            </a:r>
+            <a:r>
+              <a:rPr lang="zh-TW" altLang="en-US" sz="800" dirty="0"/>
+              <a:t>"</a:t>
+            </a:r>
+            <a:r>
+              <a:rPr lang="en-US" altLang="zh-TW" sz="800" dirty="0" err="1"/>
+              <a:t>DueDate</a:t>
+            </a:r>
+            <a:r>
+              <a:rPr lang="zh-TW" altLang="en-US" sz="800" dirty="0"/>
+              <a:t>"</a:t>
+            </a:r>
+            <a:r>
+              <a:rPr lang="en-US" altLang="zh-TW" sz="800" dirty="0"/>
+              <a:t>: </a:t>
+            </a:r>
+            <a:r>
+              <a:rPr lang="zh-TW" altLang="en-US" sz="800" dirty="0"/>
+              <a:t>"</a:t>
+            </a:r>
+            <a:r>
+              <a:rPr lang="en-US" altLang="zh-TW" sz="800" dirty="0"/>
+              <a:t>2023-03-14</a:t>
+            </a:r>
+            <a:r>
+              <a:rPr lang="zh-TW" altLang="en-US" sz="800" dirty="0"/>
+              <a:t> </a:t>
+            </a:r>
+            <a:r>
+              <a:rPr lang="en-US" altLang="zh-TW" sz="800" dirty="0"/>
+              <a:t>00:00:00</a:t>
+            </a:r>
+            <a:r>
+              <a:rPr lang="zh-TW" altLang="en-US" sz="800" dirty="0"/>
+              <a:t>"</a:t>
+            </a:r>
+            <a:r>
+              <a:rPr lang="en-US" altLang="zh-TW" sz="800" dirty="0"/>
+              <a:t>,</a:t>
+            </a:r>
+            <a:endParaRPr lang="zh-TW" altLang="en-US" sz="800" dirty="0"/>
           </a:p>
           <a:p>
             <a:r>
@@ -5744,8 +7009,8 @@
         </p:nvSpPr>
         <p:spPr>
           <a:xfrm>
-            <a:off x="5639991" y="1547253"/>
-            <a:ext cx="3238500" cy="400110"/>
+            <a:off x="5472947" y="1539633"/>
+            <a:ext cx="3572589" cy="600164"/>
           </a:xfrm>
           <a:prstGeom prst="rect">
             <a:avLst/>
@@ -5764,22 +7029,79 @@
           <a:lstStyle/>
           <a:p>
             <a:r>
-              <a:rPr lang="zh-TW" altLang="en-US" sz="1000" dirty="0"/>
+              <a:rPr lang="en-US" altLang="zh-TW" sz="1100" dirty="0">
+                <a:latin typeface="Times New Roman" panose="02020603050405020304" pitchFamily="18" charset="0"/>
+                <a:ea typeface="標楷體" panose="03000509000000000000" pitchFamily="65" charset="-120"/>
+                <a:cs typeface="Times New Roman" panose="02020603050405020304" pitchFamily="18" charset="0"/>
+              </a:rPr>
+              <a:t>Step2. </a:t>
+            </a:r>
+            <a:r>
+              <a:rPr lang="zh-TW" altLang="en-US" sz="1100" dirty="0">
+                <a:latin typeface="Times New Roman" panose="02020603050405020304" pitchFamily="18" charset="0"/>
+                <a:ea typeface="標楷體" panose="03000509000000000000" pitchFamily="65" charset="-120"/>
+                <a:cs typeface="Times New Roman" panose="02020603050405020304" pitchFamily="18" charset="0"/>
+              </a:rPr>
+              <a:t>送出</a:t>
+            </a:r>
+            <a:r>
+              <a:rPr lang="en-US" altLang="zh-TW" sz="1100" dirty="0">
+                <a:latin typeface="Times New Roman" panose="02020603050405020304" pitchFamily="18" charset="0"/>
+                <a:ea typeface="標楷體" panose="03000509000000000000" pitchFamily="65" charset="-120"/>
+                <a:cs typeface="Times New Roman" panose="02020603050405020304" pitchFamily="18" charset="0"/>
+              </a:rPr>
+              <a:t>(</a:t>
+            </a:r>
+            <a:r>
+              <a:rPr lang="zh-TW" altLang="en-US" sz="1100" dirty="0">
+                <a:latin typeface="Times New Roman" panose="02020603050405020304" pitchFamily="18" charset="0"/>
+                <a:ea typeface="標楷體" panose="03000509000000000000" pitchFamily="65" charset="-120"/>
+                <a:cs typeface="Times New Roman" panose="02020603050405020304" pitchFamily="18" charset="0"/>
+              </a:rPr>
+              <a:t>奌擊合併鈕後</a:t>
+            </a:r>
+            <a:r>
+              <a:rPr lang="en-US" altLang="zh-TW" sz="1100" dirty="0">
+                <a:latin typeface="Times New Roman" panose="02020603050405020304" pitchFamily="18" charset="0"/>
+                <a:ea typeface="標楷體" panose="03000509000000000000" pitchFamily="65" charset="-120"/>
+                <a:cs typeface="Times New Roman" panose="02020603050405020304" pitchFamily="18" charset="0"/>
+              </a:rPr>
+              <a:t>)</a:t>
+            </a:r>
+          </a:p>
+          <a:p>
+            <a:r>
+              <a:rPr lang="zh-TW" altLang="en-US" sz="1100" dirty="0">
+                <a:latin typeface="Times New Roman" panose="02020603050405020304" pitchFamily="18" charset="0"/>
+                <a:ea typeface="標楷體" panose="03000509000000000000" pitchFamily="65" charset="-120"/>
+                <a:cs typeface="Times New Roman" panose="02020603050405020304" pitchFamily="18" charset="0"/>
+              </a:rPr>
               <a:t>Method: POST</a:t>
             </a:r>
           </a:p>
           <a:p>
             <a:r>
-              <a:rPr lang="zh-TW" altLang="en-US" sz="1000" dirty="0"/>
-              <a:t>URL: </a:t>
-            </a:r>
-            <a:r>
-              <a:rPr lang="zh-TW" altLang="en-US" sz="1000" dirty="0">
+              <a:rPr lang="zh-TW" altLang="en-US" sz="1100" dirty="0">
+                <a:latin typeface="Times New Roman" panose="02020603050405020304" pitchFamily="18" charset="0"/>
+                <a:ea typeface="標楷體" panose="03000509000000000000" pitchFamily="65" charset="-120"/>
+                <a:cs typeface="Times New Roman" panose="02020603050405020304" pitchFamily="18" charset="0"/>
+              </a:rPr>
+              <a:t>URL:</a:t>
+            </a:r>
+            <a:r>
+              <a:rPr lang="zh-TW" altLang="en-US" sz="1100" dirty="0">
+                <a:latin typeface="Times New Roman" panose="02020603050405020304" pitchFamily="18" charset="0"/>
+                <a:ea typeface="標楷體" panose="03000509000000000000" pitchFamily="65" charset="-120"/>
+                <a:cs typeface="Times New Roman" panose="02020603050405020304" pitchFamily="18" charset="0"/>
                 <a:hlinkClick r:id="rId4"/>
               </a:rPr>
               <a:t>http://localhost:8000/api/v1/initBillMaster&amp;BillDetail</a:t>
             </a:r>
-            <a:endParaRPr lang="en-US" altLang="zh-TW" sz="1000" dirty="0"/>
+            <a:endParaRPr lang="en-US" altLang="zh-TW" sz="1100" dirty="0">
+              <a:latin typeface="Times New Roman" panose="02020603050405020304" pitchFamily="18" charset="0"/>
+              <a:ea typeface="標楷體" panose="03000509000000000000" pitchFamily="65" charset="-120"/>
+              <a:cs typeface="Times New Roman" panose="02020603050405020304" pitchFamily="18" charset="0"/>
+            </a:endParaRPr>
           </a:p>
         </p:txBody>
       </p:sp>
@@ -5793,6 +7115,7 @@
             </a:extLst>
           </p:cNvPr>
           <p:cNvCxnSpPr>
+            <a:cxnSpLocks/>
             <a:stCxn id="11" idx="2"/>
             <a:endCxn id="9" idx="1"/>
           </p:cNvCxnSpPr>
@@ -5800,8 +7123,8 @@
         </p:nvCxnSpPr>
         <p:spPr>
           <a:xfrm rot="16200000" flipH="1">
-            <a:off x="7274629" y="1931974"/>
-            <a:ext cx="1859352" cy="1890129"/>
+            <a:off x="7340068" y="2058970"/>
+            <a:ext cx="1728474" cy="1890127"/>
           </a:xfrm>
           <a:prstGeom prst="bentConnector2">
             <a:avLst/>
@@ -5934,7 +7257,7 @@
         <p:spPr>
           <a:xfrm>
             <a:off x="838200" y="3725288"/>
-            <a:ext cx="11233935" cy="646331"/>
+            <a:ext cx="5486400" cy="1384995"/>
           </a:xfrm>
           <a:prstGeom prst="rect">
             <a:avLst/>
@@ -5966,36 +7289,13 @@
               <a:t>URL: </a:t>
             </a:r>
             <a:r>
-              <a:rPr lang="zh-TW" altLang="en-US" sz="1200" dirty="0">
-                <a:latin typeface="Times New Roman" panose="02020603050405020304" pitchFamily="18" charset="0"/>
-                <a:ea typeface="標楷體" panose="03000509000000000000" pitchFamily="65" charset="-120"/>
-                <a:cs typeface="Times New Roman" panose="02020603050405020304" pitchFamily="18" charset="0"/>
-              </a:rPr>
-              <a:t>http://localhost:8000/api/v1/</a:t>
-            </a:r>
-            <a:r>
               <a:rPr lang="en-US" altLang="zh-TW" sz="1200" dirty="0">
                 <a:latin typeface="Times New Roman" panose="02020603050405020304" pitchFamily="18" charset="0"/>
                 <a:ea typeface="標楷體" panose="03000509000000000000" pitchFamily="65" charset="-120"/>
                 <a:cs typeface="Times New Roman" panose="02020603050405020304" pitchFamily="18" charset="0"/>
-              </a:rPr>
-              <a:t>Bill</a:t>
-            </a:r>
-            <a:r>
-              <a:rPr lang="zh-TW" altLang="en-US" sz="1200" dirty="0">
-                <a:latin typeface="Times New Roman" panose="02020603050405020304" pitchFamily="18" charset="0"/>
-                <a:ea typeface="標楷體" panose="03000509000000000000" pitchFamily="65" charset="-120"/>
-                <a:cs typeface="Times New Roman" panose="02020603050405020304" pitchFamily="18" charset="0"/>
-              </a:rPr>
-              <a:t>Master/PartyName=會員名稱&amp;SubmarineCable=海纜名稱&amp;WorkTitle=海</a:t>
-            </a:r>
-            <a:r>
-              <a:rPr lang="zh-TW" altLang="en-US" sz="1200">
-                <a:latin typeface="Times New Roman" panose="02020603050405020304" pitchFamily="18" charset="0"/>
-                <a:ea typeface="標楷體" panose="03000509000000000000" pitchFamily="65" charset="-120"/>
-                <a:cs typeface="Times New Roman" panose="02020603050405020304" pitchFamily="18" charset="0"/>
-              </a:rPr>
-              <a:t>纜作業</a:t>
+                <a:hlinkClick r:id="rId2"/>
+              </a:rPr>
+              <a:t>http://localhost:8000/api/v1/getBillMaster&amp;BillDetail/{urlCondition}</a:t>
             </a:r>
             <a:endParaRPr lang="en-US" altLang="zh-TW" sz="1200" dirty="0">
               <a:latin typeface="Times New Roman" panose="02020603050405020304" pitchFamily="18" charset="0"/>
@@ -6004,34 +7304,586 @@
             </a:endParaRPr>
           </a:p>
           <a:p>
-            <a:r>
-              <a:rPr lang="zh-TW" altLang="en-US" sz="1200" dirty="0">
-                <a:highlight>
-                  <a:srgbClr val="FFFF00"/>
-                </a:highlight>
-                <a:latin typeface="Times New Roman" panose="02020603050405020304" pitchFamily="18" charset="0"/>
-                <a:ea typeface="標楷體" panose="03000509000000000000" pitchFamily="65" charset="-120"/>
-                <a:cs typeface="Times New Roman" panose="02020603050405020304" pitchFamily="18" charset="0"/>
-              </a:rPr>
-              <a:t>回傳內容格式請參閱下一頁</a:t>
-            </a:r>
             <a:endParaRPr lang="en-US" altLang="zh-TW" sz="1200" dirty="0">
-              <a:highlight>
-                <a:srgbClr val="FFFF00"/>
-              </a:highlight>
               <a:latin typeface="Times New Roman" panose="02020603050405020304" pitchFamily="18" charset="0"/>
               <a:ea typeface="標楷體" panose="03000509000000000000" pitchFamily="65" charset="-120"/>
               <a:cs typeface="Times New Roman" panose="02020603050405020304" pitchFamily="18" charset="0"/>
             </a:endParaRPr>
           </a:p>
-        </p:txBody>
-      </p:sp>
+          <a:p>
+            <a:r>
+              <a:rPr lang="en-US" altLang="zh-TW" sz="1200" dirty="0" err="1">
+                <a:latin typeface="Times New Roman" panose="02020603050405020304" pitchFamily="18" charset="0"/>
+                <a:ea typeface="標楷體" panose="03000509000000000000" pitchFamily="65" charset="-120"/>
+                <a:cs typeface="Times New Roman" panose="02020603050405020304" pitchFamily="18" charset="0"/>
+                <a:hlinkClick r:id="rId2"/>
+              </a:rPr>
+              <a:t>urlCondition</a:t>
+            </a:r>
+            <a:r>
+              <a:rPr lang="en-US" altLang="zh-TW" sz="1200" dirty="0">
+                <a:latin typeface="Times New Roman" panose="02020603050405020304" pitchFamily="18" charset="0"/>
+                <a:ea typeface="標楷體" panose="03000509000000000000" pitchFamily="65" charset="-120"/>
+                <a:cs typeface="Times New Roman" panose="02020603050405020304" pitchFamily="18" charset="0"/>
+              </a:rPr>
+              <a:t>:</a:t>
+            </a:r>
+          </a:p>
+          <a:p>
+            <a:pPr marL="342900" indent="-342900">
+              <a:buFont typeface="+mj-lt"/>
+              <a:buAutoNum type="arabicPeriod"/>
+            </a:pPr>
+            <a:r>
+              <a:rPr lang="en-US" altLang="zh-TW" sz="1200" dirty="0">
+                <a:latin typeface="Times New Roman" panose="02020603050405020304" pitchFamily="18" charset="0"/>
+                <a:ea typeface="標楷體" panose="03000509000000000000" pitchFamily="65" charset="-120"/>
+                <a:cs typeface="Times New Roman" panose="02020603050405020304" pitchFamily="18" charset="0"/>
+              </a:rPr>
+              <a:t>all</a:t>
+            </a:r>
+          </a:p>
+          <a:p>
+            <a:pPr marL="342900" indent="-342900">
+              <a:buFont typeface="+mj-lt"/>
+              <a:buAutoNum type="arabicPeriod"/>
+            </a:pPr>
+            <a:r>
+              <a:rPr lang="en-US" altLang="zh-TW" sz="1200" dirty="0" err="1">
+                <a:latin typeface="Times New Roman" panose="02020603050405020304" pitchFamily="18" charset="0"/>
+                <a:ea typeface="標楷體" panose="03000509000000000000" pitchFamily="65" charset="-120"/>
+                <a:cs typeface="Times New Roman" panose="02020603050405020304" pitchFamily="18" charset="0"/>
+              </a:rPr>
+              <a:t>PartyName</a:t>
+            </a:r>
+            <a:r>
+              <a:rPr lang="en-US" altLang="zh-TW" sz="1200" dirty="0">
+                <a:latin typeface="Times New Roman" panose="02020603050405020304" pitchFamily="18" charset="0"/>
+                <a:ea typeface="標楷體" panose="03000509000000000000" pitchFamily="65" charset="-120"/>
+                <a:cs typeface="Times New Roman" panose="02020603050405020304" pitchFamily="18" charset="0"/>
+              </a:rPr>
+              <a:t>=</a:t>
+            </a:r>
+            <a:r>
+              <a:rPr lang="zh-TW" altLang="en-US" sz="1200" dirty="0">
+                <a:latin typeface="Times New Roman" panose="02020603050405020304" pitchFamily="18" charset="0"/>
+                <a:ea typeface="標楷體" panose="03000509000000000000" pitchFamily="65" charset="-120"/>
+                <a:cs typeface="Times New Roman" panose="02020603050405020304" pitchFamily="18" charset="0"/>
+              </a:rPr>
+              <a:t>會員名稱</a:t>
+            </a:r>
+            <a:r>
+              <a:rPr lang="en-US" altLang="zh-TW" sz="1200" dirty="0">
+                <a:latin typeface="Times New Roman" panose="02020603050405020304" pitchFamily="18" charset="0"/>
+                <a:ea typeface="標楷體" panose="03000509000000000000" pitchFamily="65" charset="-120"/>
+                <a:cs typeface="Times New Roman" panose="02020603050405020304" pitchFamily="18" charset="0"/>
+              </a:rPr>
+              <a:t>&amp;</a:t>
+            </a:r>
+            <a:r>
+              <a:rPr lang="en-US" altLang="zh-TW" sz="1200" dirty="0" err="1">
+                <a:latin typeface="Times New Roman" panose="02020603050405020304" pitchFamily="18" charset="0"/>
+                <a:ea typeface="標楷體" panose="03000509000000000000" pitchFamily="65" charset="-120"/>
+                <a:cs typeface="Times New Roman" panose="02020603050405020304" pitchFamily="18" charset="0"/>
+              </a:rPr>
+              <a:t>SupplierName</a:t>
+            </a:r>
+            <a:r>
+              <a:rPr lang="en-US" altLang="zh-TW" sz="1200" dirty="0">
+                <a:latin typeface="Times New Roman" panose="02020603050405020304" pitchFamily="18" charset="0"/>
+                <a:ea typeface="標楷體" panose="03000509000000000000" pitchFamily="65" charset="-120"/>
+                <a:cs typeface="Times New Roman" panose="02020603050405020304" pitchFamily="18" charset="0"/>
+              </a:rPr>
+              <a:t>=</a:t>
+            </a:r>
+            <a:r>
+              <a:rPr lang="zh-TW" altLang="en-US" sz="1200" dirty="0">
+                <a:latin typeface="Times New Roman" panose="02020603050405020304" pitchFamily="18" charset="0"/>
+                <a:ea typeface="標楷體" panose="03000509000000000000" pitchFamily="65" charset="-120"/>
+                <a:cs typeface="Times New Roman" panose="02020603050405020304" pitchFamily="18" charset="0"/>
+              </a:rPr>
+              <a:t>供應商</a:t>
+            </a:r>
+            <a:r>
+              <a:rPr lang="en-US" altLang="zh-TW" sz="1200" dirty="0">
+                <a:latin typeface="Times New Roman" panose="02020603050405020304" pitchFamily="18" charset="0"/>
+                <a:ea typeface="標楷體" panose="03000509000000000000" pitchFamily="65" charset="-120"/>
+                <a:cs typeface="Times New Roman" panose="02020603050405020304" pitchFamily="18" charset="0"/>
+              </a:rPr>
+              <a:t>&amp;</a:t>
+            </a:r>
+            <a:r>
+              <a:rPr lang="en-US" altLang="zh-TW" sz="1200" dirty="0" err="1">
+                <a:latin typeface="Times New Roman" panose="02020603050405020304" pitchFamily="18" charset="0"/>
+                <a:ea typeface="標楷體" panose="03000509000000000000" pitchFamily="65" charset="-120"/>
+                <a:cs typeface="Times New Roman" panose="02020603050405020304" pitchFamily="18" charset="0"/>
+              </a:rPr>
+              <a:t>SubmarineCable</a:t>
+            </a:r>
+            <a:r>
+              <a:rPr lang="en-US" altLang="zh-TW" sz="1200" dirty="0">
+                <a:latin typeface="Times New Roman" panose="02020603050405020304" pitchFamily="18" charset="0"/>
+                <a:ea typeface="標楷體" panose="03000509000000000000" pitchFamily="65" charset="-120"/>
+                <a:cs typeface="Times New Roman" panose="02020603050405020304" pitchFamily="18" charset="0"/>
+              </a:rPr>
+              <a:t>=</a:t>
+            </a:r>
+            <a:r>
+              <a:rPr lang="zh-TW" altLang="en-US" sz="1200" dirty="0">
+                <a:latin typeface="Times New Roman" panose="02020603050405020304" pitchFamily="18" charset="0"/>
+                <a:ea typeface="標楷體" panose="03000509000000000000" pitchFamily="65" charset="-120"/>
+                <a:cs typeface="Times New Roman" panose="02020603050405020304" pitchFamily="18" charset="0"/>
+              </a:rPr>
+              <a:t>海纜名稱</a:t>
+            </a:r>
+            <a:r>
+              <a:rPr lang="en-US" altLang="zh-TW" sz="1200" dirty="0">
+                <a:latin typeface="Times New Roman" panose="02020603050405020304" pitchFamily="18" charset="0"/>
+                <a:ea typeface="標楷體" panose="03000509000000000000" pitchFamily="65" charset="-120"/>
+                <a:cs typeface="Times New Roman" panose="02020603050405020304" pitchFamily="18" charset="0"/>
+              </a:rPr>
+              <a:t>…</a:t>
+            </a:r>
+          </a:p>
+          <a:p>
+            <a:endParaRPr lang="en-US" altLang="zh-TW" sz="1200" dirty="0">
+              <a:latin typeface="Times New Roman" panose="02020603050405020304" pitchFamily="18" charset="0"/>
+              <a:ea typeface="標楷體" panose="03000509000000000000" pitchFamily="65" charset="-120"/>
+              <a:cs typeface="Times New Roman" panose="02020603050405020304" pitchFamily="18" charset="0"/>
+            </a:endParaRPr>
+          </a:p>
+        </p:txBody>
+      </p:sp>
+      <p:sp>
+        <p:nvSpPr>
+          <p:cNvPr id="12" name="文字方塊 11">
+            <a:extLst>
+              <a:ext uri="{FF2B5EF4-FFF2-40B4-BE49-F238E27FC236}">
+                <a16:creationId xmlns:a16="http://schemas.microsoft.com/office/drawing/2014/main" id="{E06A54A5-E8FF-4F30-B1C0-10E58140D0E1}"/>
+              </a:ext>
+            </a:extLst>
+          </p:cNvPr>
+          <p:cNvSpPr txBox="1"/>
+          <p:nvPr/>
+        </p:nvSpPr>
+        <p:spPr>
+          <a:xfrm>
+            <a:off x="8934450" y="683705"/>
+            <a:ext cx="2095500" cy="5478423"/>
+          </a:xfrm>
+          <a:prstGeom prst="rect">
+            <a:avLst/>
+          </a:prstGeom>
+          <a:noFill/>
+          <a:ln>
+            <a:solidFill>
+              <a:schemeClr val="tx1"/>
+            </a:solidFill>
+          </a:ln>
+        </p:spPr>
+        <p:txBody>
+          <a:bodyPr wrap="square">
+            <a:spAutoFit/>
+          </a:bodyPr>
+          <a:lstStyle/>
+          <a:p>
+            <a:r>
+              <a:rPr lang="zh-TW" altLang="en-US" sz="700" dirty="0"/>
+              <a:t>[</a:t>
+            </a:r>
+          </a:p>
+          <a:p>
+            <a:r>
+              <a:rPr lang="zh-TW" altLang="en-US" sz="700" dirty="0"/>
+              <a:t>    {</a:t>
+            </a:r>
+          </a:p>
+          <a:p>
+            <a:r>
+              <a:rPr lang="zh-TW" altLang="en-US" sz="700" dirty="0"/>
+              <a:t>        "BillMaster": {</a:t>
+            </a:r>
+          </a:p>
+          <a:p>
+            <a:r>
+              <a:rPr lang="zh-TW" altLang="en-US" sz="700" dirty="0"/>
+              <a:t>            "BillMasterID": 1,</a:t>
+            </a:r>
+          </a:p>
+          <a:p>
+            <a:r>
+              <a:rPr lang="zh-TW" altLang="en-US" sz="700" dirty="0"/>
+              <a:t>            "BillingNo": "string",</a:t>
+            </a:r>
+          </a:p>
+          <a:p>
+            <a:r>
+              <a:rPr lang="zh-TW" altLang="en-US" sz="700" dirty="0"/>
+              <a:t>            "PONo": "string",</a:t>
+            </a:r>
+          </a:p>
+          <a:p>
+            <a:r>
+              <a:rPr lang="zh-TW" altLang="en-US" sz="700" dirty="0"/>
+              <a:t>            "SupplierName": "string",</a:t>
+            </a:r>
+          </a:p>
+          <a:p>
+            <a:r>
+              <a:rPr lang="zh-TW" altLang="en-US" sz="700" dirty="0"/>
+              <a:t>            "SubmarineCable": "string",</a:t>
+            </a:r>
+          </a:p>
+          <a:p>
+            <a:r>
+              <a:rPr lang="zh-TW" altLang="en-US" sz="700" dirty="0"/>
+              <a:t>            "WorkTitle": "string",</a:t>
+            </a:r>
+          </a:p>
+          <a:p>
+            <a:r>
+              <a:rPr lang="zh-TW" altLang="en-US" sz="700" dirty="0"/>
+              <a:t>            "PartyName": "string",</a:t>
+            </a:r>
+          </a:p>
+          <a:p>
+            <a:r>
+              <a:rPr lang="zh-TW" altLang="en-US" sz="700" dirty="0"/>
+              <a:t>            "IssueDate": "2023-03-14 00:00:00",</a:t>
+            </a:r>
+          </a:p>
+          <a:p>
+            <a:r>
+              <a:rPr lang="zh-TW" altLang="en-US" sz="700" dirty="0"/>
+              <a:t>            "DueDate": "2023-03-20 00:00:00",</a:t>
+            </a:r>
+          </a:p>
+          <a:p>
+            <a:r>
+              <a:rPr lang="zh-TW" altLang="en-US" sz="700" dirty="0"/>
+              <a:t>            "FeeAmountSum": 123.45,</a:t>
+            </a:r>
+          </a:p>
+          <a:p>
+            <a:r>
+              <a:rPr lang="zh-TW" altLang="en-US" sz="700" dirty="0"/>
+              <a:t>            "ReceivedAmountSum": 123.45,</a:t>
+            </a:r>
+          </a:p>
+          <a:p>
+            <a:r>
+              <a:rPr lang="zh-TW" altLang="en-US" sz="700" dirty="0"/>
+              <a:t>            "IsPro": 1,</a:t>
+            </a:r>
+          </a:p>
+          <a:p>
+            <a:r>
+              <a:rPr lang="zh-TW" altLang="en-US" sz="700" dirty="0"/>
+              <a:t>            "Status": "string"</a:t>
+            </a:r>
+          </a:p>
+          <a:p>
+            <a:r>
+              <a:rPr lang="zh-TW" altLang="en-US" sz="700" dirty="0"/>
+              <a:t>        },</a:t>
+            </a:r>
+          </a:p>
+          <a:p>
+            <a:r>
+              <a:rPr lang="zh-TW" altLang="en-US" sz="700" dirty="0"/>
+              <a:t>        "BillDetail": [</a:t>
+            </a:r>
+          </a:p>
+          <a:p>
+            <a:r>
+              <a:rPr lang="zh-TW" altLang="en-US" sz="700" dirty="0"/>
+              <a:t>            {</a:t>
+            </a:r>
+          </a:p>
+          <a:p>
+            <a:r>
+              <a:rPr lang="zh-TW" altLang="en-US" sz="700" dirty="0"/>
+              <a:t>                "BillDetailID": 1,</a:t>
+            </a:r>
+          </a:p>
+          <a:p>
+            <a:r>
+              <a:rPr lang="zh-TW" altLang="en-US" sz="700" dirty="0"/>
+              <a:t>                "BillMasterID": 2,</a:t>
+            </a:r>
+          </a:p>
+          <a:p>
+            <a:r>
+              <a:rPr lang="zh-TW" altLang="en-US" sz="700" dirty="0"/>
+              <a:t>                "WKMasterID": 3,</a:t>
+            </a:r>
+          </a:p>
+          <a:p>
+            <a:r>
+              <a:rPr lang="zh-TW" altLang="en-US" sz="700" dirty="0"/>
+              <a:t>                "InvDetailID": 4,</a:t>
+            </a:r>
+          </a:p>
+          <a:p>
+            <a:r>
+              <a:rPr lang="zh-TW" altLang="en-US" sz="700" dirty="0"/>
+              <a:t>                "PartyName": "string",</a:t>
+            </a:r>
+          </a:p>
+          <a:p>
+            <a:r>
+              <a:rPr lang="zh-TW" altLang="en-US" sz="700" dirty="0"/>
+              <a:t>                "SupplierName": "string",</a:t>
+            </a:r>
+          </a:p>
+          <a:p>
+            <a:r>
+              <a:rPr lang="zh-TW" altLang="en-US" sz="700" dirty="0"/>
+              <a:t>                "SubmarineCable": "string",</a:t>
+            </a:r>
+          </a:p>
+          <a:p>
+            <a:r>
+              <a:rPr lang="zh-TW" altLang="en-US" sz="700" dirty="0"/>
+              <a:t>                "WorkTitle": "string",</a:t>
+            </a:r>
+          </a:p>
+          <a:p>
+            <a:r>
+              <a:rPr lang="zh-TW" altLang="en-US" sz="700" dirty="0"/>
+              <a:t>                "BillMilestone": "string",</a:t>
+            </a:r>
+          </a:p>
+          <a:p>
+            <a:r>
+              <a:rPr lang="zh-TW" altLang="en-US" sz="700" dirty="0"/>
+              <a:t>                "FeeItem": "string",</a:t>
+            </a:r>
+          </a:p>
+          <a:p>
+            <a:r>
+              <a:rPr lang="zh-TW" altLang="en-US" sz="700" dirty="0"/>
+              <a:t>                "OrgFeeAmount": 123.45,</a:t>
+            </a:r>
+          </a:p>
+          <a:p>
+            <a:r>
+              <a:rPr lang="zh-TW" altLang="en-US" sz="700" dirty="0"/>
+              <a:t>                "DedAmount": 123.45,</a:t>
+            </a:r>
+          </a:p>
+          <a:p>
+            <a:r>
+              <a:rPr lang="zh-TW" altLang="en-US" sz="700" dirty="0"/>
+              <a:t>                "FeeAmount": 123.45,</a:t>
+            </a:r>
+          </a:p>
+          <a:p>
+            <a:r>
+              <a:rPr lang="zh-TW" altLang="en-US" sz="700" dirty="0"/>
+              <a:t>                "ReceivedAmount": 123.45,</a:t>
+            </a:r>
+          </a:p>
+          <a:p>
+            <a:r>
+              <a:rPr lang="zh-TW" altLang="en-US" sz="700" dirty="0"/>
+              <a:t>                "OverAmount": 123.45,</a:t>
+            </a:r>
+          </a:p>
+          <a:p>
+            <a:r>
+              <a:rPr lang="zh-TW" altLang="en-US" sz="700" dirty="0"/>
+              <a:t>                "ShortAmount": 123.45,</a:t>
+            </a:r>
+          </a:p>
+          <a:p>
+            <a:r>
+              <a:rPr lang="zh-TW" altLang="en-US" sz="700" dirty="0"/>
+              <a:t>                "BankFees": 123.45,</a:t>
+            </a:r>
+          </a:p>
+          <a:p>
+            <a:r>
+              <a:rPr lang="zh-TW" altLang="en-US" sz="700" dirty="0"/>
+              <a:t>                "ToCBAmount": 123.45,</a:t>
+            </a:r>
+          </a:p>
+          <a:p>
+            <a:r>
+              <a:rPr lang="zh-TW" altLang="en-US" sz="700" dirty="0"/>
+              <a:t>                "ShortOverReason": "string",</a:t>
+            </a:r>
+          </a:p>
+          <a:p>
+            <a:r>
+              <a:rPr lang="zh-TW" altLang="en-US" sz="700" dirty="0"/>
+              <a:t>                "WriteOffDate": "2023-03-14 00:00:00",</a:t>
+            </a:r>
+          </a:p>
+          <a:p>
+            <a:r>
+              <a:rPr lang="zh-TW" altLang="en-US" sz="700" dirty="0"/>
+              <a:t>                "ReceiveDate": "2023-03-14 00:00:00",</a:t>
+            </a:r>
+          </a:p>
+          <a:p>
+            <a:r>
+              <a:rPr lang="zh-TW" altLang="en-US" sz="700" dirty="0"/>
+              <a:t>                "Note": "string",</a:t>
+            </a:r>
+          </a:p>
+          <a:p>
+            <a:r>
+              <a:rPr lang="zh-TW" altLang="en-US" sz="700" dirty="0"/>
+              <a:t>                "Status": "string"</a:t>
+            </a:r>
+          </a:p>
+          <a:p>
+            <a:r>
+              <a:rPr lang="zh-TW" altLang="en-US" sz="700" dirty="0"/>
+              <a:t>            },</a:t>
+            </a:r>
+          </a:p>
+          <a:p>
+            <a:r>
+              <a:rPr lang="zh-TW" altLang="en-US" sz="700" dirty="0"/>
+              <a:t>            {...},</a:t>
+            </a:r>
+          </a:p>
+          <a:p>
+            <a:r>
+              <a:rPr lang="zh-TW" altLang="en-US" sz="700" dirty="0"/>
+              <a:t>            {...}</a:t>
+            </a:r>
+          </a:p>
+          <a:p>
+            <a:r>
+              <a:rPr lang="zh-TW" altLang="en-US" sz="700" dirty="0"/>
+              <a:t>        ]</a:t>
+            </a:r>
+          </a:p>
+          <a:p>
+            <a:r>
+              <a:rPr lang="zh-TW" altLang="en-US" sz="700" dirty="0"/>
+              <a:t>    },</a:t>
+            </a:r>
+          </a:p>
+          <a:p>
+            <a:r>
+              <a:rPr lang="zh-TW" altLang="en-US" sz="700" dirty="0"/>
+              <a:t>    {...},</a:t>
+            </a:r>
+          </a:p>
+          <a:p>
+            <a:r>
+              <a:rPr lang="zh-TW" altLang="en-US" sz="700" dirty="0"/>
+              <a:t>    {...}</a:t>
+            </a:r>
+          </a:p>
+          <a:p>
+            <a:r>
+              <a:rPr lang="zh-TW" altLang="en-US" sz="700" dirty="0"/>
+              <a:t>]</a:t>
+            </a:r>
+          </a:p>
+        </p:txBody>
+      </p:sp>
+      <p:sp>
+        <p:nvSpPr>
+          <p:cNvPr id="14" name="文字方塊 13">
+            <a:extLst>
+              <a:ext uri="{FF2B5EF4-FFF2-40B4-BE49-F238E27FC236}">
+                <a16:creationId xmlns:a16="http://schemas.microsoft.com/office/drawing/2014/main" id="{4CFC3C10-3435-4DF8-8AA1-35436B2C10E7}"/>
+              </a:ext>
+            </a:extLst>
+          </p:cNvPr>
+          <p:cNvSpPr txBox="1"/>
+          <p:nvPr/>
+        </p:nvSpPr>
+        <p:spPr>
+          <a:xfrm>
+            <a:off x="885825" y="5337552"/>
+            <a:ext cx="950595" cy="369332"/>
+          </a:xfrm>
+          <a:prstGeom prst="rect">
+            <a:avLst/>
+          </a:prstGeom>
+          <a:noFill/>
+          <a:ln>
+            <a:solidFill>
+              <a:schemeClr val="tx1"/>
+            </a:solidFill>
+          </a:ln>
+        </p:spPr>
+        <p:txBody>
+          <a:bodyPr wrap="square">
+            <a:spAutoFit/>
+          </a:bodyPr>
+          <a:lstStyle/>
+          <a:p>
+            <a:r>
+              <a:rPr lang="zh-TW" altLang="en-US" dirty="0">
+                <a:latin typeface="標楷體" panose="03000509000000000000" pitchFamily="65" charset="-120"/>
+                <a:ea typeface="標楷體" panose="03000509000000000000" pitchFamily="65" charset="-120"/>
+              </a:rPr>
+              <a:t>回傳值</a:t>
+            </a:r>
+          </a:p>
+        </p:txBody>
+      </p:sp>
+      <p:cxnSp>
+        <p:nvCxnSpPr>
+          <p:cNvPr id="15" name="接點: 肘形 14">
+            <a:extLst>
+              <a:ext uri="{FF2B5EF4-FFF2-40B4-BE49-F238E27FC236}">
+                <a16:creationId xmlns:a16="http://schemas.microsoft.com/office/drawing/2014/main" id="{3A1D8CE5-7BFC-4DE9-A673-45E2B03DF3FF}"/>
+              </a:ext>
+            </a:extLst>
+          </p:cNvPr>
+          <p:cNvCxnSpPr>
+            <a:stCxn id="14" idx="3"/>
+            <a:endCxn id="12" idx="1"/>
+          </p:cNvCxnSpPr>
+          <p:nvPr/>
+        </p:nvCxnSpPr>
+        <p:spPr>
+          <a:xfrm flipV="1">
+            <a:off x="1836420" y="3422917"/>
+            <a:ext cx="7098030" cy="2099301"/>
+          </a:xfrm>
+          <a:prstGeom prst="bentConnector3">
+            <a:avLst>
+              <a:gd name="adj1" fmla="val 77375"/>
+            </a:avLst>
+          </a:prstGeom>
+          <a:ln>
+            <a:solidFill>
+              <a:schemeClr val="tx1"/>
+            </a:solidFill>
+            <a:tailEnd type="triangle"/>
+          </a:ln>
+        </p:spPr>
+        <p:style>
+          <a:lnRef idx="1">
+            <a:schemeClr val="accent1"/>
+          </a:lnRef>
+          <a:fillRef idx="0">
+            <a:schemeClr val="accent1"/>
+          </a:fillRef>
+          <a:effectRef idx="0">
+            <a:schemeClr val="accent1"/>
+          </a:effectRef>
+          <a:fontRef idx="minor">
+            <a:schemeClr val="tx1"/>
+          </a:fontRef>
+        </p:style>
+      </p:cxnSp>
       <p:pic>
         <p:nvPicPr>
-          <p:cNvPr id="8" name="圖片 7">
-            <a:extLst>
-              <a:ext uri="{FF2B5EF4-FFF2-40B4-BE49-F238E27FC236}">
-                <a16:creationId xmlns:a16="http://schemas.microsoft.com/office/drawing/2014/main" id="{FB181CE0-938D-F557-F82B-EBF889EA44F7}"/>
+          <p:cNvPr id="18" name="圖片 17">
+            <a:extLst>
+              <a:ext uri="{FF2B5EF4-FFF2-40B4-BE49-F238E27FC236}">
+                <a16:creationId xmlns:a16="http://schemas.microsoft.com/office/drawing/2014/main" id="{673ED716-7812-4128-884E-B2B8970C21E8}"/>
               </a:ext>
             </a:extLst>
           </p:cNvPr>
@@ -6041,21 +7893,15 @@
           <p:nvPr/>
         </p:nvPicPr>
         <p:blipFill>
-          <a:blip r:embed="rId2">
-            <a:extLst>
-              <a:ext uri="{28A0092B-C50C-407E-A947-70E740481C1C}">
-                <a14:useLocalDpi xmlns:a14="http://schemas.microsoft.com/office/drawing/2010/main" val="0"/>
-              </a:ext>
-            </a:extLst>
-          </a:blip>
+          <a:blip r:embed="rId3"/>
           <a:stretch>
             <a:fillRect/>
           </a:stretch>
         </p:blipFill>
         <p:spPr>
           <a:xfrm>
-            <a:off x="838200" y="1520448"/>
-            <a:ext cx="7772400" cy="1902469"/>
+            <a:off x="708211" y="1585688"/>
+            <a:ext cx="6938683" cy="1653103"/>
           </a:xfrm>
           <a:prstGeom prst="rect">
             <a:avLst/>
@@ -6064,10 +7910,10 @@
       </p:pic>
       <p:sp>
         <p:nvSpPr>
-          <p:cNvPr id="9" name="矩形 8">
-            <a:extLst>
-              <a:ext uri="{FF2B5EF4-FFF2-40B4-BE49-F238E27FC236}">
-                <a16:creationId xmlns:a16="http://schemas.microsoft.com/office/drawing/2014/main" id="{D6A90B63-4DB1-9C1F-5ACB-A47BBD38A361}"/>
+          <p:cNvPr id="19" name="矩形 18">
+            <a:extLst>
+              <a:ext uri="{FF2B5EF4-FFF2-40B4-BE49-F238E27FC236}">
+                <a16:creationId xmlns:a16="http://schemas.microsoft.com/office/drawing/2014/main" id="{88C6E30A-CF5C-4CB1-AE23-B5929D9A265B}"/>
               </a:ext>
             </a:extLst>
           </p:cNvPr>
@@ -6076,8 +7922,8 @@
         </p:nvSpPr>
         <p:spPr>
           <a:xfrm>
-            <a:off x="947929" y="2671351"/>
-            <a:ext cx="478536" cy="309594"/>
+            <a:off x="1234915" y="2616994"/>
+            <a:ext cx="252414" cy="135731"/>
           </a:xfrm>
           <a:prstGeom prst="rect">
             <a:avLst/>
@@ -6114,24 +7960,404 @@
           </a:p>
         </p:txBody>
       </p:sp>
+    </p:spTree>
+    <p:extLst>
+      <p:ext uri="{BB962C8B-B14F-4D97-AF65-F5344CB8AC3E}">
+        <p14:creationId xmlns:p14="http://schemas.microsoft.com/office/powerpoint/2010/main" val="2963583226"/>
+      </p:ext>
+    </p:extLst>
+  </p:cSld>
+  <p:clrMapOvr>
+    <a:masterClrMapping/>
+  </p:clrMapOvr>
+</p:sld>
+</file>
+
+<file path=ppt/slides/slide7.xml><?xml version="1.0" encoding="utf-8"?>
+<p:sld xmlns:a="http://schemas.openxmlformats.org/drawingml/2006/main" xmlns:r="http://schemas.openxmlformats.org/officeDocument/2006/relationships" xmlns:p="http://schemas.openxmlformats.org/presentationml/2006/main">
+  <p:cSld>
+    <p:spTree>
+      <p:nvGrpSpPr>
+        <p:cNvPr id="1" name=""/>
+        <p:cNvGrpSpPr/>
+        <p:nvPr/>
+      </p:nvGrpSpPr>
+      <p:grpSpPr>
+        <a:xfrm>
+          <a:off x="0" y="0"/>
+          <a:ext cx="0" cy="0"/>
+          <a:chOff x="0" y="0"/>
+          <a:chExt cx="0" cy="0"/>
+        </a:xfrm>
+      </p:grpSpPr>
+      <p:sp>
+        <p:nvSpPr>
+          <p:cNvPr id="2" name="標題 1">
+            <a:extLst>
+              <a:ext uri="{FF2B5EF4-FFF2-40B4-BE49-F238E27FC236}">
+                <a16:creationId xmlns:a16="http://schemas.microsoft.com/office/drawing/2014/main" id="{E8D9DD6A-2F07-478D-A767-A6FADA966340}"/>
+              </a:ext>
+            </a:extLst>
+          </p:cNvPr>
+          <p:cNvSpPr>
+            <a:spLocks noGrp="1"/>
+          </p:cNvSpPr>
+          <p:nvPr>
+            <p:ph type="title"/>
+          </p:nvPr>
+        </p:nvSpPr>
+        <p:spPr/>
+        <p:txBody>
+          <a:bodyPr/>
+          <a:lstStyle/>
+          <a:p>
+            <a:r>
+              <a:rPr lang="zh-TW" altLang="en-US" dirty="0">
+                <a:latin typeface="Times New Roman" panose="02020603050405020304" pitchFamily="18" charset="0"/>
+                <a:ea typeface="標楷體" panose="03000509000000000000" pitchFamily="65" charset="-120"/>
+                <a:cs typeface="Times New Roman" panose="02020603050405020304" pitchFamily="18" charset="0"/>
+              </a:rPr>
+              <a:t>待抵扣</a:t>
+            </a:r>
+            <a:r>
+              <a:rPr lang="en-US" altLang="zh-TW" dirty="0">
+                <a:latin typeface="Times New Roman" panose="02020603050405020304" pitchFamily="18" charset="0"/>
+                <a:ea typeface="標楷體" panose="03000509000000000000" pitchFamily="65" charset="-120"/>
+                <a:cs typeface="Times New Roman" panose="02020603050405020304" pitchFamily="18" charset="0"/>
+              </a:rPr>
+              <a:t>(</a:t>
+            </a:r>
+            <a:r>
+              <a:rPr lang="zh-TW" altLang="en-US" dirty="0">
+                <a:latin typeface="Times New Roman" panose="02020603050405020304" pitchFamily="18" charset="0"/>
+                <a:ea typeface="標楷體" panose="03000509000000000000" pitchFamily="65" charset="-120"/>
+                <a:cs typeface="Times New Roman" panose="02020603050405020304" pitchFamily="18" charset="0"/>
+              </a:rPr>
+              <a:t>帳單折抵</a:t>
+            </a:r>
+            <a:r>
+              <a:rPr lang="en-US" altLang="zh-TW" dirty="0">
+                <a:latin typeface="Times New Roman" panose="02020603050405020304" pitchFamily="18" charset="0"/>
+                <a:ea typeface="標楷體" panose="03000509000000000000" pitchFamily="65" charset="-120"/>
+                <a:cs typeface="Times New Roman" panose="02020603050405020304" pitchFamily="18" charset="0"/>
+              </a:rPr>
+              <a:t>)</a:t>
+            </a:r>
+            <a:endParaRPr lang="zh-TW" altLang="en-US" dirty="0"/>
+          </a:p>
+        </p:txBody>
+      </p:sp>
+      <p:pic>
+        <p:nvPicPr>
+          <p:cNvPr id="5" name="圖片 4">
+            <a:extLst>
+              <a:ext uri="{FF2B5EF4-FFF2-40B4-BE49-F238E27FC236}">
+                <a16:creationId xmlns:a16="http://schemas.microsoft.com/office/drawing/2014/main" id="{F9B1F178-8C6C-4838-B5C5-FC9E17A3C1BB}"/>
+              </a:ext>
+            </a:extLst>
+          </p:cNvPr>
+          <p:cNvPicPr>
+            <a:picLocks noChangeAspect="1"/>
+          </p:cNvPicPr>
+          <p:nvPr/>
+        </p:nvPicPr>
+        <p:blipFill>
+          <a:blip r:embed="rId2"/>
+          <a:stretch>
+            <a:fillRect/>
+          </a:stretch>
+        </p:blipFill>
+        <p:spPr>
+          <a:xfrm>
+            <a:off x="838200" y="1690688"/>
+            <a:ext cx="4922520" cy="2193232"/>
+          </a:xfrm>
+          <a:prstGeom prst="rect">
+            <a:avLst/>
+          </a:prstGeom>
+        </p:spPr>
+      </p:pic>
+      <p:sp>
+        <p:nvSpPr>
+          <p:cNvPr id="7" name="文字方塊 6">
+            <a:extLst>
+              <a:ext uri="{FF2B5EF4-FFF2-40B4-BE49-F238E27FC236}">
+                <a16:creationId xmlns:a16="http://schemas.microsoft.com/office/drawing/2014/main" id="{17008562-CBB1-40AF-AE46-146F8E7EAD15}"/>
+              </a:ext>
+            </a:extLst>
+          </p:cNvPr>
+          <p:cNvSpPr txBox="1"/>
+          <p:nvPr/>
+        </p:nvSpPr>
+        <p:spPr>
+          <a:xfrm>
+            <a:off x="838200" y="4044434"/>
+            <a:ext cx="10614660" cy="1200329"/>
+          </a:xfrm>
+          <a:prstGeom prst="rect">
+            <a:avLst/>
+          </a:prstGeom>
+          <a:noFill/>
+          <a:ln>
+            <a:solidFill>
+              <a:schemeClr val="tx1"/>
+            </a:solidFill>
+          </a:ln>
+        </p:spPr>
+        <p:txBody>
+          <a:bodyPr wrap="square">
+            <a:spAutoFit/>
+          </a:bodyPr>
+          <a:lstStyle/>
+          <a:p>
+            <a:r>
+              <a:rPr lang="en-US" altLang="zh-TW" dirty="0">
+                <a:latin typeface="Times New Roman" panose="02020603050405020304" pitchFamily="18" charset="0"/>
+                <a:ea typeface="標楷體" panose="03000509000000000000" pitchFamily="65" charset="-120"/>
+                <a:cs typeface="Times New Roman" panose="02020603050405020304" pitchFamily="18" charset="0"/>
+              </a:rPr>
+              <a:t>Method: GET</a:t>
+            </a:r>
+          </a:p>
+          <a:p>
+            <a:r>
+              <a:rPr lang="en-US" altLang="zh-TW" dirty="0">
+                <a:latin typeface="Times New Roman" panose="02020603050405020304" pitchFamily="18" charset="0"/>
+                <a:ea typeface="標楷體" panose="03000509000000000000" pitchFamily="65" charset="-120"/>
+                <a:cs typeface="Times New Roman" panose="02020603050405020304" pitchFamily="18" charset="0"/>
+              </a:rPr>
+              <a:t>URL: </a:t>
+            </a:r>
+            <a:r>
+              <a:rPr lang="zh-TW" altLang="en-US" dirty="0">
+                <a:latin typeface="Times New Roman" panose="02020603050405020304" pitchFamily="18" charset="0"/>
+                <a:ea typeface="標楷體" panose="03000509000000000000" pitchFamily="65" charset="-120"/>
+                <a:cs typeface="Times New Roman" panose="02020603050405020304" pitchFamily="18" charset="0"/>
+                <a:hlinkClick r:id="rId3"/>
+              </a:rPr>
+              <a:t>http://localhost:8000/api/v1/CreditBalance/{urlCondition}</a:t>
+            </a:r>
+            <a:endParaRPr lang="en-US" altLang="zh-TW" dirty="0">
+              <a:latin typeface="Times New Roman" panose="02020603050405020304" pitchFamily="18" charset="0"/>
+              <a:ea typeface="標楷體" panose="03000509000000000000" pitchFamily="65" charset="-120"/>
+              <a:cs typeface="Times New Roman" panose="02020603050405020304" pitchFamily="18" charset="0"/>
+            </a:endParaRPr>
+          </a:p>
+          <a:p>
+            <a:r>
+              <a:rPr lang="en-US" altLang="zh-TW" dirty="0" err="1">
+                <a:latin typeface="Times New Roman" panose="02020603050405020304" pitchFamily="18" charset="0"/>
+                <a:ea typeface="標楷體" panose="03000509000000000000" pitchFamily="65" charset="-120"/>
+                <a:cs typeface="Times New Roman" panose="02020603050405020304" pitchFamily="18" charset="0"/>
+              </a:rPr>
+              <a:t>urlCondition</a:t>
+            </a:r>
+            <a:r>
+              <a:rPr lang="en-US" altLang="zh-TW" dirty="0">
+                <a:latin typeface="Times New Roman" panose="02020603050405020304" pitchFamily="18" charset="0"/>
+                <a:ea typeface="標楷體" panose="03000509000000000000" pitchFamily="65" charset="-120"/>
+                <a:cs typeface="Times New Roman" panose="02020603050405020304" pitchFamily="18" charset="0"/>
+              </a:rPr>
+              <a:t>:</a:t>
+            </a:r>
+          </a:p>
+          <a:p>
+            <a:pPr marL="342900" indent="-342900">
+              <a:buFont typeface="+mj-lt"/>
+              <a:buAutoNum type="arabicPeriod"/>
+            </a:pPr>
+            <a:r>
+              <a:rPr lang="en-US" altLang="zh-TW" dirty="0" err="1">
+                <a:highlight>
+                  <a:srgbClr val="FFFF00"/>
+                </a:highlight>
+                <a:latin typeface="Times New Roman" panose="02020603050405020304" pitchFamily="18" charset="0"/>
+                <a:ea typeface="標楷體" panose="03000509000000000000" pitchFamily="65" charset="-120"/>
+                <a:cs typeface="Times New Roman" panose="02020603050405020304" pitchFamily="18" charset="0"/>
+              </a:rPr>
+              <a:t>SubmarineCable</a:t>
+            </a:r>
+            <a:r>
+              <a:rPr lang="en-US" altLang="zh-TW" dirty="0">
+                <a:highlight>
+                  <a:srgbClr val="FFFF00"/>
+                </a:highlight>
+                <a:latin typeface="Times New Roman" panose="02020603050405020304" pitchFamily="18" charset="0"/>
+                <a:ea typeface="標楷體" panose="03000509000000000000" pitchFamily="65" charset="-120"/>
+                <a:cs typeface="Times New Roman" panose="02020603050405020304" pitchFamily="18" charset="0"/>
+              </a:rPr>
+              <a:t>=</a:t>
+            </a:r>
+            <a:r>
+              <a:rPr lang="zh-TW" altLang="en-US" dirty="0">
+                <a:highlight>
+                  <a:srgbClr val="FFFF00"/>
+                </a:highlight>
+                <a:latin typeface="Times New Roman" panose="02020603050405020304" pitchFamily="18" charset="0"/>
+                <a:ea typeface="標楷體" panose="03000509000000000000" pitchFamily="65" charset="-120"/>
+                <a:cs typeface="Times New Roman" panose="02020603050405020304" pitchFamily="18" charset="0"/>
+              </a:rPr>
+              <a:t>海纜名稱</a:t>
+            </a:r>
+            <a:r>
+              <a:rPr lang="en-US" altLang="zh-TW" dirty="0">
+                <a:highlight>
+                  <a:srgbClr val="FFFF00"/>
+                </a:highlight>
+                <a:latin typeface="Times New Roman" panose="02020603050405020304" pitchFamily="18" charset="0"/>
+                <a:ea typeface="標楷體" panose="03000509000000000000" pitchFamily="65" charset="-120"/>
+                <a:cs typeface="Times New Roman" panose="02020603050405020304" pitchFamily="18" charset="0"/>
+              </a:rPr>
+              <a:t>&amp;</a:t>
+            </a:r>
+            <a:r>
+              <a:rPr lang="en-US" altLang="zh-TW" dirty="0" err="1">
+                <a:highlight>
+                  <a:srgbClr val="FFFF00"/>
+                </a:highlight>
+                <a:latin typeface="Times New Roman" panose="02020603050405020304" pitchFamily="18" charset="0"/>
+                <a:ea typeface="標楷體" panose="03000509000000000000" pitchFamily="65" charset="-120"/>
+                <a:cs typeface="Times New Roman" panose="02020603050405020304" pitchFamily="18" charset="0"/>
+              </a:rPr>
+              <a:t>WorkTitle</a:t>
+            </a:r>
+            <a:r>
+              <a:rPr lang="en-US" altLang="zh-TW" dirty="0">
+                <a:highlight>
+                  <a:srgbClr val="FFFF00"/>
+                </a:highlight>
+                <a:latin typeface="Times New Roman" panose="02020603050405020304" pitchFamily="18" charset="0"/>
+                <a:ea typeface="標楷體" panose="03000509000000000000" pitchFamily="65" charset="-120"/>
+                <a:cs typeface="Times New Roman" panose="02020603050405020304" pitchFamily="18" charset="0"/>
+              </a:rPr>
+              <a:t>=</a:t>
+            </a:r>
+            <a:r>
+              <a:rPr lang="zh-TW" altLang="en-US" dirty="0">
+                <a:highlight>
+                  <a:srgbClr val="FFFF00"/>
+                </a:highlight>
+                <a:latin typeface="Times New Roman" panose="02020603050405020304" pitchFamily="18" charset="0"/>
+                <a:ea typeface="標楷體" panose="03000509000000000000" pitchFamily="65" charset="-120"/>
+                <a:cs typeface="Times New Roman" panose="02020603050405020304" pitchFamily="18" charset="0"/>
+              </a:rPr>
+              <a:t>海纜作業</a:t>
+            </a:r>
+            <a:r>
+              <a:rPr lang="en-US" altLang="zh-TW" dirty="0">
+                <a:highlight>
+                  <a:srgbClr val="FFFF00"/>
+                </a:highlight>
+                <a:latin typeface="Times New Roman" panose="02020603050405020304" pitchFamily="18" charset="0"/>
+                <a:ea typeface="標楷體" panose="03000509000000000000" pitchFamily="65" charset="-120"/>
+                <a:cs typeface="Times New Roman" panose="02020603050405020304" pitchFamily="18" charset="0"/>
+              </a:rPr>
+              <a:t>&amp;</a:t>
+            </a:r>
+            <a:r>
+              <a:rPr lang="en-US" altLang="zh-TW" dirty="0" err="1">
+                <a:highlight>
+                  <a:srgbClr val="FFFF00"/>
+                </a:highlight>
+                <a:latin typeface="Times New Roman" panose="02020603050405020304" pitchFamily="18" charset="0"/>
+                <a:ea typeface="標楷體" panose="03000509000000000000" pitchFamily="65" charset="-120"/>
+                <a:cs typeface="Times New Roman" panose="02020603050405020304" pitchFamily="18" charset="0"/>
+              </a:rPr>
+              <a:t>BillMilestone</a:t>
+            </a:r>
+            <a:r>
+              <a:rPr lang="en-US" altLang="zh-TW" dirty="0">
+                <a:highlight>
+                  <a:srgbClr val="FFFF00"/>
+                </a:highlight>
+                <a:latin typeface="Times New Roman" panose="02020603050405020304" pitchFamily="18" charset="0"/>
+                <a:ea typeface="標楷體" panose="03000509000000000000" pitchFamily="65" charset="-120"/>
+                <a:cs typeface="Times New Roman" panose="02020603050405020304" pitchFamily="18" charset="0"/>
+              </a:rPr>
+              <a:t>=</a:t>
+            </a:r>
+            <a:r>
+              <a:rPr lang="zh-TW" altLang="en-US" dirty="0">
+                <a:highlight>
+                  <a:srgbClr val="FFFF00"/>
+                </a:highlight>
+                <a:latin typeface="Times New Roman" panose="02020603050405020304" pitchFamily="18" charset="0"/>
+                <a:ea typeface="標楷體" panose="03000509000000000000" pitchFamily="65" charset="-120"/>
+                <a:cs typeface="Times New Roman" panose="02020603050405020304" pitchFamily="18" charset="0"/>
+              </a:rPr>
+              <a:t>記帳段號</a:t>
+            </a:r>
+            <a:r>
+              <a:rPr lang="en-US" altLang="zh-TW" dirty="0">
+                <a:highlight>
+                  <a:srgbClr val="FFFF00"/>
+                </a:highlight>
+                <a:latin typeface="Times New Roman" panose="02020603050405020304" pitchFamily="18" charset="0"/>
+                <a:ea typeface="標楷體" panose="03000509000000000000" pitchFamily="65" charset="-120"/>
+                <a:cs typeface="Times New Roman" panose="02020603050405020304" pitchFamily="18" charset="0"/>
+              </a:rPr>
+              <a:t>&amp;</a:t>
+            </a:r>
+            <a:r>
+              <a:rPr lang="en-US" altLang="zh-TW" dirty="0" err="1">
+                <a:highlight>
+                  <a:srgbClr val="FFFF00"/>
+                </a:highlight>
+                <a:latin typeface="Times New Roman" panose="02020603050405020304" pitchFamily="18" charset="0"/>
+                <a:ea typeface="標楷體" panose="03000509000000000000" pitchFamily="65" charset="-120"/>
+                <a:cs typeface="Times New Roman" panose="02020603050405020304" pitchFamily="18" charset="0"/>
+              </a:rPr>
+              <a:t>PartyName</a:t>
+            </a:r>
+            <a:r>
+              <a:rPr lang="en-US" altLang="zh-TW" dirty="0">
+                <a:highlight>
+                  <a:srgbClr val="FFFF00"/>
+                </a:highlight>
+                <a:latin typeface="Times New Roman" panose="02020603050405020304" pitchFamily="18" charset="0"/>
+                <a:ea typeface="標楷體" panose="03000509000000000000" pitchFamily="65" charset="-120"/>
+                <a:cs typeface="Times New Roman" panose="02020603050405020304" pitchFamily="18" charset="0"/>
+              </a:rPr>
+              <a:t>=</a:t>
+            </a:r>
+            <a:r>
+              <a:rPr lang="zh-TW" altLang="en-US" dirty="0">
+                <a:highlight>
+                  <a:srgbClr val="FFFF00"/>
+                </a:highlight>
+                <a:latin typeface="Times New Roman" panose="02020603050405020304" pitchFamily="18" charset="0"/>
+                <a:ea typeface="標楷體" panose="03000509000000000000" pitchFamily="65" charset="-120"/>
+                <a:cs typeface="Times New Roman" panose="02020603050405020304" pitchFamily="18" charset="0"/>
+              </a:rPr>
+              <a:t>會員名稱</a:t>
+            </a:r>
+            <a:endParaRPr lang="en-US" altLang="zh-TW" dirty="0">
+              <a:highlight>
+                <a:srgbClr val="FFFF00"/>
+              </a:highlight>
+              <a:latin typeface="Times New Roman" panose="02020603050405020304" pitchFamily="18" charset="0"/>
+              <a:ea typeface="標楷體" panose="03000509000000000000" pitchFamily="65" charset="-120"/>
+              <a:cs typeface="Times New Roman" panose="02020603050405020304" pitchFamily="18" charset="0"/>
+            </a:endParaRPr>
+          </a:p>
+        </p:txBody>
+      </p:sp>
       <p:cxnSp>
         <p:nvCxnSpPr>
-          <p:cNvPr id="11" name="直線箭頭接點 10">
-            <a:extLst>
-              <a:ext uri="{FF2B5EF4-FFF2-40B4-BE49-F238E27FC236}">
-                <a16:creationId xmlns:a16="http://schemas.microsoft.com/office/drawing/2014/main" id="{43A3F14F-E0C8-21C3-D02B-021F23C5082A}"/>
-              </a:ext>
-            </a:extLst>
-          </p:cNvPr>
-          <p:cNvCxnSpPr>
-            <a:stCxn id="9" idx="2"/>
-          </p:cNvCxnSpPr>
+          <p:cNvPr id="9" name="直線單箭頭接點 8">
+            <a:extLst>
+              <a:ext uri="{FF2B5EF4-FFF2-40B4-BE49-F238E27FC236}">
+                <a16:creationId xmlns:a16="http://schemas.microsoft.com/office/drawing/2014/main" id="{B8E64D65-68EA-4B38-B005-EBDD27CF0993}"/>
+              </a:ext>
+            </a:extLst>
+          </p:cNvPr>
+          <p:cNvCxnSpPr/>
           <p:nvPr/>
         </p:nvCxnSpPr>
         <p:spPr>
           <a:xfrm>
-            <a:off x="1187197" y="2980945"/>
-            <a:ext cx="3192779" cy="960119"/>
+            <a:off x="5722620" y="5209483"/>
+            <a:ext cx="76200" cy="608648"/>
           </a:xfrm>
           <a:prstGeom prst="straightConnector1">
             <a:avLst/>
@@ -6160,10 +8386,62 @@
       </p:cxnSp>
       <p:sp>
         <p:nvSpPr>
-          <p:cNvPr id="13" name="文字方塊 12">
-            <a:extLst>
-              <a:ext uri="{FF2B5EF4-FFF2-40B4-BE49-F238E27FC236}">
-                <a16:creationId xmlns:a16="http://schemas.microsoft.com/office/drawing/2014/main" id="{A4FA6512-6DD4-80B4-C07A-B1753E288AC6}"/>
+          <p:cNvPr id="10" name="矩形 9">
+            <a:extLst>
+              <a:ext uri="{FF2B5EF4-FFF2-40B4-BE49-F238E27FC236}">
+                <a16:creationId xmlns:a16="http://schemas.microsoft.com/office/drawing/2014/main" id="{97DA525E-35B3-4C8B-9CBC-3334D4D773B8}"/>
+              </a:ext>
+            </a:extLst>
+          </p:cNvPr>
+          <p:cNvSpPr/>
+          <p:nvPr/>
+        </p:nvSpPr>
+        <p:spPr>
+          <a:xfrm>
+            <a:off x="1257300" y="4899660"/>
+            <a:ext cx="9441180" cy="309823"/>
+          </a:xfrm>
+          <a:prstGeom prst="rect">
+            <a:avLst/>
+          </a:prstGeom>
+          <a:noFill/>
+          <a:ln>
+            <a:solidFill>
+              <a:srgbClr val="FF0000"/>
+            </a:solidFill>
+          </a:ln>
+        </p:spPr>
+        <p:style>
+          <a:lnRef idx="2">
+            <a:schemeClr val="accent1">
+              <a:shade val="50000"/>
+            </a:schemeClr>
+          </a:lnRef>
+          <a:fillRef idx="1">
+            <a:schemeClr val="accent1"/>
+          </a:fillRef>
+          <a:effectRef idx="0">
+            <a:schemeClr val="accent1"/>
+          </a:effectRef>
+          <a:fontRef idx="minor">
+            <a:schemeClr val="lt1"/>
+          </a:fontRef>
+        </p:style>
+        <p:txBody>
+          <a:bodyPr rtlCol="0" anchor="ctr"/>
+          <a:lstStyle/>
+          <a:p>
+            <a:pPr algn="ctr"/>
+            <a:endParaRPr lang="zh-TW" altLang="en-US"/>
+          </a:p>
+        </p:txBody>
+      </p:sp>
+      <p:sp>
+        <p:nvSpPr>
+          <p:cNvPr id="12" name="文字方塊 11">
+            <a:extLst>
+              <a:ext uri="{FF2B5EF4-FFF2-40B4-BE49-F238E27FC236}">
+                <a16:creationId xmlns:a16="http://schemas.microsoft.com/office/drawing/2014/main" id="{A06F258E-3DE3-4FB4-B81C-4F1C72D4DCD4}"/>
               </a:ext>
             </a:extLst>
           </p:cNvPr>
@@ -6172,8 +8450,8 @@
         </p:nvSpPr>
         <p:spPr>
           <a:xfrm>
-            <a:off x="3049524" y="3244334"/>
-            <a:ext cx="672084" cy="369332"/>
+            <a:off x="4781550" y="5818131"/>
+            <a:ext cx="3181350" cy="369332"/>
           </a:xfrm>
           <a:prstGeom prst="rect">
             <a:avLst/>
@@ -6187,22 +8465,1333 @@
           <a:lstStyle/>
           <a:p>
             <a:r>
-              <a:rPr lang="zh-TW" altLang="en-US" b="1" dirty="0">
-                <a:solidFill>
-                  <a:srgbClr val="FF0000"/>
-                </a:solidFill>
-                <a:latin typeface="標楷體" panose="03000509000000000000" pitchFamily="65" charset="-120"/>
-                <a:ea typeface="標楷體" panose="03000509000000000000" pitchFamily="65" charset="-120"/>
-              </a:rPr>
-              <a:t>必加</a:t>
-            </a:r>
-          </a:p>
-        </p:txBody>
-      </p:sp>
+              <a:rPr lang="zh-TW" altLang="en-US" dirty="0">
+                <a:latin typeface="Times New Roman" panose="02020603050405020304" pitchFamily="18" charset="0"/>
+                <a:ea typeface="標楷體" panose="03000509000000000000" pitchFamily="65" charset="-120"/>
+                <a:cs typeface="Times New Roman" panose="02020603050405020304" pitchFamily="18" charset="0"/>
+              </a:rPr>
+              <a:t>根據前頁的回傳值</a:t>
+            </a:r>
+            <a:r>
+              <a:rPr lang="en-US" altLang="zh-TW" dirty="0">
+                <a:latin typeface="Times New Roman" panose="02020603050405020304" pitchFamily="18" charset="0"/>
+                <a:ea typeface="標楷體" panose="03000509000000000000" pitchFamily="65" charset="-120"/>
+                <a:cs typeface="Times New Roman" panose="02020603050405020304" pitchFamily="18" charset="0"/>
+              </a:rPr>
+              <a:t>(</a:t>
+            </a:r>
+            <a:r>
+              <a:rPr lang="zh-TW" altLang="en-US" dirty="0">
+                <a:latin typeface="Times New Roman" panose="02020603050405020304" pitchFamily="18" charset="0"/>
+                <a:ea typeface="標楷體" panose="03000509000000000000" pitchFamily="65" charset="-120"/>
+                <a:cs typeface="Times New Roman" panose="02020603050405020304" pitchFamily="18" charset="0"/>
+              </a:rPr>
+              <a:t>帳單明細</a:t>
+            </a:r>
+            <a:r>
+              <a:rPr lang="en-US" altLang="zh-TW" dirty="0">
+                <a:latin typeface="Times New Roman" panose="02020603050405020304" pitchFamily="18" charset="0"/>
+                <a:ea typeface="標楷體" panose="03000509000000000000" pitchFamily="65" charset="-120"/>
+                <a:cs typeface="Times New Roman" panose="02020603050405020304" pitchFamily="18" charset="0"/>
+              </a:rPr>
+              <a:t>)</a:t>
+            </a:r>
+            <a:endParaRPr lang="zh-TW" altLang="en-US" dirty="0">
+              <a:latin typeface="Times New Roman" panose="02020603050405020304" pitchFamily="18" charset="0"/>
+              <a:ea typeface="標楷體" panose="03000509000000000000" pitchFamily="65" charset="-120"/>
+              <a:cs typeface="Times New Roman" panose="02020603050405020304" pitchFamily="18" charset="0"/>
+            </a:endParaRPr>
+          </a:p>
+        </p:txBody>
+      </p:sp>
+      <p:sp>
+        <p:nvSpPr>
+          <p:cNvPr id="13" name="矩形 12">
+            <a:extLst>
+              <a:ext uri="{FF2B5EF4-FFF2-40B4-BE49-F238E27FC236}">
+                <a16:creationId xmlns:a16="http://schemas.microsoft.com/office/drawing/2014/main" id="{DCEF7CF2-E73D-48DF-BE5F-E341DC6A7F2A}"/>
+              </a:ext>
+            </a:extLst>
+          </p:cNvPr>
+          <p:cNvSpPr/>
+          <p:nvPr/>
+        </p:nvSpPr>
+        <p:spPr>
+          <a:xfrm>
+            <a:off x="5105400" y="2331244"/>
+            <a:ext cx="185738" cy="88546"/>
+          </a:xfrm>
+          <a:prstGeom prst="rect">
+            <a:avLst/>
+          </a:prstGeom>
+          <a:noFill/>
+          <a:ln>
+            <a:solidFill>
+              <a:srgbClr val="FF0000"/>
+            </a:solidFill>
+          </a:ln>
+        </p:spPr>
+        <p:style>
+          <a:lnRef idx="2">
+            <a:schemeClr val="accent1">
+              <a:shade val="50000"/>
+            </a:schemeClr>
+          </a:lnRef>
+          <a:fillRef idx="1">
+            <a:schemeClr val="accent1"/>
+          </a:fillRef>
+          <a:effectRef idx="0">
+            <a:schemeClr val="accent1"/>
+          </a:effectRef>
+          <a:fontRef idx="minor">
+            <a:schemeClr val="lt1"/>
+          </a:fontRef>
+        </p:style>
+        <p:txBody>
+          <a:bodyPr rtlCol="0" anchor="ctr"/>
+          <a:lstStyle/>
+          <a:p>
+            <a:pPr algn="ctr"/>
+            <a:endParaRPr lang="zh-TW" altLang="en-US"/>
+          </a:p>
+        </p:txBody>
+      </p:sp>
+      <p:cxnSp>
+        <p:nvCxnSpPr>
+          <p:cNvPr id="14" name="直線單箭頭接點 13">
+            <a:extLst>
+              <a:ext uri="{FF2B5EF4-FFF2-40B4-BE49-F238E27FC236}">
+                <a16:creationId xmlns:a16="http://schemas.microsoft.com/office/drawing/2014/main" id="{257E5B9C-4B29-4EE3-81DA-3C1DE8E35E68}"/>
+              </a:ext>
+            </a:extLst>
+          </p:cNvPr>
+          <p:cNvCxnSpPr>
+            <a:cxnSpLocks/>
+            <a:endCxn id="7" idx="0"/>
+          </p:cNvCxnSpPr>
+          <p:nvPr/>
+        </p:nvCxnSpPr>
+        <p:spPr>
+          <a:xfrm>
+            <a:off x="5291138" y="2419790"/>
+            <a:ext cx="854392" cy="1624644"/>
+          </a:xfrm>
+          <a:prstGeom prst="straightConnector1">
+            <a:avLst/>
+          </a:prstGeom>
+          <a:ln>
+            <a:solidFill>
+              <a:srgbClr val="FF0000"/>
+            </a:solidFill>
+            <a:tailEnd type="triangle"/>
+          </a:ln>
+        </p:spPr>
+        <p:style>
+          <a:lnRef idx="1">
+            <a:schemeClr val="accent1"/>
+          </a:lnRef>
+          <a:fillRef idx="0">
+            <a:schemeClr val="accent1"/>
+          </a:fillRef>
+          <a:effectRef idx="0">
+            <a:schemeClr val="accent1"/>
+          </a:effectRef>
+          <a:fontRef idx="minor">
+            <a:schemeClr val="tx1"/>
+          </a:fontRef>
+        </p:style>
+      </p:cxnSp>
     </p:spTree>
     <p:extLst>
       <p:ext uri="{BB962C8B-B14F-4D97-AF65-F5344CB8AC3E}">
-        <p14:creationId xmlns:p14="http://schemas.microsoft.com/office/powerpoint/2010/main" val="2963583226"/>
+        <p14:creationId xmlns:p14="http://schemas.microsoft.com/office/powerpoint/2010/main" val="3636904747"/>
+      </p:ext>
+    </p:extLst>
+  </p:cSld>
+  <p:clrMapOvr>
+    <a:masterClrMapping/>
+  </p:clrMapOvr>
+</p:sld>
+</file>
+
+<file path=ppt/slides/slide8.xml><?xml version="1.0" encoding="utf-8"?>
+<p:sld xmlns:a="http://schemas.openxmlformats.org/drawingml/2006/main" xmlns:r="http://schemas.openxmlformats.org/officeDocument/2006/relationships" xmlns:p="http://schemas.openxmlformats.org/presentationml/2006/main">
+  <p:cSld>
+    <p:spTree>
+      <p:nvGrpSpPr>
+        <p:cNvPr id="1" name=""/>
+        <p:cNvGrpSpPr/>
+        <p:nvPr/>
+      </p:nvGrpSpPr>
+      <p:grpSpPr>
+        <a:xfrm>
+          <a:off x="0" y="0"/>
+          <a:ext cx="0" cy="0"/>
+          <a:chOff x="0" y="0"/>
+          <a:chExt cx="0" cy="0"/>
+        </a:xfrm>
+      </p:grpSpPr>
+      <p:sp>
+        <p:nvSpPr>
+          <p:cNvPr id="2" name="標題 1">
+            <a:extLst>
+              <a:ext uri="{FF2B5EF4-FFF2-40B4-BE49-F238E27FC236}">
+                <a16:creationId xmlns:a16="http://schemas.microsoft.com/office/drawing/2014/main" id="{F8660120-EDB2-4AD8-95A5-62C945657271}"/>
+              </a:ext>
+            </a:extLst>
+          </p:cNvPr>
+          <p:cNvSpPr>
+            <a:spLocks noGrp="1"/>
+          </p:cNvSpPr>
+          <p:nvPr>
+            <p:ph type="title"/>
+          </p:nvPr>
+        </p:nvSpPr>
+        <p:spPr/>
+        <p:txBody>
+          <a:bodyPr/>
+          <a:lstStyle/>
+          <a:p>
+            <a:r>
+              <a:rPr lang="zh-TW" altLang="en-US" dirty="0">
+                <a:latin typeface="Times New Roman" panose="02020603050405020304" pitchFamily="18" charset="0"/>
+                <a:ea typeface="標楷體" panose="03000509000000000000" pitchFamily="65" charset="-120"/>
+                <a:cs typeface="Times New Roman" panose="02020603050405020304" pitchFamily="18" charset="0"/>
+              </a:rPr>
+              <a:t>待抵扣</a:t>
+            </a:r>
+            <a:r>
+              <a:rPr lang="en-US" altLang="zh-TW" dirty="0">
+                <a:latin typeface="Times New Roman" panose="02020603050405020304" pitchFamily="18" charset="0"/>
+                <a:ea typeface="標楷體" panose="03000509000000000000" pitchFamily="65" charset="-120"/>
+                <a:cs typeface="Times New Roman" panose="02020603050405020304" pitchFamily="18" charset="0"/>
+              </a:rPr>
+              <a:t>(</a:t>
+            </a:r>
+            <a:r>
+              <a:rPr lang="zh-TW" altLang="en-US" dirty="0">
+                <a:latin typeface="Times New Roman" panose="02020603050405020304" pitchFamily="18" charset="0"/>
+                <a:ea typeface="標楷體" panose="03000509000000000000" pitchFamily="65" charset="-120"/>
+                <a:cs typeface="Times New Roman" panose="02020603050405020304" pitchFamily="18" charset="0"/>
+              </a:rPr>
+              <a:t>帳單折抵完送出</a:t>
+            </a:r>
+            <a:r>
+              <a:rPr lang="en-US" altLang="zh-TW" dirty="0">
+                <a:latin typeface="Times New Roman" panose="02020603050405020304" pitchFamily="18" charset="0"/>
+                <a:ea typeface="標楷體" panose="03000509000000000000" pitchFamily="65" charset="-120"/>
+                <a:cs typeface="Times New Roman" panose="02020603050405020304" pitchFamily="18" charset="0"/>
+              </a:rPr>
+              <a:t>)</a:t>
+            </a:r>
+            <a:endParaRPr lang="zh-TW" altLang="en-US" dirty="0"/>
+          </a:p>
+        </p:txBody>
+      </p:sp>
+      <p:sp>
+        <p:nvSpPr>
+          <p:cNvPr id="7" name="文字方塊 6">
+            <a:extLst>
+              <a:ext uri="{FF2B5EF4-FFF2-40B4-BE49-F238E27FC236}">
+                <a16:creationId xmlns:a16="http://schemas.microsoft.com/office/drawing/2014/main" id="{E2F104BF-A12C-4FC9-B93F-45DB4FAFB707}"/>
+              </a:ext>
+            </a:extLst>
+          </p:cNvPr>
+          <p:cNvSpPr txBox="1"/>
+          <p:nvPr/>
+        </p:nvSpPr>
+        <p:spPr>
+          <a:xfrm>
+            <a:off x="6559550" y="1654176"/>
+            <a:ext cx="2533650" cy="2862322"/>
+          </a:xfrm>
+          <a:prstGeom prst="rect">
+            <a:avLst/>
+          </a:prstGeom>
+          <a:noFill/>
+          <a:ln>
+            <a:solidFill>
+              <a:schemeClr val="tx1"/>
+            </a:solidFill>
+          </a:ln>
+        </p:spPr>
+        <p:txBody>
+          <a:bodyPr wrap="square">
+            <a:spAutoFit/>
+          </a:bodyPr>
+          <a:lstStyle/>
+          <a:p>
+            <a:r>
+              <a:rPr lang="en-US" altLang="zh-TW" sz="1000" dirty="0"/>
+              <a:t>{</a:t>
+            </a:r>
+          </a:p>
+          <a:p>
+            <a:r>
+              <a:rPr lang="en-US" altLang="zh-TW" sz="1000" dirty="0"/>
+              <a:t>    "</a:t>
+            </a:r>
+            <a:r>
+              <a:rPr lang="en-US" altLang="zh-TW" sz="1000" dirty="0" err="1"/>
+              <a:t>BillMaster</a:t>
+            </a:r>
+            <a:r>
+              <a:rPr lang="en-US" altLang="zh-TW" sz="1000" dirty="0"/>
+              <a:t>": {...},</a:t>
+            </a:r>
+          </a:p>
+          <a:p>
+            <a:r>
+              <a:rPr lang="en-US" altLang="zh-TW" sz="1000" dirty="0"/>
+              <a:t>    "Deduct": [</a:t>
+            </a:r>
+          </a:p>
+          <a:p>
+            <a:r>
+              <a:rPr lang="en-US" altLang="zh-TW" sz="1000" dirty="0"/>
+              <a:t>        {</a:t>
+            </a:r>
+          </a:p>
+          <a:p>
+            <a:r>
+              <a:rPr lang="en-US" altLang="zh-TW" sz="1000" dirty="0"/>
+              <a:t>            "</a:t>
+            </a:r>
+            <a:r>
+              <a:rPr lang="en-US" altLang="zh-TW" sz="1000" dirty="0" err="1"/>
+              <a:t>BillDetailID</a:t>
+            </a:r>
+            <a:r>
+              <a:rPr lang="en-US" altLang="zh-TW" sz="1000" dirty="0"/>
+              <a:t>": 1,</a:t>
+            </a:r>
+          </a:p>
+          <a:p>
+            <a:r>
+              <a:rPr lang="en-US" altLang="zh-TW" sz="1000" dirty="0"/>
+              <a:t>            "CB": [</a:t>
+            </a:r>
+          </a:p>
+          <a:p>
+            <a:r>
+              <a:rPr lang="en-US" altLang="zh-TW" sz="1000" dirty="0"/>
+              <a:t>                {</a:t>
+            </a:r>
+          </a:p>
+          <a:p>
+            <a:r>
+              <a:rPr lang="en-US" altLang="zh-TW" sz="1000" dirty="0"/>
+              <a:t>                    "CBID": 1,</a:t>
+            </a:r>
+          </a:p>
+          <a:p>
+            <a:r>
+              <a:rPr lang="en-US" altLang="zh-TW" sz="1000" dirty="0"/>
+              <a:t>                    "</a:t>
+            </a:r>
+            <a:r>
+              <a:rPr lang="en-US" altLang="zh-TW" sz="1000" dirty="0" err="1"/>
+              <a:t>TransAmount</a:t>
+            </a:r>
+            <a:r>
+              <a:rPr lang="en-US" altLang="zh-TW" sz="1000" dirty="0"/>
+              <a:t>": 1000</a:t>
+            </a:r>
+          </a:p>
+          <a:p>
+            <a:r>
+              <a:rPr lang="en-US" altLang="zh-TW" sz="1000" dirty="0"/>
+              <a:t>                },</a:t>
+            </a:r>
+          </a:p>
+          <a:p>
+            <a:r>
+              <a:rPr lang="en-US" altLang="zh-TW" sz="1000" dirty="0"/>
+              <a:t>                {...},</a:t>
+            </a:r>
+          </a:p>
+          <a:p>
+            <a:r>
+              <a:rPr lang="en-US" altLang="zh-TW" sz="1000" dirty="0"/>
+              <a:t>                {...}</a:t>
+            </a:r>
+          </a:p>
+          <a:p>
+            <a:r>
+              <a:rPr lang="en-US" altLang="zh-TW" sz="1000" dirty="0"/>
+              <a:t>            ]</a:t>
+            </a:r>
+          </a:p>
+          <a:p>
+            <a:r>
+              <a:rPr lang="en-US" altLang="zh-TW" sz="1000" dirty="0"/>
+              <a:t>        },</a:t>
+            </a:r>
+          </a:p>
+          <a:p>
+            <a:r>
+              <a:rPr lang="en-US" altLang="zh-TW" sz="1000" dirty="0"/>
+              <a:t>        {...},</a:t>
+            </a:r>
+          </a:p>
+          <a:p>
+            <a:r>
+              <a:rPr lang="en-US" altLang="zh-TW" sz="1000" dirty="0"/>
+              <a:t>        {...}</a:t>
+            </a:r>
+          </a:p>
+          <a:p>
+            <a:r>
+              <a:rPr lang="en-US" altLang="zh-TW" sz="1000" dirty="0"/>
+              <a:t>    ]</a:t>
+            </a:r>
+          </a:p>
+          <a:p>
+            <a:r>
+              <a:rPr lang="en-US" altLang="zh-TW" sz="1000" dirty="0"/>
+              <a:t>}</a:t>
+            </a:r>
+            <a:endParaRPr lang="zh-TW" altLang="en-US" sz="1000" dirty="0"/>
+          </a:p>
+        </p:txBody>
+      </p:sp>
+      <p:pic>
+        <p:nvPicPr>
+          <p:cNvPr id="9" name="圖片 8">
+            <a:extLst>
+              <a:ext uri="{FF2B5EF4-FFF2-40B4-BE49-F238E27FC236}">
+                <a16:creationId xmlns:a16="http://schemas.microsoft.com/office/drawing/2014/main" id="{77ED6E0C-9B03-4227-8CC2-5553983325D8}"/>
+              </a:ext>
+            </a:extLst>
+          </p:cNvPr>
+          <p:cNvPicPr>
+            <a:picLocks noChangeAspect="1"/>
+          </p:cNvPicPr>
+          <p:nvPr/>
+        </p:nvPicPr>
+        <p:blipFill>
+          <a:blip r:embed="rId2"/>
+          <a:stretch>
+            <a:fillRect/>
+          </a:stretch>
+        </p:blipFill>
+        <p:spPr>
+          <a:xfrm>
+            <a:off x="838200" y="1690688"/>
+            <a:ext cx="4922520" cy="2193232"/>
+          </a:xfrm>
+          <a:prstGeom prst="rect">
+            <a:avLst/>
+          </a:prstGeom>
+        </p:spPr>
+      </p:pic>
+      <p:sp>
+        <p:nvSpPr>
+          <p:cNvPr id="10" name="矩形 9">
+            <a:extLst>
+              <a:ext uri="{FF2B5EF4-FFF2-40B4-BE49-F238E27FC236}">
+                <a16:creationId xmlns:a16="http://schemas.microsoft.com/office/drawing/2014/main" id="{2C2FB637-1685-49B5-AD5F-EC40E0FD8CAE}"/>
+              </a:ext>
+            </a:extLst>
+          </p:cNvPr>
+          <p:cNvSpPr/>
+          <p:nvPr/>
+        </p:nvSpPr>
+        <p:spPr>
+          <a:xfrm>
+            <a:off x="7200900" y="2908300"/>
+            <a:ext cx="1187450" cy="165100"/>
+          </a:xfrm>
+          <a:prstGeom prst="rect">
+            <a:avLst/>
+          </a:prstGeom>
+          <a:noFill/>
+          <a:ln>
+            <a:solidFill>
+              <a:srgbClr val="FF0000"/>
+            </a:solidFill>
+          </a:ln>
+        </p:spPr>
+        <p:style>
+          <a:lnRef idx="2">
+            <a:schemeClr val="accent1">
+              <a:shade val="50000"/>
+            </a:schemeClr>
+          </a:lnRef>
+          <a:fillRef idx="1">
+            <a:schemeClr val="accent1"/>
+          </a:fillRef>
+          <a:effectRef idx="0">
+            <a:schemeClr val="accent1"/>
+          </a:effectRef>
+          <a:fontRef idx="minor">
+            <a:schemeClr val="lt1"/>
+          </a:fontRef>
+        </p:style>
+        <p:txBody>
+          <a:bodyPr rtlCol="0" anchor="ctr"/>
+          <a:lstStyle/>
+          <a:p>
+            <a:pPr algn="ctr"/>
+            <a:endParaRPr lang="zh-TW" altLang="en-US"/>
+          </a:p>
+        </p:txBody>
+      </p:sp>
+      <p:sp>
+        <p:nvSpPr>
+          <p:cNvPr id="11" name="矩形 10">
+            <a:extLst>
+              <a:ext uri="{FF2B5EF4-FFF2-40B4-BE49-F238E27FC236}">
+                <a16:creationId xmlns:a16="http://schemas.microsoft.com/office/drawing/2014/main" id="{B1B32600-95D6-4F5B-8CDF-3DD290B35CB2}"/>
+              </a:ext>
+            </a:extLst>
+          </p:cNvPr>
+          <p:cNvSpPr/>
+          <p:nvPr/>
+        </p:nvSpPr>
+        <p:spPr>
+          <a:xfrm>
+            <a:off x="4119563" y="3055144"/>
+            <a:ext cx="338138" cy="104776"/>
+          </a:xfrm>
+          <a:prstGeom prst="rect">
+            <a:avLst/>
+          </a:prstGeom>
+          <a:noFill/>
+          <a:ln>
+            <a:solidFill>
+              <a:srgbClr val="FF0000"/>
+            </a:solidFill>
+          </a:ln>
+        </p:spPr>
+        <p:style>
+          <a:lnRef idx="2">
+            <a:schemeClr val="accent1">
+              <a:shade val="50000"/>
+            </a:schemeClr>
+          </a:lnRef>
+          <a:fillRef idx="1">
+            <a:schemeClr val="accent1"/>
+          </a:fillRef>
+          <a:effectRef idx="0">
+            <a:schemeClr val="accent1"/>
+          </a:effectRef>
+          <a:fontRef idx="minor">
+            <a:schemeClr val="lt1"/>
+          </a:fontRef>
+        </p:style>
+        <p:txBody>
+          <a:bodyPr rtlCol="0" anchor="ctr"/>
+          <a:lstStyle/>
+          <a:p>
+            <a:pPr algn="ctr"/>
+            <a:endParaRPr lang="zh-TW" altLang="en-US"/>
+          </a:p>
+        </p:txBody>
+      </p:sp>
+      <p:cxnSp>
+        <p:nvCxnSpPr>
+          <p:cNvPr id="13" name="直線單箭頭接點 12">
+            <a:extLst>
+              <a:ext uri="{FF2B5EF4-FFF2-40B4-BE49-F238E27FC236}">
+                <a16:creationId xmlns:a16="http://schemas.microsoft.com/office/drawing/2014/main" id="{44AECECB-6D66-41B0-A745-D47AD6E480D6}"/>
+              </a:ext>
+            </a:extLst>
+          </p:cNvPr>
+          <p:cNvCxnSpPr>
+            <a:cxnSpLocks/>
+            <a:endCxn id="10" idx="1"/>
+          </p:cNvCxnSpPr>
+          <p:nvPr/>
+        </p:nvCxnSpPr>
+        <p:spPr>
+          <a:xfrm flipV="1">
+            <a:off x="4457701" y="2990850"/>
+            <a:ext cx="2743199" cy="82550"/>
+          </a:xfrm>
+          <a:prstGeom prst="straightConnector1">
+            <a:avLst/>
+          </a:prstGeom>
+          <a:ln>
+            <a:solidFill>
+              <a:srgbClr val="FF0000"/>
+            </a:solidFill>
+            <a:tailEnd type="triangle"/>
+          </a:ln>
+        </p:spPr>
+        <p:style>
+          <a:lnRef idx="1">
+            <a:schemeClr val="accent1"/>
+          </a:lnRef>
+          <a:fillRef idx="0">
+            <a:schemeClr val="accent1"/>
+          </a:fillRef>
+          <a:effectRef idx="0">
+            <a:schemeClr val="accent1"/>
+          </a:effectRef>
+          <a:fontRef idx="minor">
+            <a:schemeClr val="tx1"/>
+          </a:fontRef>
+        </p:style>
+      </p:cxnSp>
+      <p:sp>
+        <p:nvSpPr>
+          <p:cNvPr id="15" name="文字方塊 14">
+            <a:extLst>
+              <a:ext uri="{FF2B5EF4-FFF2-40B4-BE49-F238E27FC236}">
+                <a16:creationId xmlns:a16="http://schemas.microsoft.com/office/drawing/2014/main" id="{750DCC67-3F97-4BC3-9063-F0D7BD4B4174}"/>
+              </a:ext>
+            </a:extLst>
+          </p:cNvPr>
+          <p:cNvSpPr txBox="1"/>
+          <p:nvPr/>
+        </p:nvSpPr>
+        <p:spPr>
+          <a:xfrm>
+            <a:off x="838200" y="4285665"/>
+            <a:ext cx="6096000" cy="646331"/>
+          </a:xfrm>
+          <a:prstGeom prst="rect">
+            <a:avLst/>
+          </a:prstGeom>
+          <a:noFill/>
+        </p:spPr>
+        <p:txBody>
+          <a:bodyPr wrap="square">
+            <a:spAutoFit/>
+          </a:bodyPr>
+          <a:lstStyle/>
+          <a:p>
+            <a:r>
+              <a:rPr lang="zh-TW" altLang="en-US" sz="1200" dirty="0">
+                <a:latin typeface="Times New Roman" panose="02020603050405020304" pitchFamily="18" charset="0"/>
+                <a:cs typeface="Times New Roman" panose="02020603050405020304" pitchFamily="18" charset="0"/>
+              </a:rPr>
+              <a:t>Method: POST</a:t>
+            </a:r>
+          </a:p>
+          <a:p>
+            <a:r>
+              <a:rPr lang="zh-TW" altLang="en-US" sz="1200" dirty="0">
+                <a:latin typeface="Times New Roman" panose="02020603050405020304" pitchFamily="18" charset="0"/>
+                <a:cs typeface="Times New Roman" panose="02020603050405020304" pitchFamily="18" charset="0"/>
+              </a:rPr>
+              <a:t>URL: </a:t>
+            </a:r>
+            <a:r>
+              <a:rPr lang="zh-TW" altLang="en-US" sz="1200" dirty="0">
+                <a:latin typeface="Times New Roman" panose="02020603050405020304" pitchFamily="18" charset="0"/>
+                <a:cs typeface="Times New Roman" panose="02020603050405020304" pitchFamily="18" charset="0"/>
+                <a:hlinkClick r:id="rId3"/>
+              </a:rPr>
+              <a:t>http://localhost:8000/api/v1/generateBillMaster&amp;BillDetail</a:t>
+            </a:r>
+            <a:endParaRPr lang="en-US" altLang="zh-TW" sz="1200" dirty="0">
+              <a:latin typeface="Times New Roman" panose="02020603050405020304" pitchFamily="18" charset="0"/>
+              <a:cs typeface="Times New Roman" panose="02020603050405020304" pitchFamily="18" charset="0"/>
+            </a:endParaRPr>
+          </a:p>
+          <a:p>
+            <a:r>
+              <a:rPr lang="en-US" altLang="zh-TW" sz="1200" dirty="0">
+                <a:latin typeface="Times New Roman" panose="02020603050405020304" pitchFamily="18" charset="0"/>
+                <a:cs typeface="Times New Roman" panose="02020603050405020304" pitchFamily="18" charset="0"/>
+              </a:rPr>
+              <a:t>POST</a:t>
+            </a:r>
+            <a:r>
+              <a:rPr lang="zh-TW" altLang="en-US" sz="1200" dirty="0">
+                <a:latin typeface="Times New Roman" panose="02020603050405020304" pitchFamily="18" charset="0"/>
+                <a:cs typeface="Times New Roman" panose="02020603050405020304" pitchFamily="18" charset="0"/>
+              </a:rPr>
+              <a:t> </a:t>
+            </a:r>
+            <a:r>
+              <a:rPr lang="en-US" altLang="zh-TW" sz="1200" dirty="0">
+                <a:latin typeface="Times New Roman" panose="02020603050405020304" pitchFamily="18" charset="0"/>
+                <a:cs typeface="Times New Roman" panose="02020603050405020304" pitchFamily="18" charset="0"/>
+              </a:rPr>
+              <a:t>Body</a:t>
+            </a:r>
+          </a:p>
+        </p:txBody>
+      </p:sp>
+      <p:sp>
+        <p:nvSpPr>
+          <p:cNvPr id="16" name="矩形 15">
+            <a:extLst>
+              <a:ext uri="{FF2B5EF4-FFF2-40B4-BE49-F238E27FC236}">
+                <a16:creationId xmlns:a16="http://schemas.microsoft.com/office/drawing/2014/main" id="{7CDF0217-9891-45F7-A64F-13DCE89DDB65}"/>
+              </a:ext>
+            </a:extLst>
+          </p:cNvPr>
+          <p:cNvSpPr/>
+          <p:nvPr/>
+        </p:nvSpPr>
+        <p:spPr>
+          <a:xfrm>
+            <a:off x="909638" y="4714876"/>
+            <a:ext cx="773906" cy="171450"/>
+          </a:xfrm>
+          <a:prstGeom prst="rect">
+            <a:avLst/>
+          </a:prstGeom>
+          <a:noFill/>
+          <a:ln>
+            <a:solidFill>
+              <a:srgbClr val="FF0000"/>
+            </a:solidFill>
+          </a:ln>
+        </p:spPr>
+        <p:style>
+          <a:lnRef idx="2">
+            <a:schemeClr val="accent1">
+              <a:shade val="50000"/>
+            </a:schemeClr>
+          </a:lnRef>
+          <a:fillRef idx="1">
+            <a:schemeClr val="accent1"/>
+          </a:fillRef>
+          <a:effectRef idx="0">
+            <a:schemeClr val="accent1"/>
+          </a:effectRef>
+          <a:fontRef idx="minor">
+            <a:schemeClr val="lt1"/>
+          </a:fontRef>
+        </p:style>
+        <p:txBody>
+          <a:bodyPr rtlCol="0" anchor="ctr"/>
+          <a:lstStyle/>
+          <a:p>
+            <a:pPr algn="ctr"/>
+            <a:endParaRPr lang="zh-TW" altLang="en-US"/>
+          </a:p>
+        </p:txBody>
+      </p:sp>
+      <p:cxnSp>
+        <p:nvCxnSpPr>
+          <p:cNvPr id="18" name="接點: 肘形 17">
+            <a:extLst>
+              <a:ext uri="{FF2B5EF4-FFF2-40B4-BE49-F238E27FC236}">
+                <a16:creationId xmlns:a16="http://schemas.microsoft.com/office/drawing/2014/main" id="{F836C8B3-5E46-4FC8-A339-E7D3589651CB}"/>
+              </a:ext>
+            </a:extLst>
+          </p:cNvPr>
+          <p:cNvCxnSpPr>
+            <a:cxnSpLocks/>
+            <a:stCxn id="16" idx="2"/>
+            <a:endCxn id="7" idx="2"/>
+          </p:cNvCxnSpPr>
+          <p:nvPr/>
+        </p:nvCxnSpPr>
+        <p:spPr>
+          <a:xfrm rot="5400000" flipH="1" flipV="1">
+            <a:off x="4376569" y="1436520"/>
+            <a:ext cx="369828" cy="6529784"/>
+          </a:xfrm>
+          <a:prstGeom prst="bentConnector3">
+            <a:avLst>
+              <a:gd name="adj1" fmla="val -61813"/>
+            </a:avLst>
+          </a:prstGeom>
+          <a:ln>
+            <a:solidFill>
+              <a:srgbClr val="FF0000"/>
+            </a:solidFill>
+            <a:tailEnd type="triangle"/>
+          </a:ln>
+        </p:spPr>
+        <p:style>
+          <a:lnRef idx="1">
+            <a:schemeClr val="accent1"/>
+          </a:lnRef>
+          <a:fillRef idx="0">
+            <a:schemeClr val="accent1"/>
+          </a:fillRef>
+          <a:effectRef idx="0">
+            <a:schemeClr val="accent1"/>
+          </a:effectRef>
+          <a:fontRef idx="minor">
+            <a:schemeClr val="tx1"/>
+          </a:fontRef>
+        </p:style>
+      </p:cxnSp>
+    </p:spTree>
+    <p:extLst>
+      <p:ext uri="{BB962C8B-B14F-4D97-AF65-F5344CB8AC3E}">
+        <p14:creationId xmlns:p14="http://schemas.microsoft.com/office/powerpoint/2010/main" val="1033997325"/>
+      </p:ext>
+    </p:extLst>
+  </p:cSld>
+  <p:clrMapOvr>
+    <a:masterClrMapping/>
+  </p:clrMapOvr>
+</p:sld>
+</file>
+
+<file path=ppt/slides/slide9.xml><?xml version="1.0" encoding="utf-8"?>
+<p:sld xmlns:a="http://schemas.openxmlformats.org/drawingml/2006/main" xmlns:r="http://schemas.openxmlformats.org/officeDocument/2006/relationships" xmlns:p="http://schemas.openxmlformats.org/presentationml/2006/main">
+  <p:cSld>
+    <p:spTree>
+      <p:nvGrpSpPr>
+        <p:cNvPr id="1" name=""/>
+        <p:cNvGrpSpPr/>
+        <p:nvPr/>
+      </p:nvGrpSpPr>
+      <p:grpSpPr>
+        <a:xfrm>
+          <a:off x="0" y="0"/>
+          <a:ext cx="0" cy="0"/>
+          <a:chOff x="0" y="0"/>
+          <a:chExt cx="0" cy="0"/>
+        </a:xfrm>
+      </p:grpSpPr>
+      <p:sp>
+        <p:nvSpPr>
+          <p:cNvPr id="2" name="標題 1">
+            <a:extLst>
+              <a:ext uri="{FF2B5EF4-FFF2-40B4-BE49-F238E27FC236}">
+                <a16:creationId xmlns:a16="http://schemas.microsoft.com/office/drawing/2014/main" id="{451D1E9B-4C11-46A5-ACDF-7B8DB560D676}"/>
+              </a:ext>
+            </a:extLst>
+          </p:cNvPr>
+          <p:cNvSpPr>
+            <a:spLocks noGrp="1"/>
+          </p:cNvSpPr>
+          <p:nvPr>
+            <p:ph type="title"/>
+          </p:nvPr>
+        </p:nvSpPr>
+        <p:spPr/>
+        <p:txBody>
+          <a:bodyPr/>
+          <a:lstStyle/>
+          <a:p>
+            <a:r>
+              <a:rPr lang="zh-TW" altLang="en-US" dirty="0">
+                <a:latin typeface="Times New Roman" panose="02020603050405020304" pitchFamily="18" charset="0"/>
+                <a:ea typeface="標楷體" panose="03000509000000000000" pitchFamily="65" charset="-120"/>
+                <a:cs typeface="Times New Roman" panose="02020603050405020304" pitchFamily="18" charset="0"/>
+              </a:rPr>
+              <a:t>已抵扣</a:t>
+            </a:r>
+            <a:r>
+              <a:rPr lang="en-US" altLang="zh-TW" dirty="0">
+                <a:latin typeface="Times New Roman" panose="02020603050405020304" pitchFamily="18" charset="0"/>
+                <a:ea typeface="標楷體" panose="03000509000000000000" pitchFamily="65" charset="-120"/>
+                <a:cs typeface="Times New Roman" panose="02020603050405020304" pitchFamily="18" charset="0"/>
+              </a:rPr>
+              <a:t>(</a:t>
+            </a:r>
+            <a:r>
+              <a:rPr lang="zh-TW" altLang="en-US" dirty="0">
+                <a:latin typeface="Times New Roman" panose="02020603050405020304" pitchFamily="18" charset="0"/>
+                <a:ea typeface="標楷體" panose="03000509000000000000" pitchFamily="65" charset="-120"/>
+                <a:cs typeface="Times New Roman" panose="02020603050405020304" pitchFamily="18" charset="0"/>
+              </a:rPr>
+              <a:t>檢視帳單主檔</a:t>
+            </a:r>
+            <a:r>
+              <a:rPr lang="en-US" altLang="zh-TW" dirty="0">
+                <a:latin typeface="Times New Roman" panose="02020603050405020304" pitchFamily="18" charset="0"/>
+                <a:ea typeface="標楷體" panose="03000509000000000000" pitchFamily="65" charset="-120"/>
+                <a:cs typeface="Times New Roman" panose="02020603050405020304" pitchFamily="18" charset="0"/>
+              </a:rPr>
+              <a:t>)</a:t>
+            </a:r>
+            <a:endParaRPr lang="zh-TW" altLang="en-US" dirty="0">
+              <a:latin typeface="Times New Roman" panose="02020603050405020304" pitchFamily="18" charset="0"/>
+              <a:ea typeface="標楷體" panose="03000509000000000000" pitchFamily="65" charset="-120"/>
+              <a:cs typeface="Times New Roman" panose="02020603050405020304" pitchFamily="18" charset="0"/>
+            </a:endParaRPr>
+          </a:p>
+        </p:txBody>
+      </p:sp>
+      <p:pic>
+        <p:nvPicPr>
+          <p:cNvPr id="4" name="圖片 3">
+            <a:extLst>
+              <a:ext uri="{FF2B5EF4-FFF2-40B4-BE49-F238E27FC236}">
+                <a16:creationId xmlns:a16="http://schemas.microsoft.com/office/drawing/2014/main" id="{BB98C5B6-4643-411C-A460-E1E8482B1C93}"/>
+              </a:ext>
+            </a:extLst>
+          </p:cNvPr>
+          <p:cNvPicPr>
+            <a:picLocks noChangeAspect="1"/>
+          </p:cNvPicPr>
+          <p:nvPr/>
+        </p:nvPicPr>
+        <p:blipFill>
+          <a:blip r:embed="rId2"/>
+          <a:stretch>
+            <a:fillRect/>
+          </a:stretch>
+        </p:blipFill>
+        <p:spPr>
+          <a:xfrm>
+            <a:off x="962351" y="1690688"/>
+            <a:ext cx="9219873" cy="1405614"/>
+          </a:xfrm>
+          <a:prstGeom prst="rect">
+            <a:avLst/>
+          </a:prstGeom>
+        </p:spPr>
+      </p:pic>
+      <p:sp>
+        <p:nvSpPr>
+          <p:cNvPr id="7" name="文字方塊 6">
+            <a:extLst>
+              <a:ext uri="{FF2B5EF4-FFF2-40B4-BE49-F238E27FC236}">
+                <a16:creationId xmlns:a16="http://schemas.microsoft.com/office/drawing/2014/main" id="{B23BE6F3-EFD9-4AE8-8F62-2005370D1895}"/>
+              </a:ext>
+            </a:extLst>
+          </p:cNvPr>
+          <p:cNvSpPr txBox="1"/>
+          <p:nvPr/>
+        </p:nvSpPr>
+        <p:spPr>
+          <a:xfrm>
+            <a:off x="962351" y="3191552"/>
+            <a:ext cx="6096000" cy="1077218"/>
+          </a:xfrm>
+          <a:prstGeom prst="rect">
+            <a:avLst/>
+          </a:prstGeom>
+          <a:noFill/>
+        </p:spPr>
+        <p:txBody>
+          <a:bodyPr wrap="square">
+            <a:spAutoFit/>
+          </a:bodyPr>
+          <a:lstStyle/>
+          <a:p>
+            <a:r>
+              <a:rPr lang="zh-TW" altLang="en-US" sz="800" dirty="0">
+                <a:latin typeface="Times New Roman" panose="02020603050405020304" pitchFamily="18" charset="0"/>
+                <a:ea typeface="標楷體" panose="03000509000000000000" pitchFamily="65" charset="-120"/>
+                <a:cs typeface="Times New Roman" panose="02020603050405020304" pitchFamily="18" charset="0"/>
+              </a:rPr>
+              <a:t>Method: GET</a:t>
+            </a:r>
+          </a:p>
+          <a:p>
+            <a:r>
+              <a:rPr lang="zh-TW" altLang="en-US" sz="800" dirty="0">
+                <a:latin typeface="Times New Roman" panose="02020603050405020304" pitchFamily="18" charset="0"/>
+                <a:ea typeface="標楷體" panose="03000509000000000000" pitchFamily="65" charset="-120"/>
+                <a:cs typeface="Times New Roman" panose="02020603050405020304" pitchFamily="18" charset="0"/>
+              </a:rPr>
+              <a:t>URL: </a:t>
+            </a:r>
+            <a:r>
+              <a:rPr lang="zh-TW" altLang="en-US" sz="800" dirty="0">
+                <a:latin typeface="Times New Roman" panose="02020603050405020304" pitchFamily="18" charset="0"/>
+                <a:ea typeface="標楷體" panose="03000509000000000000" pitchFamily="65" charset="-120"/>
+                <a:cs typeface="Times New Roman" panose="02020603050405020304" pitchFamily="18" charset="0"/>
+                <a:hlinkClick r:id="rId3"/>
+              </a:rPr>
+              <a:t>http://localhost:8000/api/v1/BillMaster/{urlCondition}</a:t>
+            </a:r>
+            <a:endParaRPr lang="en-US" altLang="zh-TW" sz="800" dirty="0">
+              <a:latin typeface="Times New Roman" panose="02020603050405020304" pitchFamily="18" charset="0"/>
+              <a:ea typeface="標楷體" panose="03000509000000000000" pitchFamily="65" charset="-120"/>
+              <a:cs typeface="Times New Roman" panose="02020603050405020304" pitchFamily="18" charset="0"/>
+            </a:endParaRPr>
+          </a:p>
+          <a:p>
+            <a:endParaRPr lang="en-US" altLang="zh-TW" sz="800" dirty="0">
+              <a:latin typeface="Times New Roman" panose="02020603050405020304" pitchFamily="18" charset="0"/>
+              <a:ea typeface="標楷體" panose="03000509000000000000" pitchFamily="65" charset="-120"/>
+              <a:cs typeface="Times New Roman" panose="02020603050405020304" pitchFamily="18" charset="0"/>
+            </a:endParaRPr>
+          </a:p>
+          <a:p>
+            <a:r>
+              <a:rPr lang="en-US" altLang="zh-TW" sz="800" dirty="0" err="1">
+                <a:latin typeface="Times New Roman" panose="02020603050405020304" pitchFamily="18" charset="0"/>
+                <a:ea typeface="標楷體" panose="03000509000000000000" pitchFamily="65" charset="-120"/>
+                <a:cs typeface="Times New Roman" panose="02020603050405020304" pitchFamily="18" charset="0"/>
+              </a:rPr>
+              <a:t>urlCondition</a:t>
+            </a:r>
+            <a:r>
+              <a:rPr lang="en-US" altLang="zh-TW" sz="800" dirty="0">
+                <a:latin typeface="Times New Roman" panose="02020603050405020304" pitchFamily="18" charset="0"/>
+                <a:ea typeface="標楷體" panose="03000509000000000000" pitchFamily="65" charset="-120"/>
+                <a:cs typeface="Times New Roman" panose="02020603050405020304" pitchFamily="18" charset="0"/>
+              </a:rPr>
+              <a:t>:</a:t>
+            </a:r>
+          </a:p>
+          <a:p>
+            <a:pPr marL="228600" indent="-228600">
+              <a:buFont typeface="+mj-lt"/>
+              <a:buAutoNum type="arabicPeriod"/>
+            </a:pPr>
+            <a:r>
+              <a:rPr lang="en-US" altLang="zh-TW" sz="800" dirty="0">
+                <a:latin typeface="Times New Roman" panose="02020603050405020304" pitchFamily="18" charset="0"/>
+                <a:ea typeface="標楷體" panose="03000509000000000000" pitchFamily="65" charset="-120"/>
+                <a:cs typeface="Times New Roman" panose="02020603050405020304" pitchFamily="18" charset="0"/>
+              </a:rPr>
+              <a:t>all</a:t>
+            </a:r>
+          </a:p>
+          <a:p>
+            <a:pPr marL="228600" indent="-228600">
+              <a:buFont typeface="+mj-lt"/>
+              <a:buAutoNum type="arabicPeriod"/>
+            </a:pPr>
+            <a:r>
+              <a:rPr lang="en-US" altLang="zh-TW" sz="800" dirty="0" err="1">
+                <a:latin typeface="Times New Roman" panose="02020603050405020304" pitchFamily="18" charset="0"/>
+                <a:ea typeface="標楷體" panose="03000509000000000000" pitchFamily="65" charset="-120"/>
+                <a:cs typeface="Times New Roman" panose="02020603050405020304" pitchFamily="18" charset="0"/>
+              </a:rPr>
+              <a:t>SupplierName</a:t>
+            </a:r>
+            <a:r>
+              <a:rPr lang="en-US" altLang="zh-TW" sz="800" dirty="0">
+                <a:latin typeface="Times New Roman" panose="02020603050405020304" pitchFamily="18" charset="0"/>
+                <a:ea typeface="標楷體" panose="03000509000000000000" pitchFamily="65" charset="-120"/>
+                <a:cs typeface="Times New Roman" panose="02020603050405020304" pitchFamily="18" charset="0"/>
+              </a:rPr>
+              <a:t>=</a:t>
+            </a:r>
+            <a:r>
+              <a:rPr lang="zh-TW" altLang="en-US" sz="800" dirty="0">
+                <a:latin typeface="Times New Roman" panose="02020603050405020304" pitchFamily="18" charset="0"/>
+                <a:ea typeface="標楷體" panose="03000509000000000000" pitchFamily="65" charset="-120"/>
+                <a:cs typeface="Times New Roman" panose="02020603050405020304" pitchFamily="18" charset="0"/>
+              </a:rPr>
+              <a:t>供應商名稱</a:t>
+            </a:r>
+            <a:r>
+              <a:rPr lang="en-US" altLang="zh-TW" sz="800" dirty="0">
+                <a:latin typeface="Times New Roman" panose="02020603050405020304" pitchFamily="18" charset="0"/>
+                <a:ea typeface="標楷體" panose="03000509000000000000" pitchFamily="65" charset="-120"/>
+                <a:cs typeface="Times New Roman" panose="02020603050405020304" pitchFamily="18" charset="0"/>
+              </a:rPr>
+              <a:t>&amp;</a:t>
+            </a:r>
+            <a:r>
+              <a:rPr lang="en-US" altLang="zh-TW" sz="800" dirty="0" err="1">
+                <a:latin typeface="Times New Roman" panose="02020603050405020304" pitchFamily="18" charset="0"/>
+                <a:ea typeface="標楷體" panose="03000509000000000000" pitchFamily="65" charset="-120"/>
+                <a:cs typeface="Times New Roman" panose="02020603050405020304" pitchFamily="18" charset="0"/>
+              </a:rPr>
+              <a:t>SubmarineCable</a:t>
+            </a:r>
+            <a:r>
+              <a:rPr lang="en-US" altLang="zh-TW" sz="800" dirty="0">
+                <a:latin typeface="Times New Roman" panose="02020603050405020304" pitchFamily="18" charset="0"/>
+                <a:ea typeface="標楷體" panose="03000509000000000000" pitchFamily="65" charset="-120"/>
+                <a:cs typeface="Times New Roman" panose="02020603050405020304" pitchFamily="18" charset="0"/>
+              </a:rPr>
+              <a:t>=</a:t>
+            </a:r>
+            <a:r>
+              <a:rPr lang="zh-TW" altLang="en-US" sz="800" dirty="0">
+                <a:latin typeface="Times New Roman" panose="02020603050405020304" pitchFamily="18" charset="0"/>
+                <a:ea typeface="標楷體" panose="03000509000000000000" pitchFamily="65" charset="-120"/>
+                <a:cs typeface="Times New Roman" panose="02020603050405020304" pitchFamily="18" charset="0"/>
+              </a:rPr>
+              <a:t>海纜名稱</a:t>
+            </a:r>
+            <a:r>
+              <a:rPr lang="en-US" altLang="zh-TW" sz="800" dirty="0">
+                <a:latin typeface="Times New Roman" panose="02020603050405020304" pitchFamily="18" charset="0"/>
+                <a:ea typeface="標楷體" panose="03000509000000000000" pitchFamily="65" charset="-120"/>
+                <a:cs typeface="Times New Roman" panose="02020603050405020304" pitchFamily="18" charset="0"/>
+              </a:rPr>
+              <a:t>&amp;</a:t>
+            </a:r>
+            <a:r>
+              <a:rPr lang="en-US" altLang="zh-TW" sz="800" dirty="0" err="1">
+                <a:latin typeface="Times New Roman" panose="02020603050405020304" pitchFamily="18" charset="0"/>
+                <a:ea typeface="標楷體" panose="03000509000000000000" pitchFamily="65" charset="-120"/>
+                <a:cs typeface="Times New Roman" panose="02020603050405020304" pitchFamily="18" charset="0"/>
+              </a:rPr>
+              <a:t>WorkTitle</a:t>
+            </a:r>
+            <a:r>
+              <a:rPr lang="en-US" altLang="zh-TW" sz="800" dirty="0">
+                <a:latin typeface="Times New Roman" panose="02020603050405020304" pitchFamily="18" charset="0"/>
+                <a:ea typeface="標楷體" panose="03000509000000000000" pitchFamily="65" charset="-120"/>
+                <a:cs typeface="Times New Roman" panose="02020603050405020304" pitchFamily="18" charset="0"/>
+              </a:rPr>
+              <a:t>=</a:t>
+            </a:r>
+            <a:r>
+              <a:rPr lang="zh-TW" altLang="en-US" sz="800" dirty="0">
+                <a:latin typeface="Times New Roman" panose="02020603050405020304" pitchFamily="18" charset="0"/>
+                <a:ea typeface="標楷體" panose="03000509000000000000" pitchFamily="65" charset="-120"/>
+                <a:cs typeface="Times New Roman" panose="02020603050405020304" pitchFamily="18" charset="0"/>
+              </a:rPr>
+              <a:t>海纜作業</a:t>
+            </a:r>
+            <a:r>
+              <a:rPr lang="en-US" altLang="zh-TW" sz="800" dirty="0">
+                <a:latin typeface="Times New Roman" panose="02020603050405020304" pitchFamily="18" charset="0"/>
+                <a:ea typeface="標楷體" panose="03000509000000000000" pitchFamily="65" charset="-120"/>
+                <a:cs typeface="Times New Roman" panose="02020603050405020304" pitchFamily="18" charset="0"/>
+              </a:rPr>
+              <a:t>&amp;</a:t>
+            </a:r>
+            <a:r>
+              <a:rPr lang="en-US" altLang="zh-TW" sz="800" dirty="0" err="1">
+                <a:latin typeface="Times New Roman" panose="02020603050405020304" pitchFamily="18" charset="0"/>
+                <a:ea typeface="標楷體" panose="03000509000000000000" pitchFamily="65" charset="-120"/>
+                <a:cs typeface="Times New Roman" panose="02020603050405020304" pitchFamily="18" charset="0"/>
+              </a:rPr>
+              <a:t>PartyName</a:t>
+            </a:r>
+            <a:r>
+              <a:rPr lang="en-US" altLang="zh-TW" sz="800" dirty="0">
+                <a:latin typeface="Times New Roman" panose="02020603050405020304" pitchFamily="18" charset="0"/>
+                <a:ea typeface="標楷體" panose="03000509000000000000" pitchFamily="65" charset="-120"/>
+                <a:cs typeface="Times New Roman" panose="02020603050405020304" pitchFamily="18" charset="0"/>
+              </a:rPr>
+              <a:t>=</a:t>
+            </a:r>
+            <a:r>
+              <a:rPr lang="zh-TW" altLang="en-US" sz="800" dirty="0">
+                <a:latin typeface="Times New Roman" panose="02020603050405020304" pitchFamily="18" charset="0"/>
+                <a:ea typeface="標楷體" panose="03000509000000000000" pitchFamily="65" charset="-120"/>
+                <a:cs typeface="Times New Roman" panose="02020603050405020304" pitchFamily="18" charset="0"/>
+              </a:rPr>
+              <a:t>會員名稱</a:t>
+            </a:r>
+            <a:endParaRPr lang="en-US" altLang="zh-TW" sz="800" dirty="0">
+              <a:latin typeface="Times New Roman" panose="02020603050405020304" pitchFamily="18" charset="0"/>
+              <a:ea typeface="標楷體" panose="03000509000000000000" pitchFamily="65" charset="-120"/>
+              <a:cs typeface="Times New Roman" panose="02020603050405020304" pitchFamily="18" charset="0"/>
+            </a:endParaRPr>
+          </a:p>
+          <a:p>
+            <a:pPr marL="228600" indent="-228600">
+              <a:buFont typeface="+mj-lt"/>
+              <a:buAutoNum type="arabicPeriod"/>
+            </a:pPr>
+            <a:endParaRPr lang="en-US" altLang="zh-TW" sz="800" dirty="0">
+              <a:latin typeface="Times New Roman" panose="02020603050405020304" pitchFamily="18" charset="0"/>
+              <a:ea typeface="標楷體" panose="03000509000000000000" pitchFamily="65" charset="-120"/>
+              <a:cs typeface="Times New Roman" panose="02020603050405020304" pitchFamily="18" charset="0"/>
+            </a:endParaRPr>
+          </a:p>
+          <a:p>
+            <a:r>
+              <a:rPr lang="zh-TW" altLang="en-US" sz="800" dirty="0">
+                <a:highlight>
+                  <a:srgbClr val="FFFF00"/>
+                </a:highlight>
+                <a:latin typeface="Times New Roman" panose="02020603050405020304" pitchFamily="18" charset="0"/>
+                <a:ea typeface="標楷體" panose="03000509000000000000" pitchFamily="65" charset="-120"/>
+                <a:cs typeface="Times New Roman" panose="02020603050405020304" pitchFamily="18" charset="0"/>
+              </a:rPr>
+              <a:t>回傳值</a:t>
+            </a:r>
+            <a:endParaRPr lang="en-US" altLang="zh-TW" sz="800" dirty="0">
+              <a:highlight>
+                <a:srgbClr val="FFFF00"/>
+              </a:highlight>
+              <a:latin typeface="Times New Roman" panose="02020603050405020304" pitchFamily="18" charset="0"/>
+              <a:ea typeface="標楷體" panose="03000509000000000000" pitchFamily="65" charset="-120"/>
+              <a:cs typeface="Times New Roman" panose="02020603050405020304" pitchFamily="18" charset="0"/>
+            </a:endParaRPr>
+          </a:p>
+        </p:txBody>
+      </p:sp>
+      <p:sp>
+        <p:nvSpPr>
+          <p:cNvPr id="9" name="文字方塊 8">
+            <a:extLst>
+              <a:ext uri="{FF2B5EF4-FFF2-40B4-BE49-F238E27FC236}">
+                <a16:creationId xmlns:a16="http://schemas.microsoft.com/office/drawing/2014/main" id="{C9529C03-4666-461D-B41B-09F54EC77DD4}"/>
+              </a:ext>
+            </a:extLst>
+          </p:cNvPr>
+          <p:cNvSpPr txBox="1"/>
+          <p:nvPr/>
+        </p:nvSpPr>
+        <p:spPr>
+          <a:xfrm>
+            <a:off x="6512391" y="3429000"/>
+            <a:ext cx="2273022" cy="2862322"/>
+          </a:xfrm>
+          <a:prstGeom prst="rect">
+            <a:avLst/>
+          </a:prstGeom>
+          <a:noFill/>
+          <a:ln>
+            <a:solidFill>
+              <a:schemeClr val="tx1"/>
+            </a:solidFill>
+          </a:ln>
+        </p:spPr>
+        <p:txBody>
+          <a:bodyPr wrap="square">
+            <a:spAutoFit/>
+          </a:bodyPr>
+          <a:lstStyle/>
+          <a:p>
+            <a:r>
+              <a:rPr lang="zh-TW" altLang="en-US" sz="1000" dirty="0"/>
+              <a:t>[</a:t>
+            </a:r>
+          </a:p>
+          <a:p>
+            <a:r>
+              <a:rPr lang="zh-TW" altLang="en-US" sz="1000" dirty="0"/>
+              <a:t>     {</a:t>
+            </a:r>
+          </a:p>
+          <a:p>
+            <a:r>
+              <a:rPr lang="zh-TW" altLang="en-US" sz="1000" dirty="0"/>
+              <a:t>        "BillMasterID": 1,</a:t>
+            </a:r>
+          </a:p>
+          <a:p>
+            <a:r>
+              <a:rPr lang="zh-TW" altLang="en-US" sz="1000" dirty="0"/>
+              <a:t>        "BillingNo": "string",</a:t>
+            </a:r>
+          </a:p>
+          <a:p>
+            <a:r>
+              <a:rPr lang="zh-TW" altLang="en-US" sz="1000" dirty="0"/>
+              <a:t>        "PONo": "string",</a:t>
+            </a:r>
+          </a:p>
+          <a:p>
+            <a:r>
+              <a:rPr lang="zh-TW" altLang="en-US" sz="1000" dirty="0"/>
+              <a:t>        "SupplierName": "string",</a:t>
+            </a:r>
+          </a:p>
+          <a:p>
+            <a:r>
+              <a:rPr lang="zh-TW" altLang="en-US" sz="1000" dirty="0"/>
+              <a:t>        "SubmarineCable": "string",</a:t>
+            </a:r>
+          </a:p>
+          <a:p>
+            <a:r>
+              <a:rPr lang="zh-TW" altLang="en-US" sz="1000" dirty="0"/>
+              <a:t>        "WorkTitle": "string",</a:t>
+            </a:r>
+          </a:p>
+          <a:p>
+            <a:r>
+              <a:rPr lang="zh-TW" altLang="en-US" sz="1000" dirty="0"/>
+              <a:t>        "PartyName": "string",</a:t>
+            </a:r>
+          </a:p>
+          <a:p>
+            <a:r>
+              <a:rPr lang="zh-TW" altLang="en-US" sz="1000" dirty="0"/>
+              <a:t>        "IssueDate": "2023-03-04 00:00:00",</a:t>
+            </a:r>
+          </a:p>
+          <a:p>
+            <a:r>
+              <a:rPr lang="zh-TW" altLang="en-US" sz="1000" dirty="0"/>
+              <a:t>        "DueDate": "2023-03-04 00:00:00",</a:t>
+            </a:r>
+          </a:p>
+          <a:p>
+            <a:r>
+              <a:rPr lang="zh-TW" altLang="en-US" sz="1000" dirty="0"/>
+              <a:t>        "FeeAmountSum": 123.45,</a:t>
+            </a:r>
+          </a:p>
+          <a:p>
+            <a:r>
+              <a:rPr lang="zh-TW" altLang="en-US" sz="1000" dirty="0"/>
+              <a:t>        "ReceivedAmountSum": 123.45,</a:t>
+            </a:r>
+          </a:p>
+          <a:p>
+            <a:r>
+              <a:rPr lang="zh-TW" altLang="en-US" sz="1000" dirty="0"/>
+              <a:t>        "IsPro": 1,</a:t>
+            </a:r>
+          </a:p>
+          <a:p>
+            <a:r>
+              <a:rPr lang="zh-TW" altLang="en-US" sz="1000" dirty="0"/>
+              <a:t>        "Status": "string"</a:t>
+            </a:r>
+          </a:p>
+          <a:p>
+            <a:r>
+              <a:rPr lang="zh-TW" altLang="en-US" sz="1000" dirty="0"/>
+              <a:t>    },</a:t>
+            </a:r>
+          </a:p>
+          <a:p>
+            <a:r>
+              <a:rPr lang="zh-TW" altLang="en-US" sz="1000" dirty="0"/>
+              <a:t>    {..}</a:t>
+            </a:r>
+          </a:p>
+          <a:p>
+            <a:r>
+              <a:rPr lang="zh-TW" altLang="en-US" sz="1000" dirty="0"/>
+              <a:t>]</a:t>
+            </a:r>
+          </a:p>
+        </p:txBody>
+      </p:sp>
+      <p:cxnSp>
+        <p:nvCxnSpPr>
+          <p:cNvPr id="12" name="直線單箭頭接點 11">
+            <a:extLst>
+              <a:ext uri="{FF2B5EF4-FFF2-40B4-BE49-F238E27FC236}">
+                <a16:creationId xmlns:a16="http://schemas.microsoft.com/office/drawing/2014/main" id="{598AB7BF-0317-450A-862D-99706D447B11}"/>
+              </a:ext>
+            </a:extLst>
+          </p:cNvPr>
+          <p:cNvCxnSpPr>
+            <a:endCxn id="9" idx="1"/>
+          </p:cNvCxnSpPr>
+          <p:nvPr/>
+        </p:nvCxnSpPr>
+        <p:spPr>
+          <a:xfrm>
+            <a:off x="1237129" y="4268770"/>
+            <a:ext cx="5275262" cy="591391"/>
+          </a:xfrm>
+          <a:prstGeom prst="straightConnector1">
+            <a:avLst/>
+          </a:prstGeom>
+          <a:ln>
+            <a:solidFill>
+              <a:srgbClr val="FF0000"/>
+            </a:solidFill>
+            <a:tailEnd type="triangle"/>
+          </a:ln>
+        </p:spPr>
+        <p:style>
+          <a:lnRef idx="1">
+            <a:schemeClr val="accent1"/>
+          </a:lnRef>
+          <a:fillRef idx="0">
+            <a:schemeClr val="accent1"/>
+          </a:fillRef>
+          <a:effectRef idx="0">
+            <a:schemeClr val="accent1"/>
+          </a:effectRef>
+          <a:fontRef idx="minor">
+            <a:schemeClr val="tx1"/>
+          </a:fontRef>
+        </p:style>
+      </p:cxnSp>
+    </p:spTree>
+    <p:extLst>
+      <p:ext uri="{BB962C8B-B14F-4D97-AF65-F5344CB8AC3E}">
+        <p14:creationId xmlns:p14="http://schemas.microsoft.com/office/powerpoint/2010/main" val="1832596864"/>
       </p:ext>
     </p:extLst>
   </p:cSld>

--- a/CBP專案/帳單API.pptx
+++ b/CBP專案/帳單API.pptx
@@ -14,7 +14,6 @@
     <p:sldId id="262" r:id="rId8"/>
     <p:sldId id="263" r:id="rId9"/>
     <p:sldId id="265" r:id="rId10"/>
-    <p:sldId id="264" r:id="rId11"/>
   </p:sldIdLst>
   <p:sldSz cx="12192000" cy="6858000"/>
   <p:notesSz cx="6858000" cy="9144000"/>
@@ -268,7 +267,7 @@
           <a:p>
             <a:fld id="{6C7F2551-9F6C-44B5-880F-AA7CE6DE8A99}" type="datetimeFigureOut">
               <a:rPr lang="zh-TW" altLang="en-US" smtClean="0"/>
-              <a:t>2023/3/14</a:t>
+              <a:t>2023/3/15</a:t>
             </a:fld>
             <a:endParaRPr lang="zh-TW" altLang="en-US"/>
           </a:p>
@@ -466,7 +465,7 @@
           <a:p>
             <a:fld id="{6C7F2551-9F6C-44B5-880F-AA7CE6DE8A99}" type="datetimeFigureOut">
               <a:rPr lang="zh-TW" altLang="en-US" smtClean="0"/>
-              <a:t>2023/3/14</a:t>
+              <a:t>2023/3/15</a:t>
             </a:fld>
             <a:endParaRPr lang="zh-TW" altLang="en-US"/>
           </a:p>
@@ -674,7 +673,7 @@
           <a:p>
             <a:fld id="{6C7F2551-9F6C-44B5-880F-AA7CE6DE8A99}" type="datetimeFigureOut">
               <a:rPr lang="zh-TW" altLang="en-US" smtClean="0"/>
-              <a:t>2023/3/14</a:t>
+              <a:t>2023/3/15</a:t>
             </a:fld>
             <a:endParaRPr lang="zh-TW" altLang="en-US"/>
           </a:p>
@@ -872,7 +871,7 @@
           <a:p>
             <a:fld id="{6C7F2551-9F6C-44B5-880F-AA7CE6DE8A99}" type="datetimeFigureOut">
               <a:rPr lang="zh-TW" altLang="en-US" smtClean="0"/>
-              <a:t>2023/3/14</a:t>
+              <a:t>2023/3/15</a:t>
             </a:fld>
             <a:endParaRPr lang="zh-TW" altLang="en-US"/>
           </a:p>
@@ -1147,7 +1146,7 @@
           <a:p>
             <a:fld id="{6C7F2551-9F6C-44B5-880F-AA7CE6DE8A99}" type="datetimeFigureOut">
               <a:rPr lang="zh-TW" altLang="en-US" smtClean="0"/>
-              <a:t>2023/3/14</a:t>
+              <a:t>2023/3/15</a:t>
             </a:fld>
             <a:endParaRPr lang="zh-TW" altLang="en-US"/>
           </a:p>
@@ -1412,7 +1411,7 @@
           <a:p>
             <a:fld id="{6C7F2551-9F6C-44B5-880F-AA7CE6DE8A99}" type="datetimeFigureOut">
               <a:rPr lang="zh-TW" altLang="en-US" smtClean="0"/>
-              <a:t>2023/3/14</a:t>
+              <a:t>2023/3/15</a:t>
             </a:fld>
             <a:endParaRPr lang="zh-TW" altLang="en-US"/>
           </a:p>
@@ -1824,7 +1823,7 @@
           <a:p>
             <a:fld id="{6C7F2551-9F6C-44B5-880F-AA7CE6DE8A99}" type="datetimeFigureOut">
               <a:rPr lang="zh-TW" altLang="en-US" smtClean="0"/>
-              <a:t>2023/3/14</a:t>
+              <a:t>2023/3/15</a:t>
             </a:fld>
             <a:endParaRPr lang="zh-TW" altLang="en-US"/>
           </a:p>
@@ -1965,7 +1964,7 @@
           <a:p>
             <a:fld id="{6C7F2551-9F6C-44B5-880F-AA7CE6DE8A99}" type="datetimeFigureOut">
               <a:rPr lang="zh-TW" altLang="en-US" smtClean="0"/>
-              <a:t>2023/3/14</a:t>
+              <a:t>2023/3/15</a:t>
             </a:fld>
             <a:endParaRPr lang="zh-TW" altLang="en-US"/>
           </a:p>
@@ -2078,7 +2077,7 @@
           <a:p>
             <a:fld id="{6C7F2551-9F6C-44B5-880F-AA7CE6DE8A99}" type="datetimeFigureOut">
               <a:rPr lang="zh-TW" altLang="en-US" smtClean="0"/>
-              <a:t>2023/3/14</a:t>
+              <a:t>2023/3/15</a:t>
             </a:fld>
             <a:endParaRPr lang="zh-TW" altLang="en-US"/>
           </a:p>
@@ -2389,7 +2388,7 @@
           <a:p>
             <a:fld id="{6C7F2551-9F6C-44B5-880F-AA7CE6DE8A99}" type="datetimeFigureOut">
               <a:rPr lang="zh-TW" altLang="en-US" smtClean="0"/>
-              <a:t>2023/3/14</a:t>
+              <a:t>2023/3/15</a:t>
             </a:fld>
             <a:endParaRPr lang="zh-TW" altLang="en-US"/>
           </a:p>
@@ -2677,7 +2676,7 @@
           <a:p>
             <a:fld id="{6C7F2551-9F6C-44B5-880F-AA7CE6DE8A99}" type="datetimeFigureOut">
               <a:rPr lang="zh-TW" altLang="en-US" smtClean="0"/>
-              <a:t>2023/3/14</a:t>
+              <a:t>2023/3/15</a:t>
             </a:fld>
             <a:endParaRPr lang="zh-TW" altLang="en-US"/>
           </a:p>
@@ -2918,7 +2917,7 @@
           <a:p>
             <a:fld id="{6C7F2551-9F6C-44B5-880F-AA7CE6DE8A99}" type="datetimeFigureOut">
               <a:rPr lang="zh-TW" altLang="en-US" smtClean="0"/>
-              <a:t>2023/3/14</a:t>
+              <a:t>2023/3/15</a:t>
             </a:fld>
             <a:endParaRPr lang="zh-TW" altLang="en-US"/>
           </a:p>
@@ -3393,1031 +3392,6 @@
 </p:sld>
 </file>
 
-<file path=ppt/slides/slide10.xml><?xml version="1.0" encoding="utf-8"?>
-<p:sld xmlns:a="http://schemas.openxmlformats.org/drawingml/2006/main" xmlns:r="http://schemas.openxmlformats.org/officeDocument/2006/relationships" xmlns:p="http://schemas.openxmlformats.org/presentationml/2006/main">
-  <p:cSld>
-    <p:spTree>
-      <p:nvGrpSpPr>
-        <p:cNvPr id="1" name=""/>
-        <p:cNvGrpSpPr/>
-        <p:nvPr/>
-      </p:nvGrpSpPr>
-      <p:grpSpPr>
-        <a:xfrm>
-          <a:off x="0" y="0"/>
-          <a:ext cx="0" cy="0"/>
-          <a:chOff x="0" y="0"/>
-          <a:chExt cx="0" cy="0"/>
-        </a:xfrm>
-      </p:grpSpPr>
-      <p:sp>
-        <p:nvSpPr>
-          <p:cNvPr id="2" name="標題 1">
-            <a:extLst>
-              <a:ext uri="{FF2B5EF4-FFF2-40B4-BE49-F238E27FC236}">
-                <a16:creationId xmlns:a16="http://schemas.microsoft.com/office/drawing/2014/main" id="{451D1E9B-4C11-46A5-ACDF-7B8DB560D676}"/>
-              </a:ext>
-            </a:extLst>
-          </p:cNvPr>
-          <p:cNvSpPr>
-            <a:spLocks noGrp="1"/>
-          </p:cNvSpPr>
-          <p:nvPr>
-            <p:ph type="title"/>
-          </p:nvPr>
-        </p:nvSpPr>
-        <p:spPr/>
-        <p:txBody>
-          <a:bodyPr/>
-          <a:lstStyle/>
-          <a:p>
-            <a:r>
-              <a:rPr lang="zh-TW" altLang="en-US" dirty="0">
-                <a:latin typeface="Times New Roman" panose="02020603050405020304" pitchFamily="18" charset="0"/>
-                <a:ea typeface="標楷體" panose="03000509000000000000" pitchFamily="65" charset="-120"/>
-                <a:cs typeface="Times New Roman" panose="02020603050405020304" pitchFamily="18" charset="0"/>
-              </a:rPr>
-              <a:t>已抵扣</a:t>
-            </a:r>
-            <a:r>
-              <a:rPr lang="en-US" altLang="zh-TW" dirty="0">
-                <a:latin typeface="Times New Roman" panose="02020603050405020304" pitchFamily="18" charset="0"/>
-                <a:ea typeface="標楷體" panose="03000509000000000000" pitchFamily="65" charset="-120"/>
-                <a:cs typeface="Times New Roman" panose="02020603050405020304" pitchFamily="18" charset="0"/>
-              </a:rPr>
-              <a:t>(</a:t>
-            </a:r>
-            <a:r>
-              <a:rPr lang="zh-TW" altLang="en-US" dirty="0">
-                <a:latin typeface="Times New Roman" panose="02020603050405020304" pitchFamily="18" charset="0"/>
-                <a:ea typeface="標楷體" panose="03000509000000000000" pitchFamily="65" charset="-120"/>
-                <a:cs typeface="Times New Roman" panose="02020603050405020304" pitchFamily="18" charset="0"/>
-              </a:rPr>
-              <a:t>檢視帳單明細</a:t>
-            </a:r>
-            <a:r>
-              <a:rPr lang="en-US" altLang="zh-TW" dirty="0">
-                <a:latin typeface="Times New Roman" panose="02020603050405020304" pitchFamily="18" charset="0"/>
-                <a:ea typeface="標楷體" panose="03000509000000000000" pitchFamily="65" charset="-120"/>
-                <a:cs typeface="Times New Roman" panose="02020603050405020304" pitchFamily="18" charset="0"/>
-              </a:rPr>
-              <a:t>)</a:t>
-            </a:r>
-            <a:endParaRPr lang="zh-TW" altLang="en-US" dirty="0">
-              <a:latin typeface="Times New Roman" panose="02020603050405020304" pitchFamily="18" charset="0"/>
-              <a:ea typeface="標楷體" panose="03000509000000000000" pitchFamily="65" charset="-120"/>
-              <a:cs typeface="Times New Roman" panose="02020603050405020304" pitchFamily="18" charset="0"/>
-            </a:endParaRPr>
-          </a:p>
-        </p:txBody>
-      </p:sp>
-      <p:sp>
-        <p:nvSpPr>
-          <p:cNvPr id="5" name="文字方塊 4">
-            <a:extLst>
-              <a:ext uri="{FF2B5EF4-FFF2-40B4-BE49-F238E27FC236}">
-                <a16:creationId xmlns:a16="http://schemas.microsoft.com/office/drawing/2014/main" id="{85CC978D-1391-4CAB-AB69-D903F1BC9717}"/>
-              </a:ext>
-            </a:extLst>
-          </p:cNvPr>
-          <p:cNvSpPr txBox="1"/>
-          <p:nvPr/>
-        </p:nvSpPr>
-        <p:spPr>
-          <a:xfrm>
-            <a:off x="8174355" y="773460"/>
-            <a:ext cx="2245995" cy="6001643"/>
-          </a:xfrm>
-          <a:prstGeom prst="rect">
-            <a:avLst/>
-          </a:prstGeom>
-          <a:noFill/>
-          <a:ln>
-            <a:solidFill>
-              <a:schemeClr val="tx1"/>
-            </a:solidFill>
-          </a:ln>
-        </p:spPr>
-        <p:txBody>
-          <a:bodyPr wrap="square">
-            <a:spAutoFit/>
-          </a:bodyPr>
-          <a:lstStyle/>
-          <a:p>
-            <a:r>
-              <a:rPr lang="zh-TW" altLang="en-US" sz="800" dirty="0"/>
-              <a:t>[</a:t>
-            </a:r>
-          </a:p>
-          <a:p>
-            <a:r>
-              <a:rPr lang="zh-TW" altLang="en-US" sz="800" dirty="0"/>
-              <a:t>    {</a:t>
-            </a:r>
-          </a:p>
-          <a:p>
-            <a:r>
-              <a:rPr lang="zh-TW" altLang="en-US" sz="800" dirty="0"/>
-              <a:t>        "BillDetailData": {</a:t>
-            </a:r>
-          </a:p>
-          <a:p>
-            <a:r>
-              <a:rPr lang="zh-TW" altLang="en-US" sz="800" dirty="0"/>
-              <a:t>            "BillDetailID": 1,</a:t>
-            </a:r>
-          </a:p>
-          <a:p>
-            <a:r>
-              <a:rPr lang="zh-TW" altLang="en-US" sz="800" dirty="0"/>
-              <a:t>            "BillMasterID": 2,</a:t>
-            </a:r>
-          </a:p>
-          <a:p>
-            <a:r>
-              <a:rPr lang="zh-TW" altLang="en-US" sz="800" dirty="0"/>
-              <a:t>            "WKMasterID": 3,</a:t>
-            </a:r>
-          </a:p>
-          <a:p>
-            <a:r>
-              <a:rPr lang="zh-TW" altLang="en-US" sz="800" dirty="0"/>
-              <a:t>            "InvDetailID": 4,</a:t>
-            </a:r>
-          </a:p>
-          <a:p>
-            <a:r>
-              <a:rPr lang="zh-TW" altLang="en-US" sz="800" dirty="0"/>
-              <a:t>            "PartyName": "string",</a:t>
-            </a:r>
-          </a:p>
-          <a:p>
-            <a:r>
-              <a:rPr lang="zh-TW" altLang="en-US" sz="800" dirty="0"/>
-              <a:t>            "SupplierName": "string",</a:t>
-            </a:r>
-          </a:p>
-          <a:p>
-            <a:r>
-              <a:rPr lang="zh-TW" altLang="en-US" sz="800" dirty="0"/>
-              <a:t>            "SubmarineCable": "string",</a:t>
-            </a:r>
-          </a:p>
-          <a:p>
-            <a:r>
-              <a:rPr lang="zh-TW" altLang="en-US" sz="800" dirty="0"/>
-              <a:t>            "WorkTitle": "string",</a:t>
-            </a:r>
-          </a:p>
-          <a:p>
-            <a:r>
-              <a:rPr lang="zh-TW" altLang="en-US" sz="800" dirty="0"/>
-              <a:t>            "BillMilestone": "string",</a:t>
-            </a:r>
-          </a:p>
-          <a:p>
-            <a:r>
-              <a:rPr lang="zh-TW" altLang="en-US" sz="800" dirty="0"/>
-              <a:t>            "FeeItem": "string",</a:t>
-            </a:r>
-          </a:p>
-          <a:p>
-            <a:r>
-              <a:rPr lang="zh-TW" altLang="en-US" sz="800" dirty="0"/>
-              <a:t>            "OrgFeeAmount": 123.45,</a:t>
-            </a:r>
-          </a:p>
-          <a:p>
-            <a:r>
-              <a:rPr lang="zh-TW" altLang="en-US" sz="800" dirty="0"/>
-              <a:t>            "DedAmount": 123.45,</a:t>
-            </a:r>
-          </a:p>
-          <a:p>
-            <a:r>
-              <a:rPr lang="zh-TW" altLang="en-US" sz="800" dirty="0"/>
-              <a:t>            "FeeAmount": 123.45,</a:t>
-            </a:r>
-          </a:p>
-          <a:p>
-            <a:r>
-              <a:rPr lang="zh-TW" altLang="en-US" sz="800" dirty="0"/>
-              <a:t>            "ReceivedAmount": 123.45,</a:t>
-            </a:r>
-          </a:p>
-          <a:p>
-            <a:r>
-              <a:rPr lang="zh-TW" altLang="en-US" sz="800" dirty="0"/>
-              <a:t>            "OverAmount": 123.45,</a:t>
-            </a:r>
-          </a:p>
-          <a:p>
-            <a:r>
-              <a:rPr lang="zh-TW" altLang="en-US" sz="800" dirty="0"/>
-              <a:t>            "ShortAmount": 123.45,</a:t>
-            </a:r>
-          </a:p>
-          <a:p>
-            <a:r>
-              <a:rPr lang="zh-TW" altLang="en-US" sz="800" dirty="0"/>
-              <a:t>            "BankFees": 123.45,</a:t>
-            </a:r>
-          </a:p>
-          <a:p>
-            <a:r>
-              <a:rPr lang="zh-TW" altLang="en-US" sz="800" dirty="0"/>
-              <a:t>            "ToCBAmount": 123.45,</a:t>
-            </a:r>
-          </a:p>
-          <a:p>
-            <a:r>
-              <a:rPr lang="zh-TW" altLang="en-US" sz="800" dirty="0"/>
-              <a:t>            "ShortOverReason": "string",</a:t>
-            </a:r>
-          </a:p>
-          <a:p>
-            <a:r>
-              <a:rPr lang="zh-TW" altLang="en-US" sz="800" dirty="0"/>
-              <a:t>            "WriteOffDate": "2023-03-14 00:00:00",</a:t>
-            </a:r>
-          </a:p>
-          <a:p>
-            <a:r>
-              <a:rPr lang="zh-TW" altLang="en-US" sz="800" dirty="0"/>
-              <a:t>            "ReceiveDate": "2023-03-14 00:00:00",</a:t>
-            </a:r>
-          </a:p>
-          <a:p>
-            <a:r>
-              <a:rPr lang="zh-TW" altLang="en-US" sz="800" dirty="0"/>
-              <a:t>            "Note": "string",</a:t>
-            </a:r>
-          </a:p>
-          <a:p>
-            <a:r>
-              <a:rPr lang="zh-TW" altLang="en-US" sz="800" dirty="0"/>
-              <a:t>            "Status": "string"</a:t>
-            </a:r>
-          </a:p>
-          <a:p>
-            <a:r>
-              <a:rPr lang="zh-TW" altLang="en-US" sz="800" dirty="0"/>
-              <a:t>        },</a:t>
-            </a:r>
-          </a:p>
-          <a:p>
-            <a:r>
-              <a:rPr lang="zh-TW" altLang="en-US" sz="800" dirty="0"/>
-              <a:t>        "CBData": [</a:t>
-            </a:r>
-          </a:p>
-          <a:p>
-            <a:r>
-              <a:rPr lang="zh-TW" altLang="en-US" sz="800" dirty="0"/>
-              <a:t>            {</a:t>
-            </a:r>
-          </a:p>
-          <a:p>
-            <a:r>
-              <a:rPr lang="zh-TW" altLang="en-US" sz="800" dirty="0"/>
-              <a:t>                "CBID": 1,</a:t>
-            </a:r>
-          </a:p>
-          <a:p>
-            <a:r>
-              <a:rPr lang="zh-TW" altLang="en-US" sz="800" dirty="0"/>
-              <a:t>                "CBType": "string",</a:t>
-            </a:r>
-          </a:p>
-          <a:p>
-            <a:r>
-              <a:rPr lang="zh-TW" altLang="en-US" sz="800" dirty="0"/>
-              <a:t>                "BillingNo": "string",</a:t>
-            </a:r>
-          </a:p>
-          <a:p>
-            <a:r>
-              <a:rPr lang="zh-TW" altLang="en-US" sz="800" dirty="0"/>
-              <a:t>                "BLDetailID": 2,</a:t>
-            </a:r>
-          </a:p>
-          <a:p>
-            <a:r>
-              <a:rPr lang="zh-TW" altLang="en-US" sz="800" dirty="0"/>
-              <a:t>                "SubmarineCable": "string",</a:t>
-            </a:r>
-          </a:p>
-          <a:p>
-            <a:r>
-              <a:rPr lang="zh-TW" altLang="en-US" sz="800" dirty="0"/>
-              <a:t>                "WorkTitle": "string",</a:t>
-            </a:r>
-          </a:p>
-          <a:p>
-            <a:r>
-              <a:rPr lang="zh-TW" altLang="en-US" sz="800" dirty="0"/>
-              <a:t>                "BillMilestone": "string",</a:t>
-            </a:r>
-          </a:p>
-          <a:p>
-            <a:r>
-              <a:rPr lang="zh-TW" altLang="en-US" sz="800" dirty="0"/>
-              <a:t>                "PartyName": "string",</a:t>
-            </a:r>
-          </a:p>
-          <a:p>
-            <a:r>
-              <a:rPr lang="zh-TW" altLang="en-US" sz="800" dirty="0"/>
-              <a:t>                "InvoiceNo": "string",</a:t>
-            </a:r>
-          </a:p>
-          <a:p>
-            <a:r>
-              <a:rPr lang="zh-TW" altLang="en-US" sz="800" dirty="0"/>
-              <a:t>                "CurrAmount": 123.45,</a:t>
-            </a:r>
-          </a:p>
-          <a:p>
-            <a:r>
-              <a:rPr lang="zh-TW" altLang="en-US" sz="800" dirty="0"/>
-              <a:t>                "CreateDate": "2023-03-14 00:00:00",</a:t>
-            </a:r>
-          </a:p>
-          <a:p>
-            <a:r>
-              <a:rPr lang="zh-TW" altLang="en-US" sz="800" dirty="0"/>
-              <a:t>                "LastUpdDate": "2023-03-14 00:00:00",</a:t>
-            </a:r>
-          </a:p>
-          <a:p>
-            <a:r>
-              <a:rPr lang="zh-TW" altLang="en-US" sz="800" dirty="0"/>
-              <a:t>                "Note": "string"</a:t>
-            </a:r>
-          </a:p>
-          <a:p>
-            <a:r>
-              <a:rPr lang="zh-TW" altLang="en-US" sz="800" dirty="0"/>
-              <a:t>            },</a:t>
-            </a:r>
-          </a:p>
-          <a:p>
-            <a:r>
-              <a:rPr lang="zh-TW" altLang="en-US" sz="800" dirty="0"/>
-              <a:t>            {...}</a:t>
-            </a:r>
-          </a:p>
-          <a:p>
-            <a:r>
-              <a:rPr lang="zh-TW" altLang="en-US" sz="800" dirty="0"/>
-              <a:t>        ]</a:t>
-            </a:r>
-          </a:p>
-          <a:p>
-            <a:r>
-              <a:rPr lang="zh-TW" altLang="en-US" sz="800" dirty="0"/>
-              <a:t>    },</a:t>
-            </a:r>
-          </a:p>
-          <a:p>
-            <a:r>
-              <a:rPr lang="zh-TW" altLang="en-US" sz="800" dirty="0"/>
-              <a:t>    {...}</a:t>
-            </a:r>
-          </a:p>
-          <a:p>
-            <a:r>
-              <a:rPr lang="zh-TW" altLang="en-US" sz="800" dirty="0"/>
-              <a:t>]</a:t>
-            </a:r>
-          </a:p>
-        </p:txBody>
-      </p:sp>
-      <p:pic>
-        <p:nvPicPr>
-          <p:cNvPr id="6" name="圖片 5">
-            <a:extLst>
-              <a:ext uri="{FF2B5EF4-FFF2-40B4-BE49-F238E27FC236}">
-                <a16:creationId xmlns:a16="http://schemas.microsoft.com/office/drawing/2014/main" id="{908CA1B4-E862-4DF9-99F1-C2ACFB65C857}"/>
-              </a:ext>
-            </a:extLst>
-          </p:cNvPr>
-          <p:cNvPicPr>
-            <a:picLocks noChangeAspect="1"/>
-          </p:cNvPicPr>
-          <p:nvPr/>
-        </p:nvPicPr>
-        <p:blipFill>
-          <a:blip r:embed="rId2"/>
-          <a:stretch>
-            <a:fillRect/>
-          </a:stretch>
-        </p:blipFill>
-        <p:spPr>
-          <a:xfrm>
-            <a:off x="838200" y="1520359"/>
-            <a:ext cx="6594896" cy="1405614"/>
-          </a:xfrm>
-          <a:prstGeom prst="rect">
-            <a:avLst/>
-          </a:prstGeom>
-        </p:spPr>
-      </p:pic>
-      <p:pic>
-        <p:nvPicPr>
-          <p:cNvPr id="8" name="圖片 7">
-            <a:extLst>
-              <a:ext uri="{FF2B5EF4-FFF2-40B4-BE49-F238E27FC236}">
-                <a16:creationId xmlns:a16="http://schemas.microsoft.com/office/drawing/2014/main" id="{0CCB49DC-B830-4D5F-A6A1-7B4702AEB362}"/>
-              </a:ext>
-            </a:extLst>
-          </p:cNvPr>
-          <p:cNvPicPr>
-            <a:picLocks noChangeAspect="1"/>
-          </p:cNvPicPr>
-          <p:nvPr/>
-        </p:nvPicPr>
-        <p:blipFill>
-          <a:blip r:embed="rId3"/>
-          <a:stretch>
-            <a:fillRect/>
-          </a:stretch>
-        </p:blipFill>
-        <p:spPr>
-          <a:xfrm>
-            <a:off x="992432" y="3171990"/>
-            <a:ext cx="4359134" cy="2121810"/>
-          </a:xfrm>
-          <a:prstGeom prst="rect">
-            <a:avLst/>
-          </a:prstGeom>
-        </p:spPr>
-      </p:pic>
-      <p:sp>
-        <p:nvSpPr>
-          <p:cNvPr id="9" name="矩形 8">
-            <a:extLst>
-              <a:ext uri="{FF2B5EF4-FFF2-40B4-BE49-F238E27FC236}">
-                <a16:creationId xmlns:a16="http://schemas.microsoft.com/office/drawing/2014/main" id="{0B037041-AB4C-48E1-9E4A-C00808EBF128}"/>
-              </a:ext>
-            </a:extLst>
-          </p:cNvPr>
-          <p:cNvSpPr/>
-          <p:nvPr/>
-        </p:nvSpPr>
-        <p:spPr>
-          <a:xfrm>
-            <a:off x="5797550" y="2454275"/>
-            <a:ext cx="276225" cy="133350"/>
-          </a:xfrm>
-          <a:prstGeom prst="rect">
-            <a:avLst/>
-          </a:prstGeom>
-          <a:noFill/>
-          <a:ln>
-            <a:solidFill>
-              <a:srgbClr val="FF0000"/>
-            </a:solidFill>
-          </a:ln>
-        </p:spPr>
-        <p:style>
-          <a:lnRef idx="2">
-            <a:schemeClr val="accent1">
-              <a:shade val="50000"/>
-            </a:schemeClr>
-          </a:lnRef>
-          <a:fillRef idx="1">
-            <a:schemeClr val="accent1"/>
-          </a:fillRef>
-          <a:effectRef idx="0">
-            <a:schemeClr val="accent1"/>
-          </a:effectRef>
-          <a:fontRef idx="minor">
-            <a:schemeClr val="lt1"/>
-          </a:fontRef>
-        </p:style>
-        <p:txBody>
-          <a:bodyPr rtlCol="0" anchor="ctr"/>
-          <a:lstStyle/>
-          <a:p>
-            <a:pPr algn="ctr"/>
-            <a:endParaRPr lang="zh-TW" altLang="en-US"/>
-          </a:p>
-        </p:txBody>
-      </p:sp>
-      <p:cxnSp>
-        <p:nvCxnSpPr>
-          <p:cNvPr id="11" name="接點: 肘形 10">
-            <a:extLst>
-              <a:ext uri="{FF2B5EF4-FFF2-40B4-BE49-F238E27FC236}">
-                <a16:creationId xmlns:a16="http://schemas.microsoft.com/office/drawing/2014/main" id="{7F79EE97-5DD0-47F5-AFAA-F76A5984E1C9}"/>
-              </a:ext>
-            </a:extLst>
-          </p:cNvPr>
-          <p:cNvCxnSpPr>
-            <a:cxnSpLocks/>
-            <a:stCxn id="9" idx="1"/>
-            <a:endCxn id="8" idx="0"/>
-          </p:cNvCxnSpPr>
-          <p:nvPr/>
-        </p:nvCxnSpPr>
-        <p:spPr>
-          <a:xfrm rot="10800000" flipV="1">
-            <a:off x="3172000" y="2520950"/>
-            <a:ext cx="2625551" cy="651040"/>
-          </a:xfrm>
-          <a:prstGeom prst="bentConnector2">
-            <a:avLst/>
-          </a:prstGeom>
-          <a:ln>
-            <a:solidFill>
-              <a:srgbClr val="FF0000"/>
-            </a:solidFill>
-            <a:tailEnd type="triangle"/>
-          </a:ln>
-        </p:spPr>
-        <p:style>
-          <a:lnRef idx="1">
-            <a:schemeClr val="accent1"/>
-          </a:lnRef>
-          <a:fillRef idx="0">
-            <a:schemeClr val="accent1"/>
-          </a:fillRef>
-          <a:effectRef idx="0">
-            <a:schemeClr val="accent1"/>
-          </a:effectRef>
-          <a:fontRef idx="minor">
-            <a:schemeClr val="tx1"/>
-          </a:fontRef>
-        </p:style>
-      </p:cxnSp>
-      <p:sp>
-        <p:nvSpPr>
-          <p:cNvPr id="17" name="文字方塊 16">
-            <a:extLst>
-              <a:ext uri="{FF2B5EF4-FFF2-40B4-BE49-F238E27FC236}">
-                <a16:creationId xmlns:a16="http://schemas.microsoft.com/office/drawing/2014/main" id="{947E2C01-8619-436C-B0F2-DE2E213922E9}"/>
-              </a:ext>
-            </a:extLst>
-          </p:cNvPr>
-          <p:cNvSpPr txBox="1"/>
-          <p:nvPr/>
-        </p:nvSpPr>
-        <p:spPr>
-          <a:xfrm>
-            <a:off x="992432" y="5384415"/>
-            <a:ext cx="3961449" cy="1477328"/>
-          </a:xfrm>
-          <a:prstGeom prst="rect">
-            <a:avLst/>
-          </a:prstGeom>
-          <a:noFill/>
-          <a:ln>
-            <a:solidFill>
-              <a:schemeClr val="tx1"/>
-            </a:solidFill>
-          </a:ln>
-        </p:spPr>
-        <p:txBody>
-          <a:bodyPr wrap="square">
-            <a:spAutoFit/>
-          </a:bodyPr>
-          <a:lstStyle/>
-          <a:p>
-            <a:r>
-              <a:rPr lang="zh-TW" altLang="en-US" sz="1000" dirty="0">
-                <a:latin typeface="Times New Roman" panose="02020603050405020304" pitchFamily="18" charset="0"/>
-                <a:cs typeface="Times New Roman" panose="02020603050405020304" pitchFamily="18" charset="0"/>
-              </a:rPr>
-              <a:t>Method: POST</a:t>
-            </a:r>
-          </a:p>
-          <a:p>
-            <a:r>
-              <a:rPr lang="zh-TW" altLang="en-US" sz="1000" dirty="0">
-                <a:latin typeface="Times New Roman" panose="02020603050405020304" pitchFamily="18" charset="0"/>
-                <a:cs typeface="Times New Roman" panose="02020603050405020304" pitchFamily="18" charset="0"/>
-              </a:rPr>
-              <a:t>URL: </a:t>
-            </a:r>
-            <a:r>
-              <a:rPr lang="zh-TW" altLang="en-US" sz="1000" dirty="0">
-                <a:latin typeface="Times New Roman" panose="02020603050405020304" pitchFamily="18" charset="0"/>
-                <a:cs typeface="Times New Roman" panose="02020603050405020304" pitchFamily="18" charset="0"/>
-                <a:hlinkClick r:id="rId4"/>
-              </a:rPr>
-              <a:t>http://localhost:8000/api/v1/getBillMaster&amp;BillDetailWithCBData</a:t>
-            </a:r>
-            <a:endParaRPr lang="en-US" altLang="zh-TW" sz="1000" dirty="0">
-              <a:latin typeface="Times New Roman" panose="02020603050405020304" pitchFamily="18" charset="0"/>
-              <a:cs typeface="Times New Roman" panose="02020603050405020304" pitchFamily="18" charset="0"/>
-            </a:endParaRPr>
-          </a:p>
-          <a:p>
-            <a:r>
-              <a:rPr lang="en-US" altLang="zh-TW" sz="1000" dirty="0">
-                <a:latin typeface="Times New Roman" panose="02020603050405020304" pitchFamily="18" charset="0"/>
-                <a:cs typeface="Times New Roman" panose="02020603050405020304" pitchFamily="18" charset="0"/>
-              </a:rPr>
-              <a:t>POST</a:t>
-            </a:r>
-            <a:r>
-              <a:rPr lang="zh-TW" altLang="en-US" sz="1000" dirty="0">
-                <a:latin typeface="Times New Roman" panose="02020603050405020304" pitchFamily="18" charset="0"/>
-                <a:cs typeface="Times New Roman" panose="02020603050405020304" pitchFamily="18" charset="0"/>
-              </a:rPr>
-              <a:t> </a:t>
-            </a:r>
-            <a:r>
-              <a:rPr lang="en-US" altLang="zh-TW" sz="1000" dirty="0">
-                <a:latin typeface="Times New Roman" panose="02020603050405020304" pitchFamily="18" charset="0"/>
-                <a:cs typeface="Times New Roman" panose="02020603050405020304" pitchFamily="18" charset="0"/>
-              </a:rPr>
-              <a:t>Body:</a:t>
-            </a:r>
-          </a:p>
-          <a:p>
-            <a:endParaRPr lang="en-US" altLang="zh-TW" sz="1000" dirty="0">
-              <a:latin typeface="Times New Roman" panose="02020603050405020304" pitchFamily="18" charset="0"/>
-              <a:cs typeface="Times New Roman" panose="02020603050405020304" pitchFamily="18" charset="0"/>
-            </a:endParaRPr>
-          </a:p>
-          <a:p>
-            <a:r>
-              <a:rPr lang="en-US" altLang="zh-TW" sz="1000" dirty="0">
-                <a:latin typeface="Times New Roman" panose="02020603050405020304" pitchFamily="18" charset="0"/>
-                <a:cs typeface="Times New Roman" panose="02020603050405020304" pitchFamily="18" charset="0"/>
-              </a:rPr>
-              <a:t>{</a:t>
-            </a:r>
-          </a:p>
-          <a:p>
-            <a:r>
-              <a:rPr lang="en-US" altLang="zh-TW" sz="1000" dirty="0">
-                <a:latin typeface="Times New Roman" panose="02020603050405020304" pitchFamily="18" charset="0"/>
-                <a:cs typeface="Times New Roman" panose="02020603050405020304" pitchFamily="18" charset="0"/>
-              </a:rPr>
-              <a:t>    "</a:t>
-            </a:r>
-            <a:r>
-              <a:rPr lang="en-US" altLang="zh-TW" sz="1000" dirty="0" err="1">
-                <a:latin typeface="Times New Roman" panose="02020603050405020304" pitchFamily="18" charset="0"/>
-                <a:cs typeface="Times New Roman" panose="02020603050405020304" pitchFamily="18" charset="0"/>
-              </a:rPr>
-              <a:t>BillMasterID</a:t>
-            </a:r>
-            <a:r>
-              <a:rPr lang="en-US" altLang="zh-TW" sz="1000" dirty="0">
-                <a:latin typeface="Times New Roman" panose="02020603050405020304" pitchFamily="18" charset="0"/>
-                <a:cs typeface="Times New Roman" panose="02020603050405020304" pitchFamily="18" charset="0"/>
-              </a:rPr>
-              <a:t>": 1</a:t>
-            </a:r>
-          </a:p>
-          <a:p>
-            <a:r>
-              <a:rPr lang="en-US" altLang="zh-TW" sz="1000" dirty="0">
-                <a:latin typeface="Times New Roman" panose="02020603050405020304" pitchFamily="18" charset="0"/>
-                <a:cs typeface="Times New Roman" panose="02020603050405020304" pitchFamily="18" charset="0"/>
-              </a:rPr>
-              <a:t>}</a:t>
-            </a:r>
-            <a:endParaRPr lang="zh-TW" altLang="en-US" sz="1000" dirty="0">
-              <a:latin typeface="Times New Roman" panose="02020603050405020304" pitchFamily="18" charset="0"/>
-              <a:cs typeface="Times New Roman" panose="02020603050405020304" pitchFamily="18" charset="0"/>
-            </a:endParaRPr>
-          </a:p>
-          <a:p>
-            <a:endParaRPr lang="en-US" altLang="zh-TW" sz="1000" dirty="0">
-              <a:latin typeface="Times New Roman" panose="02020603050405020304" pitchFamily="18" charset="0"/>
-              <a:cs typeface="Times New Roman" panose="02020603050405020304" pitchFamily="18" charset="0"/>
-            </a:endParaRPr>
-          </a:p>
-          <a:p>
-            <a:r>
-              <a:rPr lang="zh-TW" altLang="en-US" sz="1000" dirty="0">
-                <a:highlight>
-                  <a:srgbClr val="FFFF00"/>
-                </a:highlight>
-                <a:latin typeface="標楷體" panose="03000509000000000000" pitchFamily="65" charset="-120"/>
-                <a:ea typeface="標楷體" panose="03000509000000000000" pitchFamily="65" charset="-120"/>
-                <a:cs typeface="Times New Roman" panose="02020603050405020304" pitchFamily="18" charset="0"/>
-              </a:rPr>
-              <a:t>回傳值</a:t>
-            </a:r>
-          </a:p>
-        </p:txBody>
-      </p:sp>
-      <p:cxnSp>
-        <p:nvCxnSpPr>
-          <p:cNvPr id="22" name="接點: 肘形 21">
-            <a:extLst>
-              <a:ext uri="{FF2B5EF4-FFF2-40B4-BE49-F238E27FC236}">
-                <a16:creationId xmlns:a16="http://schemas.microsoft.com/office/drawing/2014/main" id="{AE75ADB8-BC63-45DF-B99D-223C7C7CAA78}"/>
-              </a:ext>
-            </a:extLst>
-          </p:cNvPr>
-          <p:cNvCxnSpPr>
-            <a:cxnSpLocks/>
-            <a:stCxn id="9" idx="2"/>
-            <a:endCxn id="17" idx="3"/>
-          </p:cNvCxnSpPr>
-          <p:nvPr/>
-        </p:nvCxnSpPr>
-        <p:spPr>
-          <a:xfrm rot="5400000">
-            <a:off x="3677045" y="3864461"/>
-            <a:ext cx="3535454" cy="981782"/>
-          </a:xfrm>
-          <a:prstGeom prst="bentConnector2">
-            <a:avLst/>
-          </a:prstGeom>
-          <a:ln>
-            <a:solidFill>
-              <a:srgbClr val="FF0000"/>
-            </a:solidFill>
-            <a:tailEnd type="triangle"/>
-          </a:ln>
-        </p:spPr>
-        <p:style>
-          <a:lnRef idx="1">
-            <a:schemeClr val="accent1"/>
-          </a:lnRef>
-          <a:fillRef idx="0">
-            <a:schemeClr val="accent1"/>
-          </a:fillRef>
-          <a:effectRef idx="0">
-            <a:schemeClr val="accent1"/>
-          </a:effectRef>
-          <a:fontRef idx="minor">
-            <a:schemeClr val="tx1"/>
-          </a:fontRef>
-        </p:style>
-      </p:cxnSp>
-      <p:sp>
-        <p:nvSpPr>
-          <p:cNvPr id="26" name="矩形 25">
-            <a:extLst>
-              <a:ext uri="{FF2B5EF4-FFF2-40B4-BE49-F238E27FC236}">
-                <a16:creationId xmlns:a16="http://schemas.microsoft.com/office/drawing/2014/main" id="{F93C8784-F4D8-47E5-B9E2-BE6CBB743229}"/>
-              </a:ext>
-            </a:extLst>
-          </p:cNvPr>
-          <p:cNvSpPr/>
-          <p:nvPr/>
-        </p:nvSpPr>
-        <p:spPr>
-          <a:xfrm>
-            <a:off x="1060450" y="6019800"/>
-            <a:ext cx="1069975" cy="495300"/>
-          </a:xfrm>
-          <a:prstGeom prst="rect">
-            <a:avLst/>
-          </a:prstGeom>
-          <a:noFill/>
-          <a:ln>
-            <a:solidFill>
-              <a:schemeClr val="tx1"/>
-            </a:solidFill>
-          </a:ln>
-        </p:spPr>
-        <p:style>
-          <a:lnRef idx="2">
-            <a:schemeClr val="accent1">
-              <a:shade val="50000"/>
-            </a:schemeClr>
-          </a:lnRef>
-          <a:fillRef idx="1">
-            <a:schemeClr val="accent1"/>
-          </a:fillRef>
-          <a:effectRef idx="0">
-            <a:schemeClr val="accent1"/>
-          </a:effectRef>
-          <a:fontRef idx="minor">
-            <a:schemeClr val="lt1"/>
-          </a:fontRef>
-        </p:style>
-        <p:txBody>
-          <a:bodyPr rtlCol="0" anchor="ctr"/>
-          <a:lstStyle/>
-          <a:p>
-            <a:pPr algn="ctr"/>
-            <a:endParaRPr lang="zh-TW" altLang="en-US"/>
-          </a:p>
-        </p:txBody>
-      </p:sp>
-      <p:sp>
-        <p:nvSpPr>
-          <p:cNvPr id="28" name="矩形 27">
-            <a:extLst>
-              <a:ext uri="{FF2B5EF4-FFF2-40B4-BE49-F238E27FC236}">
-                <a16:creationId xmlns:a16="http://schemas.microsoft.com/office/drawing/2014/main" id="{F1D40C4A-470A-485A-8B72-68A1AED63D95}"/>
-              </a:ext>
-            </a:extLst>
-          </p:cNvPr>
-          <p:cNvSpPr/>
-          <p:nvPr/>
-        </p:nvSpPr>
-        <p:spPr>
-          <a:xfrm>
-            <a:off x="1083469" y="6662737"/>
-            <a:ext cx="373857" cy="142875"/>
-          </a:xfrm>
-          <a:prstGeom prst="rect">
-            <a:avLst/>
-          </a:prstGeom>
-          <a:noFill/>
-          <a:ln>
-            <a:solidFill>
-              <a:schemeClr val="tx1"/>
-            </a:solidFill>
-          </a:ln>
-        </p:spPr>
-        <p:style>
-          <a:lnRef idx="2">
-            <a:schemeClr val="accent1">
-              <a:shade val="50000"/>
-            </a:schemeClr>
-          </a:lnRef>
-          <a:fillRef idx="1">
-            <a:schemeClr val="accent1"/>
-          </a:fillRef>
-          <a:effectRef idx="0">
-            <a:schemeClr val="accent1"/>
-          </a:effectRef>
-          <a:fontRef idx="minor">
-            <a:schemeClr val="lt1"/>
-          </a:fontRef>
-        </p:style>
-        <p:txBody>
-          <a:bodyPr rtlCol="0" anchor="ctr"/>
-          <a:lstStyle/>
-          <a:p>
-            <a:pPr algn="ctr"/>
-            <a:endParaRPr lang="zh-TW" altLang="en-US"/>
-          </a:p>
-        </p:txBody>
-      </p:sp>
-      <p:cxnSp>
-        <p:nvCxnSpPr>
-          <p:cNvPr id="29" name="接點: 肘形 28">
-            <a:extLst>
-              <a:ext uri="{FF2B5EF4-FFF2-40B4-BE49-F238E27FC236}">
-                <a16:creationId xmlns:a16="http://schemas.microsoft.com/office/drawing/2014/main" id="{68642E29-0C88-46E5-9768-2CA5296FB59D}"/>
-              </a:ext>
-            </a:extLst>
-          </p:cNvPr>
-          <p:cNvCxnSpPr>
-            <a:cxnSpLocks/>
-            <a:stCxn id="28" idx="3"/>
-            <a:endCxn id="5" idx="1"/>
-          </p:cNvCxnSpPr>
-          <p:nvPr/>
-        </p:nvCxnSpPr>
-        <p:spPr>
-          <a:xfrm flipV="1">
-            <a:off x="1457326" y="3774282"/>
-            <a:ext cx="6717029" cy="2959893"/>
-          </a:xfrm>
-          <a:prstGeom prst="bentConnector3">
-            <a:avLst>
-              <a:gd name="adj1" fmla="val 83182"/>
-            </a:avLst>
-          </a:prstGeom>
-          <a:ln>
-            <a:solidFill>
-              <a:srgbClr val="FF0000"/>
-            </a:solidFill>
-            <a:tailEnd type="triangle"/>
-          </a:ln>
-        </p:spPr>
-        <p:style>
-          <a:lnRef idx="1">
-            <a:schemeClr val="accent1"/>
-          </a:lnRef>
-          <a:fillRef idx="0">
-            <a:schemeClr val="accent1"/>
-          </a:fillRef>
-          <a:effectRef idx="0">
-            <a:schemeClr val="accent1"/>
-          </a:effectRef>
-          <a:fontRef idx="minor">
-            <a:schemeClr val="tx1"/>
-          </a:fontRef>
-        </p:style>
-      </p:cxnSp>
-      <p:sp>
-        <p:nvSpPr>
-          <p:cNvPr id="33" name="矩形 32">
-            <a:extLst>
-              <a:ext uri="{FF2B5EF4-FFF2-40B4-BE49-F238E27FC236}">
-                <a16:creationId xmlns:a16="http://schemas.microsoft.com/office/drawing/2014/main" id="{A41AC749-319F-4EE9-8147-05E89922D21F}"/>
-              </a:ext>
-            </a:extLst>
-          </p:cNvPr>
-          <p:cNvSpPr/>
-          <p:nvPr/>
-        </p:nvSpPr>
-        <p:spPr>
-          <a:xfrm>
-            <a:off x="1344706" y="4168588"/>
-            <a:ext cx="3756212" cy="604731"/>
-          </a:xfrm>
-          <a:prstGeom prst="rect">
-            <a:avLst/>
-          </a:prstGeom>
-          <a:noFill/>
-          <a:ln>
-            <a:solidFill>
-              <a:srgbClr val="FF0000"/>
-            </a:solidFill>
-          </a:ln>
-        </p:spPr>
-        <p:style>
-          <a:lnRef idx="2">
-            <a:schemeClr val="accent1">
-              <a:shade val="50000"/>
-            </a:schemeClr>
-          </a:lnRef>
-          <a:fillRef idx="1">
-            <a:schemeClr val="accent1"/>
-          </a:fillRef>
-          <a:effectRef idx="0">
-            <a:schemeClr val="accent1"/>
-          </a:effectRef>
-          <a:fontRef idx="minor">
-            <a:schemeClr val="lt1"/>
-          </a:fontRef>
-        </p:style>
-        <p:txBody>
-          <a:bodyPr rtlCol="0" anchor="ctr"/>
-          <a:lstStyle/>
-          <a:p>
-            <a:pPr algn="ctr"/>
-            <a:endParaRPr lang="zh-TW" altLang="en-US"/>
-          </a:p>
-        </p:txBody>
-      </p:sp>
-      <p:cxnSp>
-        <p:nvCxnSpPr>
-          <p:cNvPr id="35" name="接點: 肘形 34">
-            <a:extLst>
-              <a:ext uri="{FF2B5EF4-FFF2-40B4-BE49-F238E27FC236}">
-                <a16:creationId xmlns:a16="http://schemas.microsoft.com/office/drawing/2014/main" id="{B6543C67-DB7F-411A-997B-E93A9A5F6A0E}"/>
-              </a:ext>
-            </a:extLst>
-          </p:cNvPr>
-          <p:cNvCxnSpPr>
-            <a:stCxn id="5" idx="0"/>
-          </p:cNvCxnSpPr>
-          <p:nvPr/>
-        </p:nvCxnSpPr>
-        <p:spPr>
-          <a:xfrm rot="16200000" flipH="1" flipV="1">
-            <a:off x="5385030" y="489347"/>
-            <a:ext cx="3628211" cy="4196435"/>
-          </a:xfrm>
-          <a:prstGeom prst="bentConnector4">
-            <a:avLst>
-              <a:gd name="adj1" fmla="val -6301"/>
-              <a:gd name="adj2" fmla="val 63380"/>
-            </a:avLst>
-          </a:prstGeom>
-          <a:ln>
-            <a:solidFill>
-              <a:srgbClr val="FF0000"/>
-            </a:solidFill>
-            <a:tailEnd type="triangle"/>
-          </a:ln>
-        </p:spPr>
-        <p:style>
-          <a:lnRef idx="1">
-            <a:schemeClr val="accent1"/>
-          </a:lnRef>
-          <a:fillRef idx="0">
-            <a:schemeClr val="accent1"/>
-          </a:fillRef>
-          <a:effectRef idx="0">
-            <a:schemeClr val="accent1"/>
-          </a:effectRef>
-          <a:fontRef idx="minor">
-            <a:schemeClr val="tx1"/>
-          </a:fontRef>
-        </p:style>
-      </p:cxnSp>
-    </p:spTree>
-    <p:extLst>
-      <p:ext uri="{BB962C8B-B14F-4D97-AF65-F5344CB8AC3E}">
-        <p14:creationId xmlns:p14="http://schemas.microsoft.com/office/powerpoint/2010/main" val="1284269504"/>
-      </p:ext>
-    </p:extLst>
-  </p:cSld>
-  <p:clrMapOvr>
-    <a:masterClrMapping/>
-  </p:clrMapOvr>
-</p:sld>
-</file>
-
 <file path=ppt/slides/slide2.xml><?xml version="1.0" encoding="utf-8"?>
 <p:sld xmlns:a="http://schemas.openxmlformats.org/drawingml/2006/main" xmlns:r="http://schemas.openxmlformats.org/officeDocument/2006/relationships" xmlns:p="http://schemas.openxmlformats.org/presentationml/2006/main">
   <p:cSld>
@@ -5033,7 +4007,7 @@
         <p:spPr>
           <a:xfrm>
             <a:off x="295382" y="304844"/>
-            <a:ext cx="6097712" cy="6401753"/>
+            <a:ext cx="6097712" cy="8710077"/>
           </a:xfrm>
           <a:prstGeom prst="rect">
             <a:avLst/>
@@ -5265,15 +4239,28 @@
             <a:pPr lvl="4"/>
             <a:r>
               <a:rPr lang="zh-TW" altLang="en-US" sz="1000" dirty="0"/>
-              <a:t>"FeeAmountPre": 1487661.54,</a:t>
+              <a:t>“FeeAmountPre”</a:t>
+            </a:r>
+            <a:r>
+              <a:rPr lang="en-US" altLang="zh-TW" sz="1000" dirty="0"/>
+              <a:t>1000</a:t>
+            </a:r>
+            <a:r>
+              <a:rPr lang="zh-TW" altLang="en-US" sz="1000" dirty="0"/>
+              <a:t>,</a:t>
             </a:r>
           </a:p>
           <a:p>
             <a:pPr lvl="4"/>
             <a:r>
               <a:rPr lang="zh-TW" altLang="en-US" sz="1000" dirty="0"/>
-              <a:t>"FeeAmountPost": 106261.54</a:t>
-            </a:r>
+              <a:t>“FeeAmountPost”: </a:t>
+            </a:r>
+            <a:r>
+              <a:rPr lang="en-US" altLang="zh-TW" sz="1000" dirty="0"/>
+              <a:t>400</a:t>
+            </a:r>
+            <a:endParaRPr lang="zh-TW" altLang="en-US" sz="1000" dirty="0"/>
           </a:p>
           <a:p>
             <a:pPr lvl="3"/>
@@ -5289,17 +4276,138 @@
           <a:p>
             <a:pPr lvl="3"/>
             <a:r>
+              <a:rPr lang="zh-TW" altLang="en-US" sz="1000" dirty="0"/>
+              <a:t>{</a:t>
+            </a:r>
+          </a:p>
+          <a:p>
+            <a:pPr lvl="4"/>
+            <a:r>
+              <a:rPr lang="zh-TW" altLang="en-US" sz="1000" dirty="0"/>
+              <a:t>"WKDetailID": 1,</a:t>
+            </a:r>
+          </a:p>
+          <a:p>
+            <a:pPr lvl="4"/>
+            <a:r>
+              <a:rPr lang="zh-TW" altLang="en-US" sz="1000" dirty="0"/>
+              <a:t>"InvDetailID": 33,</a:t>
+            </a:r>
+          </a:p>
+          <a:p>
+            <a:pPr lvl="4"/>
+            <a:r>
+              <a:rPr lang="zh-TW" altLang="en-US" sz="1000" dirty="0"/>
+              <a:t>"PartyName": "CHT",</a:t>
+            </a:r>
+          </a:p>
+          <a:p>
+            <a:pPr lvl="4"/>
+            <a:r>
+              <a:rPr lang="zh-TW" altLang="en-US" sz="1000" dirty="0"/>
+              <a:t>"SupplierName": "NEC",</a:t>
+            </a:r>
+          </a:p>
+          <a:p>
+            <a:pPr lvl="4"/>
+            <a:r>
+              <a:rPr lang="zh-TW" altLang="en-US" sz="1000" dirty="0"/>
+              <a:t>"WorkTitle": "Construction",</a:t>
+            </a:r>
+          </a:p>
+          <a:p>
+            <a:pPr lvl="4"/>
+            <a:r>
+              <a:rPr lang="zh-TW" altLang="en-US" sz="1000" dirty="0"/>
+              <a:t>"FeeItem": "BM12 Branching Units (100%)-Service",</a:t>
+            </a:r>
+          </a:p>
+          <a:p>
+            <a:pPr lvl="4"/>
+            <a:r>
+              <a:rPr lang="zh-TW" altLang="en-US" sz="1000" dirty="0"/>
+              <a:t>"LBRatio": 7.1428571429,</a:t>
+            </a:r>
+          </a:p>
+          <a:p>
+            <a:pPr lvl="4"/>
+            <a:r>
+              <a:rPr lang="zh-TW" altLang="en-US" sz="1000" dirty="0"/>
+              <a:t>"Difference": 0,</a:t>
+            </a:r>
+          </a:p>
+          <a:p>
+            <a:pPr lvl="4"/>
+            <a:r>
+              <a:rPr lang="zh-TW" altLang="en-US" sz="1000" dirty="0"/>
+              <a:t>"InvMasterID": 9,</a:t>
+            </a:r>
+          </a:p>
+          <a:p>
+            <a:pPr lvl="4"/>
+            <a:r>
+              <a:rPr lang="zh-TW" altLang="en-US" sz="1000" dirty="0"/>
+              <a:t>"WKMasterID": 1,</a:t>
+            </a:r>
+          </a:p>
+          <a:p>
+            <a:pPr lvl="4"/>
+            <a:r>
+              <a:rPr lang="zh-TW" altLang="en-US" sz="1000" dirty="0"/>
+              <a:t>"InvoiceNo": "DT0170168-1",</a:t>
+            </a:r>
+          </a:p>
+          <a:p>
+            <a:pPr lvl="4"/>
+            <a:r>
+              <a:rPr lang="zh-TW" altLang="en-US" sz="1000" dirty="0"/>
+              <a:t>"SubmarineCable": "SJC2",</a:t>
+            </a:r>
+          </a:p>
+          <a:p>
+            <a:pPr lvl="4"/>
+            <a:r>
+              <a:rPr lang="zh-TW" altLang="en-US" sz="1000" dirty="0"/>
+              <a:t>"BillMilestone": "BM12",</a:t>
+            </a:r>
+          </a:p>
+          <a:p>
+            <a:pPr lvl="4"/>
+            <a:r>
+              <a:rPr lang="zh-TW" altLang="en-US" sz="1000" dirty="0"/>
+              <a:t>"FeeAmountPre": </a:t>
+            </a:r>
+            <a:r>
               <a:rPr lang="en-US" altLang="zh-TW" sz="1000" dirty="0"/>
-              <a:t>{…},</a:t>
-            </a:r>
+              <a:t>1000</a:t>
+            </a:r>
+            <a:r>
+              <a:rPr lang="zh-TW" altLang="en-US" sz="1000" dirty="0"/>
+              <a:t>,</a:t>
+            </a:r>
+          </a:p>
+          <a:p>
+            <a:pPr lvl="4"/>
+            <a:r>
+              <a:rPr lang="zh-TW" altLang="en-US" sz="1000" dirty="0"/>
+              <a:t>"FeeAmountPost": </a:t>
+            </a:r>
+            <a:r>
+              <a:rPr lang="en-US" altLang="zh-TW" sz="1000" dirty="0"/>
+              <a:t>600</a:t>
+            </a:r>
+            <a:endParaRPr lang="zh-TW" altLang="en-US" sz="1000" dirty="0"/>
           </a:p>
           <a:p>
             <a:pPr lvl="3"/>
             <a:r>
+              <a:rPr lang="zh-TW" altLang="en-US" sz="1000" dirty="0"/>
+              <a:t>}</a:t>
+            </a:r>
+            <a:r>
               <a:rPr lang="en-US" altLang="zh-TW" sz="1000" dirty="0"/>
-              <a:t>{…},</a:t>
-            </a:r>
-            <a:endParaRPr lang="zh-TW" altLang="en-US" sz="1000" dirty="0"/>
+              <a:t>,</a:t>
+            </a:r>
           </a:p>
           <a:p>
             <a:pPr lvl="2"/>
@@ -9351,8 +8459,8 @@
         </p:nvSpPr>
         <p:spPr>
           <a:xfrm>
-            <a:off x="962351" y="3191552"/>
-            <a:ext cx="6096000" cy="1077218"/>
+            <a:off x="962350" y="3191552"/>
+            <a:ext cx="7930189" cy="1569660"/>
           </a:xfrm>
           <a:prstGeom prst="rect">
             <a:avLst/>
@@ -9366,7 +8474,7 @@
           <a:lstStyle/>
           <a:p>
             <a:r>
-              <a:rPr lang="zh-TW" altLang="en-US" sz="800" dirty="0">
+              <a:rPr lang="zh-TW" altLang="en-US" sz="1200" dirty="0">
                 <a:latin typeface="Times New Roman" panose="02020603050405020304" pitchFamily="18" charset="0"/>
                 <a:ea typeface="標楷體" panose="03000509000000000000" pitchFamily="65" charset="-120"/>
                 <a:cs typeface="Times New Roman" panose="02020603050405020304" pitchFamily="18" charset="0"/>
@@ -9376,7 +8484,7 @@
           </a:p>
           <a:p>
             <a:r>
-              <a:rPr lang="zh-TW" altLang="en-US" sz="800" dirty="0">
+              <a:rPr lang="zh-TW" altLang="en-US" sz="1200" dirty="0">
                 <a:latin typeface="Times New Roman" panose="02020603050405020304" pitchFamily="18" charset="0"/>
                 <a:ea typeface="標楷體" panose="03000509000000000000" pitchFamily="65" charset="-120"/>
                 <a:cs typeface="Times New Roman" panose="02020603050405020304" pitchFamily="18" charset="0"/>
@@ -9384,22 +8492,67 @@
               <a:t>URL: </a:t>
             </a:r>
             <a:r>
-              <a:rPr lang="zh-TW" altLang="en-US" sz="800" dirty="0">
+              <a:rPr lang="zh-TW" altLang="en-US" sz="1200" dirty="0">
                 <a:latin typeface="Times New Roman" panose="02020603050405020304" pitchFamily="18" charset="0"/>
                 <a:ea typeface="標楷體" panose="03000509000000000000" pitchFamily="65" charset="-120"/>
                 <a:cs typeface="Times New Roman" panose="02020603050405020304" pitchFamily="18" charset="0"/>
                 <a:hlinkClick r:id="rId3"/>
               </a:rPr>
-              <a:t>http://localhost:8000/api/v1/BillMaster/{urlCondition}</a:t>
-            </a:r>
-            <a:endParaRPr lang="en-US" altLang="zh-TW" sz="800" dirty="0">
+              <a:t>http://localhost:8000/api/v1</a:t>
+            </a:r>
+            <a:r>
+              <a:rPr lang="en-US" altLang="zh-TW" sz="1200" dirty="0">
+                <a:latin typeface="Times New Roman" panose="02020603050405020304" pitchFamily="18" charset="0"/>
+                <a:ea typeface="標楷體" panose="03000509000000000000" pitchFamily="65" charset="-120"/>
+                <a:cs typeface="Times New Roman" panose="02020603050405020304" pitchFamily="18" charset="0"/>
+                <a:hlinkClick r:id="rId3"/>
+              </a:rPr>
+              <a:t>/</a:t>
+            </a:r>
+            <a:r>
+              <a:rPr lang="en-US" altLang="zh-TW" sz="1200" dirty="0" err="1">
+                <a:latin typeface="Times New Roman" panose="02020603050405020304" pitchFamily="18" charset="0"/>
+                <a:ea typeface="標楷體" panose="03000509000000000000" pitchFamily="65" charset="-120"/>
+                <a:cs typeface="Times New Roman" panose="02020603050405020304" pitchFamily="18" charset="0"/>
+                <a:hlinkClick r:id="rId3"/>
+              </a:rPr>
+              <a:t>getBillMaster&amp;BillDetailWithCBData</a:t>
+            </a:r>
+            <a:r>
+              <a:rPr lang="en-US" altLang="zh-TW" sz="1200" dirty="0">
+                <a:latin typeface="Times New Roman" panose="02020603050405020304" pitchFamily="18" charset="0"/>
+                <a:ea typeface="標楷體" panose="03000509000000000000" pitchFamily="65" charset="-120"/>
+                <a:cs typeface="Times New Roman" panose="02020603050405020304" pitchFamily="18" charset="0"/>
+                <a:hlinkClick r:id="rId3"/>
+              </a:rPr>
+              <a:t>/{</a:t>
+            </a:r>
+            <a:r>
+              <a:rPr lang="en-US" altLang="zh-TW" sz="1200" dirty="0" err="1">
+                <a:latin typeface="Times New Roman" panose="02020603050405020304" pitchFamily="18" charset="0"/>
+                <a:ea typeface="標楷體" panose="03000509000000000000" pitchFamily="65" charset="-120"/>
+                <a:cs typeface="Times New Roman" panose="02020603050405020304" pitchFamily="18" charset="0"/>
+                <a:hlinkClick r:id="rId3"/>
+              </a:rPr>
+              <a:t>urlCondition</a:t>
+            </a:r>
+            <a:r>
+              <a:rPr lang="en-US" altLang="zh-TW" sz="1200" dirty="0">
+                <a:latin typeface="Times New Roman" panose="02020603050405020304" pitchFamily="18" charset="0"/>
+                <a:ea typeface="標楷體" panose="03000509000000000000" pitchFamily="65" charset="-120"/>
+                <a:cs typeface="Times New Roman" panose="02020603050405020304" pitchFamily="18" charset="0"/>
+                <a:hlinkClick r:id="rId3"/>
+              </a:rPr>
+              <a:t>}</a:t>
+            </a:r>
+            <a:endParaRPr lang="en-US" altLang="zh-TW" sz="1200" dirty="0">
               <a:latin typeface="Times New Roman" panose="02020603050405020304" pitchFamily="18" charset="0"/>
               <a:ea typeface="標楷體" panose="03000509000000000000" pitchFamily="65" charset="-120"/>
               <a:cs typeface="Times New Roman" panose="02020603050405020304" pitchFamily="18" charset="0"/>
             </a:endParaRPr>
           </a:p>
           <a:p>
-            <a:endParaRPr lang="en-US" altLang="zh-TW" sz="800" dirty="0">
+            <a:endParaRPr lang="en-US" altLang="zh-TW" sz="1200" dirty="0">
               <a:latin typeface="Times New Roman" panose="02020603050405020304" pitchFamily="18" charset="0"/>
               <a:ea typeface="標楷體" panose="03000509000000000000" pitchFamily="65" charset="-120"/>
               <a:cs typeface="Times New Roman" panose="02020603050405020304" pitchFamily="18" charset="0"/>
@@ -9407,7 +8560,7 @@
           </a:p>
           <a:p>
             <a:r>
-              <a:rPr lang="en-US" altLang="zh-TW" sz="800" dirty="0" err="1">
+              <a:rPr lang="en-US" altLang="zh-TW" sz="1200" dirty="0" err="1">
                 <a:latin typeface="Times New Roman" panose="02020603050405020304" pitchFamily="18" charset="0"/>
                 <a:ea typeface="標楷體" panose="03000509000000000000" pitchFamily="65" charset="-120"/>
                 <a:cs typeface="Times New Roman" panose="02020603050405020304" pitchFamily="18" charset="0"/>
@@ -9415,7 +8568,7 @@
               <a:t>urlCondition</a:t>
             </a:r>
             <a:r>
-              <a:rPr lang="en-US" altLang="zh-TW" sz="800" dirty="0">
+              <a:rPr lang="en-US" altLang="zh-TW" sz="1200" dirty="0">
                 <a:latin typeface="Times New Roman" panose="02020603050405020304" pitchFamily="18" charset="0"/>
                 <a:ea typeface="標楷體" panose="03000509000000000000" pitchFamily="65" charset="-120"/>
                 <a:cs typeface="Times New Roman" panose="02020603050405020304" pitchFamily="18" charset="0"/>
@@ -9429,7 +8582,7 @@
               <a:buAutoNum type="arabicPeriod"/>
             </a:pPr>
             <a:r>
-              <a:rPr lang="en-US" altLang="zh-TW" sz="800" dirty="0">
+              <a:rPr lang="en-US" altLang="zh-TW" sz="1200" dirty="0">
                 <a:latin typeface="Times New Roman" panose="02020603050405020304" pitchFamily="18" charset="0"/>
                 <a:ea typeface="標楷體" panose="03000509000000000000" pitchFamily="65" charset="-120"/>
                 <a:cs typeface="Times New Roman" panose="02020603050405020304" pitchFamily="18" charset="0"/>
@@ -9443,7 +8596,7 @@
               <a:buAutoNum type="arabicPeriod"/>
             </a:pPr>
             <a:r>
-              <a:rPr lang="en-US" altLang="zh-TW" sz="800" dirty="0" err="1">
+              <a:rPr lang="en-US" altLang="zh-TW" sz="1200" dirty="0" err="1">
                 <a:latin typeface="Times New Roman" panose="02020603050405020304" pitchFamily="18" charset="0"/>
                 <a:ea typeface="標楷體" panose="03000509000000000000" pitchFamily="65" charset="-120"/>
                 <a:cs typeface="Times New Roman" panose="02020603050405020304" pitchFamily="18" charset="0"/>
@@ -9451,7 +8604,7 @@
               <a:t>SupplierName</a:t>
             </a:r>
             <a:r>
-              <a:rPr lang="en-US" altLang="zh-TW" sz="800" dirty="0">
+              <a:rPr lang="en-US" altLang="zh-TW" sz="1200" dirty="0">
                 <a:latin typeface="Times New Roman" panose="02020603050405020304" pitchFamily="18" charset="0"/>
                 <a:ea typeface="標楷體" panose="03000509000000000000" pitchFamily="65" charset="-120"/>
                 <a:cs typeface="Times New Roman" panose="02020603050405020304" pitchFamily="18" charset="0"/>
@@ -9459,7 +8612,7 @@
               <a:t>=</a:t>
             </a:r>
             <a:r>
-              <a:rPr lang="zh-TW" altLang="en-US" sz="800" dirty="0">
+              <a:rPr lang="zh-TW" altLang="en-US" sz="1200" dirty="0">
                 <a:latin typeface="Times New Roman" panose="02020603050405020304" pitchFamily="18" charset="0"/>
                 <a:ea typeface="標楷體" panose="03000509000000000000" pitchFamily="65" charset="-120"/>
                 <a:cs typeface="Times New Roman" panose="02020603050405020304" pitchFamily="18" charset="0"/>
@@ -9467,7 +8620,7 @@
               <a:t>供應商名稱</a:t>
             </a:r>
             <a:r>
-              <a:rPr lang="en-US" altLang="zh-TW" sz="800" dirty="0">
+              <a:rPr lang="en-US" altLang="zh-TW" sz="1200" dirty="0">
                 <a:latin typeface="Times New Roman" panose="02020603050405020304" pitchFamily="18" charset="0"/>
                 <a:ea typeface="標楷體" panose="03000509000000000000" pitchFamily="65" charset="-120"/>
                 <a:cs typeface="Times New Roman" panose="02020603050405020304" pitchFamily="18" charset="0"/>
@@ -9475,7 +8628,7 @@
               <a:t>&amp;</a:t>
             </a:r>
             <a:r>
-              <a:rPr lang="en-US" altLang="zh-TW" sz="800" dirty="0" err="1">
+              <a:rPr lang="en-US" altLang="zh-TW" sz="1200" dirty="0" err="1">
                 <a:latin typeface="Times New Roman" panose="02020603050405020304" pitchFamily="18" charset="0"/>
                 <a:ea typeface="標楷體" panose="03000509000000000000" pitchFamily="65" charset="-120"/>
                 <a:cs typeface="Times New Roman" panose="02020603050405020304" pitchFamily="18" charset="0"/>
@@ -9483,7 +8636,7 @@
               <a:t>SubmarineCable</a:t>
             </a:r>
             <a:r>
-              <a:rPr lang="en-US" altLang="zh-TW" sz="800" dirty="0">
+              <a:rPr lang="en-US" altLang="zh-TW" sz="1200" dirty="0">
                 <a:latin typeface="Times New Roman" panose="02020603050405020304" pitchFamily="18" charset="0"/>
                 <a:ea typeface="標楷體" panose="03000509000000000000" pitchFamily="65" charset="-120"/>
                 <a:cs typeface="Times New Roman" panose="02020603050405020304" pitchFamily="18" charset="0"/>
@@ -9491,7 +8644,7 @@
               <a:t>=</a:t>
             </a:r>
             <a:r>
-              <a:rPr lang="zh-TW" altLang="en-US" sz="800" dirty="0">
+              <a:rPr lang="zh-TW" altLang="en-US" sz="1200" dirty="0">
                 <a:latin typeface="Times New Roman" panose="02020603050405020304" pitchFamily="18" charset="0"/>
                 <a:ea typeface="標楷體" panose="03000509000000000000" pitchFamily="65" charset="-120"/>
                 <a:cs typeface="Times New Roman" panose="02020603050405020304" pitchFamily="18" charset="0"/>
@@ -9499,7 +8652,7 @@
               <a:t>海纜名稱</a:t>
             </a:r>
             <a:r>
-              <a:rPr lang="en-US" altLang="zh-TW" sz="800" dirty="0">
+              <a:rPr lang="en-US" altLang="zh-TW" sz="1200" dirty="0">
                 <a:latin typeface="Times New Roman" panose="02020603050405020304" pitchFamily="18" charset="0"/>
                 <a:ea typeface="標楷體" panose="03000509000000000000" pitchFamily="65" charset="-120"/>
                 <a:cs typeface="Times New Roman" panose="02020603050405020304" pitchFamily="18" charset="0"/>
@@ -9507,7 +8660,7 @@
               <a:t>&amp;</a:t>
             </a:r>
             <a:r>
-              <a:rPr lang="en-US" altLang="zh-TW" sz="800" dirty="0" err="1">
+              <a:rPr lang="en-US" altLang="zh-TW" sz="1200" dirty="0" err="1">
                 <a:latin typeface="Times New Roman" panose="02020603050405020304" pitchFamily="18" charset="0"/>
                 <a:ea typeface="標楷體" panose="03000509000000000000" pitchFamily="65" charset="-120"/>
                 <a:cs typeface="Times New Roman" panose="02020603050405020304" pitchFamily="18" charset="0"/>
@@ -9515,7 +8668,7 @@
               <a:t>WorkTitle</a:t>
             </a:r>
             <a:r>
-              <a:rPr lang="en-US" altLang="zh-TW" sz="800" dirty="0">
+              <a:rPr lang="en-US" altLang="zh-TW" sz="1200" dirty="0">
                 <a:latin typeface="Times New Roman" panose="02020603050405020304" pitchFamily="18" charset="0"/>
                 <a:ea typeface="標楷體" panose="03000509000000000000" pitchFamily="65" charset="-120"/>
                 <a:cs typeface="Times New Roman" panose="02020603050405020304" pitchFamily="18" charset="0"/>
@@ -9523,7 +8676,7 @@
               <a:t>=</a:t>
             </a:r>
             <a:r>
-              <a:rPr lang="zh-TW" altLang="en-US" sz="800" dirty="0">
+              <a:rPr lang="zh-TW" altLang="en-US" sz="1200" dirty="0">
                 <a:latin typeface="Times New Roman" panose="02020603050405020304" pitchFamily="18" charset="0"/>
                 <a:ea typeface="標楷體" panose="03000509000000000000" pitchFamily="65" charset="-120"/>
                 <a:cs typeface="Times New Roman" panose="02020603050405020304" pitchFamily="18" charset="0"/>
@@ -9531,7 +8684,7 @@
               <a:t>海纜作業</a:t>
             </a:r>
             <a:r>
-              <a:rPr lang="en-US" altLang="zh-TW" sz="800" dirty="0">
+              <a:rPr lang="en-US" altLang="zh-TW" sz="1200" dirty="0">
                 <a:latin typeface="Times New Roman" panose="02020603050405020304" pitchFamily="18" charset="0"/>
                 <a:ea typeface="標楷體" panose="03000509000000000000" pitchFamily="65" charset="-120"/>
                 <a:cs typeface="Times New Roman" panose="02020603050405020304" pitchFamily="18" charset="0"/>
@@ -9539,7 +8692,7 @@
               <a:t>&amp;</a:t>
             </a:r>
             <a:r>
-              <a:rPr lang="en-US" altLang="zh-TW" sz="800" dirty="0" err="1">
+              <a:rPr lang="en-US" altLang="zh-TW" sz="1200" dirty="0" err="1">
                 <a:latin typeface="Times New Roman" panose="02020603050405020304" pitchFamily="18" charset="0"/>
                 <a:ea typeface="標楷體" panose="03000509000000000000" pitchFamily="65" charset="-120"/>
                 <a:cs typeface="Times New Roman" panose="02020603050405020304" pitchFamily="18" charset="0"/>
@@ -9547,7 +8700,7 @@
               <a:t>PartyName</a:t>
             </a:r>
             <a:r>
-              <a:rPr lang="en-US" altLang="zh-TW" sz="800" dirty="0">
+              <a:rPr lang="en-US" altLang="zh-TW" sz="1200" dirty="0">
                 <a:latin typeface="Times New Roman" panose="02020603050405020304" pitchFamily="18" charset="0"/>
                 <a:ea typeface="標楷體" panose="03000509000000000000" pitchFamily="65" charset="-120"/>
                 <a:cs typeface="Times New Roman" panose="02020603050405020304" pitchFamily="18" charset="0"/>
@@ -9555,14 +8708,14 @@
               <a:t>=</a:t>
             </a:r>
             <a:r>
-              <a:rPr lang="zh-TW" altLang="en-US" sz="800" dirty="0">
+              <a:rPr lang="zh-TW" altLang="en-US" sz="1200" dirty="0">
                 <a:latin typeface="Times New Roman" panose="02020603050405020304" pitchFamily="18" charset="0"/>
                 <a:ea typeface="標楷體" panose="03000509000000000000" pitchFamily="65" charset="-120"/>
                 <a:cs typeface="Times New Roman" panose="02020603050405020304" pitchFamily="18" charset="0"/>
               </a:rPr>
               <a:t>會員名稱</a:t>
             </a:r>
-            <a:endParaRPr lang="en-US" altLang="zh-TW" sz="800" dirty="0">
+            <a:endParaRPr lang="en-US" altLang="zh-TW" sz="1200" dirty="0">
               <a:latin typeface="Times New Roman" panose="02020603050405020304" pitchFamily="18" charset="0"/>
               <a:ea typeface="標楷體" panose="03000509000000000000" pitchFamily="65" charset="-120"/>
               <a:cs typeface="Times New Roman" panose="02020603050405020304" pitchFamily="18" charset="0"/>
@@ -9573,7 +8726,7 @@
               <a:buFont typeface="+mj-lt"/>
               <a:buAutoNum type="arabicPeriod"/>
             </a:pPr>
-            <a:endParaRPr lang="en-US" altLang="zh-TW" sz="800" dirty="0">
+            <a:endParaRPr lang="en-US" altLang="zh-TW" sz="1200" dirty="0">
               <a:latin typeface="Times New Roman" panose="02020603050405020304" pitchFamily="18" charset="0"/>
               <a:ea typeface="標楷體" panose="03000509000000000000" pitchFamily="65" charset="-120"/>
               <a:cs typeface="Times New Roman" panose="02020603050405020304" pitchFamily="18" charset="0"/>
@@ -9581,7 +8734,7 @@
           </a:p>
           <a:p>
             <a:r>
-              <a:rPr lang="zh-TW" altLang="en-US" sz="800" dirty="0">
+              <a:rPr lang="zh-TW" altLang="en-US" sz="1200" dirty="0">
                 <a:highlight>
                   <a:srgbClr val="FFFF00"/>
                 </a:highlight>
@@ -9591,7 +8744,7 @@
               </a:rPr>
               <a:t>回傳值</a:t>
             </a:r>
-            <a:endParaRPr lang="en-US" altLang="zh-TW" sz="800" dirty="0">
+            <a:endParaRPr lang="en-US" altLang="zh-TW" sz="1200" dirty="0">
               <a:highlight>
                 <a:srgbClr val="FFFF00"/>
               </a:highlight>
@@ -9604,10 +8757,10 @@
       </p:sp>
       <p:sp>
         <p:nvSpPr>
-          <p:cNvPr id="9" name="文字方塊 8">
-            <a:extLst>
-              <a:ext uri="{FF2B5EF4-FFF2-40B4-BE49-F238E27FC236}">
-                <a16:creationId xmlns:a16="http://schemas.microsoft.com/office/drawing/2014/main" id="{C9529C03-4666-461D-B41B-09F54EC77DD4}"/>
+          <p:cNvPr id="10" name="文字方塊 9">
+            <a:extLst>
+              <a:ext uri="{FF2B5EF4-FFF2-40B4-BE49-F238E27FC236}">
+                <a16:creationId xmlns:a16="http://schemas.microsoft.com/office/drawing/2014/main" id="{EABE18FE-2CD1-465A-932F-E5EA6BE829E6}"/>
               </a:ext>
             </a:extLst>
           </p:cNvPr>
@@ -9616,8 +8769,8 @@
         </p:nvSpPr>
         <p:spPr>
           <a:xfrm>
-            <a:off x="6512391" y="3429000"/>
-            <a:ext cx="2273022" cy="2862322"/>
+            <a:off x="10182225" y="151179"/>
+            <a:ext cx="1920876" cy="6555641"/>
           </a:xfrm>
           <a:prstGeom prst="rect">
             <a:avLst/>
@@ -9636,134 +8789,920 @@
           <a:lstStyle/>
           <a:p>
             <a:r>
-              <a:rPr lang="zh-TW" altLang="en-US" sz="1000" dirty="0"/>
+              <a:rPr lang="zh-TW" altLang="en-US" sz="600" dirty="0"/>
               <a:t>[</a:t>
             </a:r>
           </a:p>
           <a:p>
             <a:r>
-              <a:rPr lang="zh-TW" altLang="en-US" sz="1000" dirty="0"/>
-              <a:t>     {</a:t>
-            </a:r>
-          </a:p>
-          <a:p>
-            <a:r>
-              <a:rPr lang="zh-TW" altLang="en-US" sz="1000" dirty="0"/>
-              <a:t>        "BillMasterID": 1,</a:t>
-            </a:r>
-          </a:p>
-          <a:p>
-            <a:r>
-              <a:rPr lang="zh-TW" altLang="en-US" sz="1000" dirty="0"/>
-              <a:t>        "BillingNo": "string",</a:t>
-            </a:r>
-          </a:p>
-          <a:p>
-            <a:r>
-              <a:rPr lang="zh-TW" altLang="en-US" sz="1000" dirty="0"/>
-              <a:t>        "PONo": "string",</a:t>
-            </a:r>
-          </a:p>
-          <a:p>
-            <a:r>
-              <a:rPr lang="zh-TW" altLang="en-US" sz="1000" dirty="0"/>
-              <a:t>        "SupplierName": "string",</a:t>
-            </a:r>
-          </a:p>
-          <a:p>
-            <a:r>
-              <a:rPr lang="zh-TW" altLang="en-US" sz="1000" dirty="0"/>
-              <a:t>        "SubmarineCable": "string",</a:t>
-            </a:r>
-          </a:p>
-          <a:p>
-            <a:r>
-              <a:rPr lang="zh-TW" altLang="en-US" sz="1000" dirty="0"/>
-              <a:t>        "WorkTitle": "string",</a:t>
-            </a:r>
-          </a:p>
-          <a:p>
-            <a:r>
-              <a:rPr lang="zh-TW" altLang="en-US" sz="1000" dirty="0"/>
-              <a:t>        "PartyName": "string",</a:t>
-            </a:r>
-          </a:p>
-          <a:p>
-            <a:r>
-              <a:rPr lang="zh-TW" altLang="en-US" sz="1000" dirty="0"/>
-              <a:t>        "IssueDate": "2023-03-04 00:00:00",</a:t>
-            </a:r>
-          </a:p>
-          <a:p>
-            <a:r>
-              <a:rPr lang="zh-TW" altLang="en-US" sz="1000" dirty="0"/>
-              <a:t>        "DueDate": "2023-03-04 00:00:00",</a:t>
-            </a:r>
-          </a:p>
-          <a:p>
-            <a:r>
-              <a:rPr lang="zh-TW" altLang="en-US" sz="1000" dirty="0"/>
-              <a:t>        "FeeAmountSum": 123.45,</a:t>
-            </a:r>
-          </a:p>
-          <a:p>
-            <a:r>
-              <a:rPr lang="zh-TW" altLang="en-US" sz="1000" dirty="0"/>
-              <a:t>        "ReceivedAmountSum": 123.45,</a:t>
-            </a:r>
-          </a:p>
-          <a:p>
-            <a:r>
-              <a:rPr lang="zh-TW" altLang="en-US" sz="1000" dirty="0"/>
-              <a:t>        "IsPro": 1,</a:t>
-            </a:r>
-          </a:p>
-          <a:p>
-            <a:r>
-              <a:rPr lang="zh-TW" altLang="en-US" sz="1000" dirty="0"/>
-              <a:t>        "Status": "string"</a:t>
-            </a:r>
-          </a:p>
-          <a:p>
-            <a:r>
-              <a:rPr lang="zh-TW" altLang="en-US" sz="1000" dirty="0"/>
+              <a:rPr lang="zh-TW" altLang="en-US" sz="600" dirty="0"/>
+              <a:t>    {</a:t>
+            </a:r>
+          </a:p>
+          <a:p>
+            <a:r>
+              <a:rPr lang="zh-TW" altLang="en-US" sz="600" dirty="0"/>
+              <a:t>        "BillMaster": {</a:t>
+            </a:r>
+          </a:p>
+          <a:p>
+            <a:r>
+              <a:rPr lang="zh-TW" altLang="en-US" sz="600" dirty="0"/>
+              <a:t>            "BillMasterID": 1,</a:t>
+            </a:r>
+          </a:p>
+          <a:p>
+            <a:r>
+              <a:rPr lang="zh-TW" altLang="en-US" sz="600" dirty="0"/>
+              <a:t>            "BillingNo": "string",</a:t>
+            </a:r>
+          </a:p>
+          <a:p>
+            <a:r>
+              <a:rPr lang="zh-TW" altLang="en-US" sz="600" dirty="0"/>
+              <a:t>            "PartyName": "string",</a:t>
+            </a:r>
+          </a:p>
+          <a:p>
+            <a:r>
+              <a:rPr lang="zh-TW" altLang="en-US" sz="600" dirty="0"/>
+              <a:t>            "SubmarineCable": "string",</a:t>
+            </a:r>
+          </a:p>
+          <a:p>
+            <a:r>
+              <a:rPr lang="zh-TW" altLang="en-US" sz="600" dirty="0"/>
+              <a:t>            "WorkTitle": "string",</a:t>
+            </a:r>
+          </a:p>
+          <a:p>
+            <a:r>
+              <a:rPr lang="zh-TW" altLang="en-US" sz="600" dirty="0"/>
+              <a:t>            "IssueDate": "2023-01-01 00:00:00",</a:t>
+            </a:r>
+          </a:p>
+          <a:p>
+            <a:r>
+              <a:rPr lang="zh-TW" altLang="en-US" sz="600" dirty="0"/>
+              <a:t>            "DueDate": "2023-01-01 00:00:00",</a:t>
+            </a:r>
+          </a:p>
+          <a:p>
+            <a:r>
+              <a:rPr lang="zh-TW" altLang="en-US" sz="600" dirty="0"/>
+              <a:t>            "FeeAmountSum": 123.45,</a:t>
+            </a:r>
+          </a:p>
+          <a:p>
+            <a:r>
+              <a:rPr lang="zh-TW" altLang="en-US" sz="600" dirty="0"/>
+              <a:t>            "ReceivedAmountSum": 123.45,</a:t>
+            </a:r>
+          </a:p>
+          <a:p>
+            <a:r>
+              <a:rPr lang="zh-TW" altLang="en-US" sz="600" dirty="0"/>
+              <a:t>            "IsPro": 0,</a:t>
+            </a:r>
+          </a:p>
+          <a:p>
+            <a:r>
+              <a:rPr lang="zh-TW" altLang="en-US" sz="600" dirty="0"/>
+              <a:t>            "Status": "string"</a:t>
+            </a:r>
+          </a:p>
+          <a:p>
+            <a:r>
+              <a:rPr lang="zh-TW" altLang="en-US" sz="600" dirty="0"/>
+              <a:t>        },</a:t>
+            </a:r>
+          </a:p>
+          <a:p>
+            <a:r>
+              <a:rPr lang="zh-TW" altLang="en-US" sz="600" dirty="0"/>
+              <a:t>        "data": [</a:t>
+            </a:r>
+          </a:p>
+          <a:p>
+            <a:r>
+              <a:rPr lang="zh-TW" altLang="en-US" sz="600" dirty="0"/>
+              <a:t>            {</a:t>
+            </a:r>
+          </a:p>
+          <a:p>
+            <a:r>
+              <a:rPr lang="zh-TW" altLang="en-US" sz="600" dirty="0"/>
+              <a:t>                "BillDetail": {</a:t>
+            </a:r>
+          </a:p>
+          <a:p>
+            <a:r>
+              <a:rPr lang="zh-TW" altLang="en-US" sz="600" dirty="0"/>
+              <a:t>                    "BillDetailID": 1,</a:t>
+            </a:r>
+          </a:p>
+          <a:p>
+            <a:r>
+              <a:rPr lang="zh-TW" altLang="en-US" sz="600" dirty="0"/>
+              <a:t>                    "BillMasterID": 1,</a:t>
+            </a:r>
+          </a:p>
+          <a:p>
+            <a:r>
+              <a:rPr lang="zh-TW" altLang="en-US" sz="600" dirty="0"/>
+              <a:t>                    "WKMasterID": 1,</a:t>
+            </a:r>
+          </a:p>
+          <a:p>
+            <a:r>
+              <a:rPr lang="zh-TW" altLang="en-US" sz="600" dirty="0"/>
+              <a:t>                    "InvDetailID": 1,</a:t>
+            </a:r>
+          </a:p>
+          <a:p>
+            <a:r>
+              <a:rPr lang="zh-TW" altLang="en-US" sz="600" dirty="0"/>
+              <a:t>                    "PartyName": "string",</a:t>
+            </a:r>
+          </a:p>
+          <a:p>
+            <a:r>
+              <a:rPr lang="zh-TW" altLang="en-US" sz="600" dirty="0"/>
+              <a:t>                    "SupplierName": "string",</a:t>
+            </a:r>
+          </a:p>
+          <a:p>
+            <a:r>
+              <a:rPr lang="zh-TW" altLang="en-US" sz="600" dirty="0"/>
+              <a:t>                    "SubmarineCable": "string",</a:t>
+            </a:r>
+          </a:p>
+          <a:p>
+            <a:r>
+              <a:rPr lang="zh-TW" altLang="en-US" sz="600" dirty="0"/>
+              <a:t>                    "WorkTitle": "string",</a:t>
+            </a:r>
+          </a:p>
+          <a:p>
+            <a:r>
+              <a:rPr lang="zh-TW" altLang="en-US" sz="600" dirty="0"/>
+              <a:t>                    "BillMilestone": "string",</a:t>
+            </a:r>
+          </a:p>
+          <a:p>
+            <a:r>
+              <a:rPr lang="zh-TW" altLang="en-US" sz="600" dirty="0"/>
+              <a:t>                    "FeeItem": "string",</a:t>
+            </a:r>
+          </a:p>
+          <a:p>
+            <a:r>
+              <a:rPr lang="zh-TW" altLang="en-US" sz="600" dirty="0"/>
+              <a:t>                    "OrgFeeAmount": 123.45,</a:t>
+            </a:r>
+          </a:p>
+          <a:p>
+            <a:r>
+              <a:rPr lang="zh-TW" altLang="en-US" sz="600" dirty="0"/>
+              <a:t>                    "DedAmount": 123.45,</a:t>
+            </a:r>
+          </a:p>
+          <a:p>
+            <a:r>
+              <a:rPr lang="zh-TW" altLang="en-US" sz="600" dirty="0"/>
+              <a:t>                    "FeeAmount": 123.45,</a:t>
+            </a:r>
+          </a:p>
+          <a:p>
+            <a:r>
+              <a:rPr lang="zh-TW" altLang="en-US" sz="600" dirty="0"/>
+              <a:t>                    "ReceivedAmount": 123.45,</a:t>
+            </a:r>
+          </a:p>
+          <a:p>
+            <a:r>
+              <a:rPr lang="zh-TW" altLang="en-US" sz="600" dirty="0"/>
+              <a:t>                    "OverAmount": 123.45,</a:t>
+            </a:r>
+          </a:p>
+          <a:p>
+            <a:r>
+              <a:rPr lang="zh-TW" altLang="en-US" sz="600" dirty="0"/>
+              <a:t>                    "ShortAmount": 123.45,</a:t>
+            </a:r>
+          </a:p>
+          <a:p>
+            <a:r>
+              <a:rPr lang="zh-TW" altLang="en-US" sz="600" dirty="0"/>
+              <a:t>                    "BankFees": 123.45,</a:t>
+            </a:r>
+          </a:p>
+          <a:p>
+            <a:r>
+              <a:rPr lang="zh-TW" altLang="en-US" sz="600" dirty="0"/>
+              <a:t>                    "ShortOverReason": "string",</a:t>
+            </a:r>
+          </a:p>
+          <a:p>
+            <a:r>
+              <a:rPr lang="zh-TW" altLang="en-US" sz="600" dirty="0"/>
+              <a:t>                    "WriteOffDate": "2023-03-01 00:00:00",</a:t>
+            </a:r>
+          </a:p>
+          <a:p>
+            <a:r>
+              <a:rPr lang="zh-TW" altLang="en-US" sz="600" dirty="0"/>
+              <a:t>                    "ReceiveDate": "2023-03-01 00:00:00",</a:t>
+            </a:r>
+          </a:p>
+          <a:p>
+            <a:r>
+              <a:rPr lang="zh-TW" altLang="en-US" sz="600" dirty="0"/>
+              <a:t>                    "Note": "string",</a:t>
+            </a:r>
+          </a:p>
+          <a:p>
+            <a:r>
+              <a:rPr lang="zh-TW" altLang="en-US" sz="600" dirty="0"/>
+              <a:t>                    "ToCBAmount": 123.45,</a:t>
+            </a:r>
+          </a:p>
+          <a:p>
+            <a:r>
+              <a:rPr lang="zh-TW" altLang="en-US" sz="600" dirty="0"/>
+              <a:t>                    "Status": "string"</a:t>
+            </a:r>
+          </a:p>
+          <a:p>
+            <a:endParaRPr lang="zh-TW" altLang="en-US" sz="600" dirty="0"/>
+          </a:p>
+          <a:p>
+            <a:r>
+              <a:rPr lang="zh-TW" altLang="en-US" sz="600" dirty="0"/>
+              <a:t>                },</a:t>
+            </a:r>
+          </a:p>
+          <a:p>
+            <a:r>
+              <a:rPr lang="zh-TW" altLang="en-US" sz="600" dirty="0"/>
+              <a:t>                "CB": [</a:t>
+            </a:r>
+          </a:p>
+          <a:p>
+            <a:r>
+              <a:rPr lang="zh-TW" altLang="en-US" sz="600" dirty="0"/>
+              <a:t>                    {</a:t>
+            </a:r>
+          </a:p>
+          <a:p>
+            <a:r>
+              <a:rPr lang="zh-TW" altLang="en-US" sz="600" dirty="0"/>
+              <a:t>                        "CBID": 1,</a:t>
+            </a:r>
+          </a:p>
+          <a:p>
+            <a:r>
+              <a:rPr lang="zh-TW" altLang="en-US" sz="600" dirty="0"/>
+              <a:t>                        "CBType": "string",</a:t>
+            </a:r>
+          </a:p>
+          <a:p>
+            <a:r>
+              <a:rPr lang="zh-TW" altLang="en-US" sz="600" dirty="0"/>
+              <a:t>                        "BillingNo": "string",</a:t>
+            </a:r>
+          </a:p>
+          <a:p>
+            <a:r>
+              <a:rPr lang="zh-TW" altLang="en-US" sz="600" dirty="0"/>
+              <a:t>                        "BLDetailID": 1,</a:t>
+            </a:r>
+          </a:p>
+          <a:p>
+            <a:r>
+              <a:rPr lang="zh-TW" altLang="en-US" sz="600" dirty="0"/>
+              <a:t>                        "SubmarineCable": "string",</a:t>
+            </a:r>
+          </a:p>
+          <a:p>
+            <a:r>
+              <a:rPr lang="zh-TW" altLang="en-US" sz="600" dirty="0"/>
+              <a:t>                        "WorkTitle": "string",</a:t>
+            </a:r>
+          </a:p>
+          <a:p>
+            <a:r>
+              <a:rPr lang="zh-TW" altLang="en-US" sz="600" dirty="0"/>
+              <a:t>                        "BillMilestone": "string",</a:t>
+            </a:r>
+          </a:p>
+          <a:p>
+            <a:r>
+              <a:rPr lang="zh-TW" altLang="en-US" sz="600" dirty="0"/>
+              <a:t>                        "InvoiceNo": "string",</a:t>
+            </a:r>
+          </a:p>
+          <a:p>
+            <a:r>
+              <a:rPr lang="zh-TW" altLang="en-US" sz="600" dirty="0"/>
+              <a:t>                        "CurrAmount": 123.45,</a:t>
+            </a:r>
+          </a:p>
+          <a:p>
+            <a:r>
+              <a:rPr lang="zh-TW" altLang="en-US" sz="600" dirty="0"/>
+              <a:t>                        "PartyName": "string",</a:t>
+            </a:r>
+          </a:p>
+          <a:p>
+            <a:r>
+              <a:rPr lang="zh-TW" altLang="en-US" sz="600" dirty="0"/>
+              <a:t>                        "CreateDate": "2023-04-01 00:00:00",</a:t>
+            </a:r>
+          </a:p>
+          <a:p>
+            <a:r>
+              <a:rPr lang="zh-TW" altLang="en-US" sz="600" dirty="0"/>
+              <a:t>                        "LastUpdDate": "2023-04-01 00:00:00",</a:t>
+            </a:r>
+          </a:p>
+          <a:p>
+            <a:r>
+              <a:rPr lang="zh-TW" altLang="en-US" sz="600" dirty="0"/>
+              <a:t>                        "Note": "string"</a:t>
+            </a:r>
+          </a:p>
+          <a:p>
+            <a:r>
+              <a:rPr lang="zh-TW" altLang="en-US" sz="600" dirty="0"/>
+              <a:t>                    },</a:t>
+            </a:r>
+          </a:p>
+          <a:p>
+            <a:r>
+              <a:rPr lang="zh-TW" altLang="en-US" sz="600" dirty="0"/>
+              <a:t>                    {...},</a:t>
+            </a:r>
+          </a:p>
+          <a:p>
+            <a:r>
+              <a:rPr lang="zh-TW" altLang="en-US" sz="600" dirty="0"/>
+              <a:t>                    {...}</a:t>
+            </a:r>
+          </a:p>
+          <a:p>
+            <a:r>
+              <a:rPr lang="zh-TW" altLang="en-US" sz="600" dirty="0"/>
+              <a:t>                ]</a:t>
+            </a:r>
+          </a:p>
+          <a:p>
+            <a:r>
+              <a:rPr lang="zh-TW" altLang="en-US" sz="600" dirty="0"/>
+              <a:t>            },</a:t>
+            </a:r>
+          </a:p>
+          <a:p>
+            <a:r>
+              <a:rPr lang="zh-TW" altLang="en-US" sz="600" dirty="0"/>
+              <a:t>            {...},</a:t>
+            </a:r>
+          </a:p>
+          <a:p>
+            <a:r>
+              <a:rPr lang="zh-TW" altLang="en-US" sz="600" dirty="0"/>
+              <a:t>            {...}</a:t>
+            </a:r>
+          </a:p>
+          <a:p>
+            <a:r>
+              <a:rPr lang="zh-TW" altLang="en-US" sz="600" dirty="0"/>
+              <a:t>        ]</a:t>
+            </a:r>
+          </a:p>
+          <a:p>
+            <a:r>
+              <a:rPr lang="zh-TW" altLang="en-US" sz="600" dirty="0"/>
               <a:t>    },</a:t>
             </a:r>
           </a:p>
           <a:p>
             <a:r>
-              <a:rPr lang="zh-TW" altLang="en-US" sz="1000" dirty="0"/>
-              <a:t>    {..}</a:t>
-            </a:r>
-          </a:p>
-          <a:p>
-            <a:r>
-              <a:rPr lang="zh-TW" altLang="en-US" sz="1000" dirty="0"/>
+              <a:rPr lang="zh-TW" altLang="en-US" sz="600" dirty="0"/>
+              <a:t>    {...},</a:t>
+            </a:r>
+          </a:p>
+          <a:p>
+            <a:r>
+              <a:rPr lang="zh-TW" altLang="en-US" sz="600" dirty="0"/>
+              <a:t>    {...}</a:t>
+            </a:r>
+          </a:p>
+          <a:p>
+            <a:r>
+              <a:rPr lang="zh-TW" altLang="en-US" sz="600" dirty="0"/>
               <a:t>]</a:t>
             </a:r>
           </a:p>
         </p:txBody>
       </p:sp>
+      <p:pic>
+        <p:nvPicPr>
+          <p:cNvPr id="11" name="圖片 10">
+            <a:extLst>
+              <a:ext uri="{FF2B5EF4-FFF2-40B4-BE49-F238E27FC236}">
+                <a16:creationId xmlns:a16="http://schemas.microsoft.com/office/drawing/2014/main" id="{729C4CE7-E91B-41F6-ADD2-9383DAC3F497}"/>
+              </a:ext>
+            </a:extLst>
+          </p:cNvPr>
+          <p:cNvPicPr>
+            <a:picLocks noChangeAspect="1"/>
+          </p:cNvPicPr>
+          <p:nvPr/>
+        </p:nvPicPr>
+        <p:blipFill>
+          <a:blip r:embed="rId4"/>
+          <a:stretch>
+            <a:fillRect/>
+          </a:stretch>
+        </p:blipFill>
+        <p:spPr>
+          <a:xfrm>
+            <a:off x="7081416" y="227012"/>
+            <a:ext cx="2887750" cy="1405613"/>
+          </a:xfrm>
+          <a:prstGeom prst="rect">
+            <a:avLst/>
+          </a:prstGeom>
+        </p:spPr>
+      </p:pic>
       <p:cxnSp>
         <p:nvCxnSpPr>
-          <p:cNvPr id="12" name="直線單箭頭接點 11">
-            <a:extLst>
-              <a:ext uri="{FF2B5EF4-FFF2-40B4-BE49-F238E27FC236}">
-                <a16:creationId xmlns:a16="http://schemas.microsoft.com/office/drawing/2014/main" id="{598AB7BF-0317-450A-862D-99706D447B11}"/>
+          <p:cNvPr id="13" name="直線單箭頭接點 12">
+            <a:extLst>
+              <a:ext uri="{FF2B5EF4-FFF2-40B4-BE49-F238E27FC236}">
+                <a16:creationId xmlns:a16="http://schemas.microsoft.com/office/drawing/2014/main" id="{672B9A45-249D-4852-9B20-46B94F7D7F1A}"/>
+              </a:ext>
+            </a:extLst>
+          </p:cNvPr>
+          <p:cNvCxnSpPr/>
+          <p:nvPr/>
+        </p:nvCxnSpPr>
+        <p:spPr>
+          <a:xfrm>
+            <a:off x="1244600" y="4761212"/>
+            <a:ext cx="8937624" cy="915688"/>
+          </a:xfrm>
+          <a:prstGeom prst="straightConnector1">
+            <a:avLst/>
+          </a:prstGeom>
+          <a:ln>
+            <a:solidFill>
+              <a:srgbClr val="FF0000"/>
+            </a:solidFill>
+            <a:tailEnd type="triangle"/>
+          </a:ln>
+        </p:spPr>
+        <p:style>
+          <a:lnRef idx="1">
+            <a:schemeClr val="accent1"/>
+          </a:lnRef>
+          <a:fillRef idx="0">
+            <a:schemeClr val="accent1"/>
+          </a:fillRef>
+          <a:effectRef idx="0">
+            <a:schemeClr val="accent1"/>
+          </a:effectRef>
+          <a:fontRef idx="minor">
+            <a:schemeClr val="tx1"/>
+          </a:fontRef>
+        </p:style>
+      </p:cxnSp>
+      <p:sp>
+        <p:nvSpPr>
+          <p:cNvPr id="14" name="矩形 13">
+            <a:extLst>
+              <a:ext uri="{FF2B5EF4-FFF2-40B4-BE49-F238E27FC236}">
+                <a16:creationId xmlns:a16="http://schemas.microsoft.com/office/drawing/2014/main" id="{86A3DE3B-2CC6-4A85-8A88-93F6BBA6A3A2}"/>
+              </a:ext>
+            </a:extLst>
+          </p:cNvPr>
+          <p:cNvSpPr/>
+          <p:nvPr/>
+        </p:nvSpPr>
+        <p:spPr>
+          <a:xfrm>
+            <a:off x="1074420" y="2560320"/>
+            <a:ext cx="6233160" cy="205740"/>
+          </a:xfrm>
+          <a:prstGeom prst="rect">
+            <a:avLst/>
+          </a:prstGeom>
+          <a:noFill/>
+          <a:ln>
+            <a:solidFill>
+              <a:srgbClr val="FF0000"/>
+            </a:solidFill>
+          </a:ln>
+        </p:spPr>
+        <p:style>
+          <a:lnRef idx="2">
+            <a:schemeClr val="accent1">
+              <a:shade val="50000"/>
+            </a:schemeClr>
+          </a:lnRef>
+          <a:fillRef idx="1">
+            <a:schemeClr val="accent1"/>
+          </a:fillRef>
+          <a:effectRef idx="0">
+            <a:schemeClr val="accent1"/>
+          </a:effectRef>
+          <a:fontRef idx="minor">
+            <a:schemeClr val="lt1"/>
+          </a:fontRef>
+        </p:style>
+        <p:txBody>
+          <a:bodyPr rtlCol="0" anchor="ctr"/>
+          <a:lstStyle/>
+          <a:p>
+            <a:pPr algn="ctr"/>
+            <a:endParaRPr lang="zh-TW" altLang="en-US"/>
+          </a:p>
+        </p:txBody>
+      </p:sp>
+      <p:sp>
+        <p:nvSpPr>
+          <p:cNvPr id="15" name="矩形 14">
+            <a:extLst>
+              <a:ext uri="{FF2B5EF4-FFF2-40B4-BE49-F238E27FC236}">
+                <a16:creationId xmlns:a16="http://schemas.microsoft.com/office/drawing/2014/main" id="{2D436F45-86A5-450A-B6A3-50644149D19A}"/>
+              </a:ext>
+            </a:extLst>
+          </p:cNvPr>
+          <p:cNvSpPr/>
+          <p:nvPr/>
+        </p:nvSpPr>
+        <p:spPr>
+          <a:xfrm>
+            <a:off x="10463213" y="466725"/>
+            <a:ext cx="1181100" cy="1000125"/>
+          </a:xfrm>
+          <a:prstGeom prst="rect">
+            <a:avLst/>
+          </a:prstGeom>
+          <a:noFill/>
+          <a:ln>
+            <a:solidFill>
+              <a:srgbClr val="FF0000"/>
+            </a:solidFill>
+          </a:ln>
+        </p:spPr>
+        <p:style>
+          <a:lnRef idx="2">
+            <a:schemeClr val="accent1">
+              <a:shade val="50000"/>
+            </a:schemeClr>
+          </a:lnRef>
+          <a:fillRef idx="1">
+            <a:schemeClr val="accent1"/>
+          </a:fillRef>
+          <a:effectRef idx="0">
+            <a:schemeClr val="accent1"/>
+          </a:effectRef>
+          <a:fontRef idx="minor">
+            <a:schemeClr val="lt1"/>
+          </a:fontRef>
+        </p:style>
+        <p:txBody>
+          <a:bodyPr rtlCol="0" anchor="ctr"/>
+          <a:lstStyle/>
+          <a:p>
+            <a:pPr algn="ctr"/>
+            <a:endParaRPr lang="zh-TW" altLang="en-US"/>
+          </a:p>
+        </p:txBody>
+      </p:sp>
+      <p:cxnSp>
+        <p:nvCxnSpPr>
+          <p:cNvPr id="17" name="接點: 肘形 16">
+            <a:extLst>
+              <a:ext uri="{FF2B5EF4-FFF2-40B4-BE49-F238E27FC236}">
+                <a16:creationId xmlns:a16="http://schemas.microsoft.com/office/drawing/2014/main" id="{A9CD829F-22FB-4FFA-9416-B3E47D3A94FE}"/>
               </a:ext>
             </a:extLst>
           </p:cNvPr>
           <p:cNvCxnSpPr>
-            <a:endCxn id="9" idx="1"/>
+            <a:endCxn id="15" idx="1"/>
           </p:cNvCxnSpPr>
           <p:nvPr/>
         </p:nvCxnSpPr>
         <p:spPr>
+          <a:xfrm flipV="1">
+            <a:off x="7307580" y="966788"/>
+            <a:ext cx="3155633" cy="1700212"/>
+          </a:xfrm>
+          <a:prstGeom prst="bentConnector3">
+            <a:avLst>
+              <a:gd name="adj1" fmla="val 86523"/>
+            </a:avLst>
+          </a:prstGeom>
+          <a:ln>
+            <a:solidFill>
+              <a:srgbClr val="FF0000"/>
+            </a:solidFill>
+            <a:tailEnd type="triangle"/>
+          </a:ln>
+        </p:spPr>
+        <p:style>
+          <a:lnRef idx="1">
+            <a:schemeClr val="accent1"/>
+          </a:lnRef>
+          <a:fillRef idx="0">
+            <a:schemeClr val="accent1"/>
+          </a:fillRef>
+          <a:effectRef idx="0">
+            <a:schemeClr val="accent1"/>
+          </a:effectRef>
+          <a:fontRef idx="minor">
+            <a:schemeClr val="tx1"/>
+          </a:fontRef>
+        </p:style>
+      </p:cxnSp>
+      <p:sp>
+        <p:nvSpPr>
+          <p:cNvPr id="19" name="矩形 18">
+            <a:extLst>
+              <a:ext uri="{FF2B5EF4-FFF2-40B4-BE49-F238E27FC236}">
+                <a16:creationId xmlns:a16="http://schemas.microsoft.com/office/drawing/2014/main" id="{B9728313-1A37-4DBC-8FA2-695FB1AB0EC2}"/>
+              </a:ext>
+            </a:extLst>
+          </p:cNvPr>
+          <p:cNvSpPr/>
+          <p:nvPr/>
+        </p:nvSpPr>
+        <p:spPr>
           <a:xfrm>
-            <a:off x="1237129" y="4268770"/>
-            <a:ext cx="5275262" cy="591391"/>
+            <a:off x="10571798" y="1847850"/>
+            <a:ext cx="1328101" cy="2114550"/>
           </a:xfrm>
-          <a:prstGeom prst="straightConnector1">
+          <a:prstGeom prst="rect">
+            <a:avLst/>
+          </a:prstGeom>
+          <a:noFill/>
+          <a:ln>
+            <a:solidFill>
+              <a:srgbClr val="FF0000"/>
+            </a:solidFill>
+          </a:ln>
+        </p:spPr>
+        <p:style>
+          <a:lnRef idx="2">
+            <a:schemeClr val="accent1">
+              <a:shade val="50000"/>
+            </a:schemeClr>
+          </a:lnRef>
+          <a:fillRef idx="1">
+            <a:schemeClr val="accent1"/>
+          </a:fillRef>
+          <a:effectRef idx="0">
+            <a:schemeClr val="accent1"/>
+          </a:effectRef>
+          <a:fontRef idx="minor">
+            <a:schemeClr val="lt1"/>
+          </a:fontRef>
+        </p:style>
+        <p:txBody>
+          <a:bodyPr rtlCol="0" anchor="ctr"/>
+          <a:lstStyle/>
+          <a:p>
+            <a:pPr algn="ctr"/>
+            <a:endParaRPr lang="zh-TW" altLang="en-US"/>
+          </a:p>
+        </p:txBody>
+      </p:sp>
+      <p:sp>
+        <p:nvSpPr>
+          <p:cNvPr id="20" name="矩形 19">
+            <a:extLst>
+              <a:ext uri="{FF2B5EF4-FFF2-40B4-BE49-F238E27FC236}">
+                <a16:creationId xmlns:a16="http://schemas.microsoft.com/office/drawing/2014/main" id="{AC577D5B-20C3-4F67-980C-15F0A2ACCC03}"/>
+              </a:ext>
+            </a:extLst>
+          </p:cNvPr>
+          <p:cNvSpPr/>
+          <p:nvPr/>
+        </p:nvSpPr>
+        <p:spPr>
+          <a:xfrm>
+            <a:off x="7311230" y="867728"/>
+            <a:ext cx="2412207" cy="180022"/>
+          </a:xfrm>
+          <a:prstGeom prst="rect">
+            <a:avLst/>
+          </a:prstGeom>
+          <a:noFill/>
+          <a:ln>
+            <a:solidFill>
+              <a:srgbClr val="FF0000"/>
+            </a:solidFill>
+          </a:ln>
+        </p:spPr>
+        <p:style>
+          <a:lnRef idx="2">
+            <a:schemeClr val="accent1">
+              <a:shade val="50000"/>
+            </a:schemeClr>
+          </a:lnRef>
+          <a:fillRef idx="1">
+            <a:schemeClr val="accent1"/>
+          </a:fillRef>
+          <a:effectRef idx="0">
+            <a:schemeClr val="accent1"/>
+          </a:effectRef>
+          <a:fontRef idx="minor">
+            <a:schemeClr val="lt1"/>
+          </a:fontRef>
+        </p:style>
+        <p:txBody>
+          <a:bodyPr rtlCol="0" anchor="ctr"/>
+          <a:lstStyle/>
+          <a:p>
+            <a:pPr algn="ctr"/>
+            <a:endParaRPr lang="zh-TW" altLang="en-US"/>
+          </a:p>
+        </p:txBody>
+      </p:sp>
+      <p:cxnSp>
+        <p:nvCxnSpPr>
+          <p:cNvPr id="22" name="接點: 肘形 21">
+            <a:extLst>
+              <a:ext uri="{FF2B5EF4-FFF2-40B4-BE49-F238E27FC236}">
+                <a16:creationId xmlns:a16="http://schemas.microsoft.com/office/drawing/2014/main" id="{4E881090-E123-4147-975D-15A7824C41C4}"/>
+              </a:ext>
+            </a:extLst>
+          </p:cNvPr>
+          <p:cNvCxnSpPr>
+            <a:stCxn id="20" idx="2"/>
+            <a:endCxn id="19" idx="1"/>
+          </p:cNvCxnSpPr>
+          <p:nvPr/>
+        </p:nvCxnSpPr>
+        <p:spPr>
+          <a:xfrm rot="16200000" flipH="1">
+            <a:off x="8615879" y="949205"/>
+            <a:ext cx="1857375" cy="2054464"/>
+          </a:xfrm>
+          <a:prstGeom prst="bentConnector2">
+            <a:avLst/>
+          </a:prstGeom>
+          <a:ln>
+            <a:solidFill>
+              <a:srgbClr val="FF0000"/>
+            </a:solidFill>
+            <a:tailEnd type="triangle"/>
+          </a:ln>
+        </p:spPr>
+        <p:style>
+          <a:lnRef idx="1">
+            <a:schemeClr val="accent1"/>
+          </a:lnRef>
+          <a:fillRef idx="0">
+            <a:schemeClr val="accent1"/>
+          </a:fillRef>
+          <a:effectRef idx="0">
+            <a:schemeClr val="accent1"/>
+          </a:effectRef>
+          <a:fontRef idx="minor">
+            <a:schemeClr val="tx1"/>
+          </a:fontRef>
+        </p:style>
+      </p:cxnSp>
+      <p:sp>
+        <p:nvSpPr>
+          <p:cNvPr id="23" name="矩形 22">
+            <a:extLst>
+              <a:ext uri="{FF2B5EF4-FFF2-40B4-BE49-F238E27FC236}">
+                <a16:creationId xmlns:a16="http://schemas.microsoft.com/office/drawing/2014/main" id="{6F2F9438-5AC5-4358-BFB1-7F92ECA1D595}"/>
+              </a:ext>
+            </a:extLst>
+          </p:cNvPr>
+          <p:cNvSpPr/>
+          <p:nvPr/>
+        </p:nvSpPr>
+        <p:spPr>
+          <a:xfrm>
+            <a:off x="8605838" y="909638"/>
+            <a:ext cx="338137" cy="80048"/>
+          </a:xfrm>
+          <a:prstGeom prst="rect">
+            <a:avLst/>
+          </a:prstGeom>
+          <a:noFill/>
+          <a:ln>
+            <a:solidFill>
+              <a:srgbClr val="FF0000"/>
+            </a:solidFill>
+          </a:ln>
+        </p:spPr>
+        <p:style>
+          <a:lnRef idx="2">
+            <a:schemeClr val="accent1">
+              <a:shade val="50000"/>
+            </a:schemeClr>
+          </a:lnRef>
+          <a:fillRef idx="1">
+            <a:schemeClr val="accent1"/>
+          </a:fillRef>
+          <a:effectRef idx="0">
+            <a:schemeClr val="accent1"/>
+          </a:effectRef>
+          <a:fontRef idx="minor">
+            <a:schemeClr val="lt1"/>
+          </a:fontRef>
+        </p:style>
+        <p:txBody>
+          <a:bodyPr rtlCol="0" anchor="ctr"/>
+          <a:lstStyle/>
+          <a:p>
+            <a:pPr algn="ctr"/>
+            <a:endParaRPr lang="zh-TW" altLang="en-US"/>
+          </a:p>
+        </p:txBody>
+      </p:sp>
+      <p:sp>
+        <p:nvSpPr>
+          <p:cNvPr id="24" name="矩形 23">
+            <a:extLst>
+              <a:ext uri="{FF2B5EF4-FFF2-40B4-BE49-F238E27FC236}">
+                <a16:creationId xmlns:a16="http://schemas.microsoft.com/office/drawing/2014/main" id="{3D01CC30-A7D1-44DD-99A3-EEF4F9C803AC}"/>
+              </a:ext>
+            </a:extLst>
+          </p:cNvPr>
+          <p:cNvSpPr/>
+          <p:nvPr/>
+        </p:nvSpPr>
+        <p:spPr>
+          <a:xfrm>
+            <a:off x="10674192" y="4401464"/>
+            <a:ext cx="627221" cy="89574"/>
+          </a:xfrm>
+          <a:prstGeom prst="rect">
+            <a:avLst/>
+          </a:prstGeom>
+          <a:noFill/>
+          <a:ln>
+            <a:solidFill>
+              <a:srgbClr val="FF0000"/>
+            </a:solidFill>
+          </a:ln>
+        </p:spPr>
+        <p:style>
+          <a:lnRef idx="2">
+            <a:schemeClr val="accent1">
+              <a:shade val="50000"/>
+            </a:schemeClr>
+          </a:lnRef>
+          <a:fillRef idx="1">
+            <a:schemeClr val="accent1"/>
+          </a:fillRef>
+          <a:effectRef idx="0">
+            <a:schemeClr val="accent1"/>
+          </a:effectRef>
+          <a:fontRef idx="minor">
+            <a:schemeClr val="lt1"/>
+          </a:fontRef>
+        </p:style>
+        <p:txBody>
+          <a:bodyPr rtlCol="0" anchor="ctr"/>
+          <a:lstStyle/>
+          <a:p>
+            <a:pPr algn="ctr"/>
+            <a:endParaRPr lang="zh-TW" altLang="en-US"/>
+          </a:p>
+        </p:txBody>
+      </p:sp>
+      <p:cxnSp>
+        <p:nvCxnSpPr>
+          <p:cNvPr id="26" name="接點: 肘形 25">
+            <a:extLst>
+              <a:ext uri="{FF2B5EF4-FFF2-40B4-BE49-F238E27FC236}">
+                <a16:creationId xmlns:a16="http://schemas.microsoft.com/office/drawing/2014/main" id="{F08C521A-26DA-4194-BC4B-C82D53BD107A}"/>
+              </a:ext>
+            </a:extLst>
+          </p:cNvPr>
+          <p:cNvCxnSpPr>
+            <a:cxnSpLocks/>
+            <a:stCxn id="23" idx="2"/>
+            <a:endCxn id="24" idx="1"/>
+          </p:cNvCxnSpPr>
+          <p:nvPr/>
+        </p:nvCxnSpPr>
+        <p:spPr>
+          <a:xfrm rot="16200000" flipH="1">
+            <a:off x="7996267" y="1768325"/>
+            <a:ext cx="3456565" cy="1899285"/>
+          </a:xfrm>
+          <a:prstGeom prst="bentConnector2">
             <a:avLst/>
           </a:prstGeom>
           <a:ln>
